--- a/docs/Perceptive automotive v2.pptx
+++ b/docs/Perceptive automotive v2.pptx
@@ -214,7 +214,7 @@
           <a:p>
             <a:fld id="{5C3EC391-50FB-4417-B04E-0444718DDDB8}" type="datetimeFigureOut">
               <a:rPr lang="fr-FR" smtClean="0"/>
-              <a:t>19/06/2024</a:t>
+              <a:t>21/06/2024</a:t>
             </a:fld>
             <a:endParaRPr lang="fr-FR"/>
           </a:p>
@@ -4763,7 +4763,7 @@
           <a:p>
             <a:fld id="{7DE43FF9-C8CF-45D9-957C-DFE5893265ED}" type="datetime1">
               <a:rPr lang="en-US" smtClean="0"/>
-              <a:t>6/19/2024</a:t>
+              <a:t>6/21/2024</a:t>
             </a:fld>
             <a:endParaRPr lang="en-US" dirty="0"/>
           </a:p>
@@ -5025,7 +5025,7 @@
           <a:p>
             <a:fld id="{C57518F0-EDE0-4831-92DC-24E618EE6637}" type="datetime1">
               <a:rPr lang="en-US" smtClean="0"/>
-              <a:t>6/19/2024</a:t>
+              <a:t>6/21/2024</a:t>
             </a:fld>
             <a:endParaRPr lang="en-US" dirty="0"/>
           </a:p>
@@ -5216,7 +5216,7 @@
           <a:p>
             <a:fld id="{3CDAACBE-30D6-4568-9B11-8DCD916C3C4D}" type="datetime1">
               <a:rPr lang="en-US" smtClean="0"/>
-              <a:t>6/19/2024</a:t>
+              <a:t>6/21/2024</a:t>
             </a:fld>
             <a:endParaRPr lang="en-US" dirty="0"/>
           </a:p>
@@ -5474,7 +5474,7 @@
           <a:p>
             <a:fld id="{04959AFF-A2F8-47D8-A601-E298EE57E9C5}" type="datetime1">
               <a:rPr lang="en-US" smtClean="0"/>
-              <a:t>6/19/2024</a:t>
+              <a:t>6/21/2024</a:t>
             </a:fld>
             <a:endParaRPr lang="en-US" dirty="0"/>
           </a:p>
@@ -5903,7 +5903,7 @@
           <a:p>
             <a:fld id="{04470849-E5B7-41E3-8F5A-577DCDC1E3AC}" type="datetime1">
               <a:rPr lang="en-US" smtClean="0"/>
-              <a:t>6/19/2024</a:t>
+              <a:t>6/21/2024</a:t>
             </a:fld>
             <a:endParaRPr lang="en-US" dirty="0"/>
           </a:p>
@@ -6444,7 +6444,7 @@
           <a:p>
             <a:fld id="{051AA897-37DD-493E-BBF0-FDA5BEBD998C}" type="datetime1">
               <a:rPr lang="en-US" smtClean="0"/>
-              <a:t>6/19/2024</a:t>
+              <a:t>6/21/2024</a:t>
             </a:fld>
             <a:endParaRPr lang="en-US" dirty="0"/>
           </a:p>
@@ -7159,7 +7159,7 @@
           <a:p>
             <a:fld id="{78E2569A-C0D7-4EAD-A1EF-9EC40279ABF5}" type="datetime1">
               <a:rPr lang="en-US" smtClean="0"/>
-              <a:t>6/19/2024</a:t>
+              <a:t>6/21/2024</a:t>
             </a:fld>
             <a:endParaRPr lang="en-US" dirty="0"/>
           </a:p>
@@ -7324,7 +7324,7 @@
           <a:p>
             <a:fld id="{97A8188D-89F8-4FC9-93CC-8D04DEC44443}" type="datetime1">
               <a:rPr lang="en-US" smtClean="0"/>
-              <a:t>6/19/2024</a:t>
+              <a:t>6/21/2024</a:t>
             </a:fld>
             <a:endParaRPr lang="en-US" dirty="0"/>
           </a:p>
@@ -7499,7 +7499,7 @@
           <a:p>
             <a:fld id="{65C8AFF4-D331-4B2D-A56B-D72D0B0F295A}" type="datetime1">
               <a:rPr lang="en-US" smtClean="0"/>
-              <a:t>6/19/2024</a:t>
+              <a:t>6/21/2024</a:t>
             </a:fld>
             <a:endParaRPr lang="en-US" dirty="0"/>
           </a:p>
@@ -7664,7 +7664,7 @@
           <a:p>
             <a:fld id="{D5D59B74-9F17-4691-9887-73103569E3B7}" type="datetime1">
               <a:rPr lang="en-US" smtClean="0"/>
-              <a:t>6/19/2024</a:t>
+              <a:t>6/21/2024</a:t>
             </a:fld>
             <a:endParaRPr lang="en-US" dirty="0"/>
           </a:p>
@@ -7909,7 +7909,7 @@
           <a:p>
             <a:fld id="{4E77D2F9-8C6F-4E09-9899-1D15D576D801}" type="datetime1">
               <a:rPr lang="en-US" smtClean="0"/>
-              <a:t>6/19/2024</a:t>
+              <a:t>6/21/2024</a:t>
             </a:fld>
             <a:endParaRPr lang="en-US" dirty="0"/>
           </a:p>
@@ -8136,7 +8136,7 @@
           <a:p>
             <a:fld id="{872D1635-1945-4F22-9B5E-7674B8DCA5A4}" type="datetime1">
               <a:rPr lang="en-US" smtClean="0"/>
-              <a:t>6/19/2024</a:t>
+              <a:t>6/21/2024</a:t>
             </a:fld>
             <a:endParaRPr lang="en-US" dirty="0"/>
           </a:p>
@@ -8512,7 +8512,7 @@
           <a:p>
             <a:fld id="{78A2AA84-F7ED-47E9-A912-C51B0B7948DB}" type="datetime1">
               <a:rPr lang="en-US" smtClean="0"/>
-              <a:t>6/19/2024</a:t>
+              <a:t>6/21/2024</a:t>
             </a:fld>
             <a:endParaRPr lang="en-US" dirty="0"/>
           </a:p>
@@ -8625,7 +8625,7 @@
           <a:p>
             <a:fld id="{3C83406E-3C96-4ABB-9FE5-A2EBFCD61902}" type="datetime1">
               <a:rPr lang="en-US" smtClean="0"/>
-              <a:t>6/19/2024</a:t>
+              <a:t>6/21/2024</a:t>
             </a:fld>
             <a:endParaRPr lang="en-US" dirty="0"/>
           </a:p>
@@ -8715,7 +8715,7 @@
           <a:p>
             <a:fld id="{2EC2EB48-329D-4668-AA0B-6256199CB2DD}" type="datetime1">
               <a:rPr lang="en-US" smtClean="0"/>
-              <a:t>6/19/2024</a:t>
+              <a:t>6/21/2024</a:t>
             </a:fld>
             <a:endParaRPr lang="en-US" dirty="0"/>
           </a:p>
@@ -8959,7 +8959,7 @@
           <a:p>
             <a:fld id="{C00E0438-8EFC-4B21-B9BB-B00BFC92B32C}" type="datetime1">
               <a:rPr lang="en-US" smtClean="0"/>
-              <a:t>6/19/2024</a:t>
+              <a:t>6/21/2024</a:t>
             </a:fld>
             <a:endParaRPr lang="en-US" dirty="0"/>
           </a:p>
@@ -9234,7 +9234,7 @@
           <a:p>
             <a:fld id="{5B054583-F53D-453B-8565-08F6FD7BFFD5}" type="datetime1">
               <a:rPr lang="en-US" smtClean="0"/>
-              <a:t>6/19/2024</a:t>
+              <a:t>6/21/2024</a:t>
             </a:fld>
             <a:endParaRPr lang="en-US" dirty="0"/>
           </a:p>
@@ -12296,7 +12296,7 @@
           <a:p>
             <a:fld id="{A6773049-8762-40D6-AA37-AAE0811C9A25}" type="datetime1">
               <a:rPr lang="en-US" smtClean="0"/>
-              <a:t>6/19/2024</a:t>
+              <a:t>6/21/2024</a:t>
             </a:fld>
             <a:endParaRPr lang="en-US" dirty="0"/>
           </a:p>
@@ -15821,6 +15821,36 @@
           </a:p>
         </p:txBody>
       </p:sp>
+      <p:pic>
+        <p:nvPicPr>
+          <p:cNvPr id="2" name="Image 1">
+            <a:extLst>
+              <a:ext uri="{FF2B5EF4-FFF2-40B4-BE49-F238E27FC236}">
+                <a16:creationId xmlns:a16="http://schemas.microsoft.com/office/drawing/2014/main" id="{6C783FA2-05C4-4F3D-A73A-94E519BA61FF}"/>
+              </a:ext>
+            </a:extLst>
+          </p:cNvPr>
+          <p:cNvPicPr>
+            <a:picLocks noChangeAspect="1"/>
+          </p:cNvPicPr>
+          <p:nvPr/>
+        </p:nvPicPr>
+        <p:blipFill>
+          <a:blip r:embed="rId2"/>
+          <a:stretch>
+            <a:fillRect/>
+          </a:stretch>
+        </p:blipFill>
+        <p:spPr>
+          <a:xfrm>
+            <a:off x="1632327" y="1951036"/>
+            <a:ext cx="8927343" cy="4267201"/>
+          </a:xfrm>
+          <a:prstGeom prst="rect">
+            <a:avLst/>
+          </a:prstGeom>
+        </p:spPr>
+      </p:pic>
     </p:spTree>
     <p:extLst>
       <p:ext uri="{BB962C8B-B14F-4D97-AF65-F5344CB8AC3E}">

--- a/docs/Perceptive automotive v2.pptx
+++ b/docs/Perceptive automotive v2.pptx
@@ -5,7 +5,7 @@
     <p:sldMasterId id="2147483648" r:id="rId1"/>
   </p:sldMasterIdLst>
   <p:notesMasterIdLst>
-    <p:notesMasterId r:id="rId20"/>
+    <p:notesMasterId r:id="rId22"/>
   </p:notesMasterIdLst>
   <p:sldIdLst>
     <p:sldId id="256" r:id="rId2"/>
@@ -19,13 +19,15 @@
     <p:sldId id="264" r:id="rId10"/>
     <p:sldId id="267" r:id="rId11"/>
     <p:sldId id="266" r:id="rId12"/>
-    <p:sldId id="265" r:id="rId13"/>
-    <p:sldId id="269" r:id="rId14"/>
-    <p:sldId id="270" r:id="rId15"/>
-    <p:sldId id="271" r:id="rId16"/>
-    <p:sldId id="272" r:id="rId17"/>
-    <p:sldId id="273" r:id="rId18"/>
-    <p:sldId id="268" r:id="rId19"/>
+    <p:sldId id="274" r:id="rId13"/>
+    <p:sldId id="265" r:id="rId14"/>
+    <p:sldId id="269" r:id="rId15"/>
+    <p:sldId id="270" r:id="rId16"/>
+    <p:sldId id="271" r:id="rId17"/>
+    <p:sldId id="272" r:id="rId18"/>
+    <p:sldId id="273" r:id="rId19"/>
+    <p:sldId id="275" r:id="rId20"/>
+    <p:sldId id="268" r:id="rId21"/>
   </p:sldIdLst>
   <p:sldSz cx="12192000" cy="6858000"/>
   <p:notesSz cx="6858000" cy="9144000"/>
@@ -214,7 +216,7 @@
           <a:p>
             <a:fld id="{5C3EC391-50FB-4417-B04E-0444718DDDB8}" type="datetimeFigureOut">
               <a:rPr lang="fr-FR" smtClean="0"/>
-              <a:t>21/06/2024</a:t>
+              <a:t>15/07/2024</a:t>
             </a:fld>
             <a:endParaRPr lang="fr-FR"/>
           </a:p>
@@ -538,7 +540,7 @@
           <a:noFill/>
           <a:extLst>
             <a:ext uri="{909E8E84-426E-40dd-AFC4-6F175D3DCCD1}">
-              <a14:hiddenFill xmlns="" xmlns:a14="http://schemas.microsoft.com/office/drawing/2010/main">
+              <a14:hiddenFill xmlns:a14="http://schemas.microsoft.com/office/drawing/2010/main" xmlns="">
                 <a:solidFill>
                   <a:srgbClr val="FFFFFF"/>
                 </a:solidFill>
@@ -597,7 +599,7 @@
             </a:ln>
             <a:extLst>
               <a:ext uri="{91240B29-F687-4f45-9708-019B960494DF}">
-                <a14:hiddenLine xmlns="" xmlns:a14="http://schemas.microsoft.com/office/drawing/2010/main" w="9525">
+                <a14:hiddenLine xmlns:a14="http://schemas.microsoft.com/office/drawing/2010/main" xmlns="" w="9525">
                   <a:solidFill>
                     <a:srgbClr val="000000"/>
                   </a:solidFill>
@@ -687,7 +689,7 @@
             </a:ln>
             <a:extLst>
               <a:ext uri="{91240B29-F687-4f45-9708-019B960494DF}">
-                <a14:hiddenLine xmlns="" xmlns:a14="http://schemas.microsoft.com/office/drawing/2010/main" w="9525">
+                <a14:hiddenLine xmlns:a14="http://schemas.microsoft.com/office/drawing/2010/main" xmlns="" w="9525">
                   <a:solidFill>
                     <a:srgbClr val="000000"/>
                   </a:solidFill>
@@ -777,7 +779,7 @@
             </a:ln>
             <a:extLst>
               <a:ext uri="{91240B29-F687-4f45-9708-019B960494DF}">
-                <a14:hiddenLine xmlns="" xmlns:a14="http://schemas.microsoft.com/office/drawing/2010/main" w="9525">
+                <a14:hiddenLine xmlns:a14="http://schemas.microsoft.com/office/drawing/2010/main" xmlns="" w="9525">
                   <a:solidFill>
                     <a:srgbClr val="000000"/>
                   </a:solidFill>
@@ -811,7 +813,7 @@
             </a:ln>
             <a:extLst>
               <a:ext uri="{91240B29-F687-4f45-9708-019B960494DF}">
-                <a14:hiddenLine xmlns="" xmlns:a14="http://schemas.microsoft.com/office/drawing/2010/main" w="9525">
+                <a14:hiddenLine xmlns:a14="http://schemas.microsoft.com/office/drawing/2010/main" xmlns="" w="9525">
                   <a:solidFill>
                     <a:srgbClr val="000000"/>
                   </a:solidFill>
@@ -901,7 +903,7 @@
             </a:ln>
             <a:extLst>
               <a:ext uri="{91240B29-F687-4f45-9708-019B960494DF}">
-                <a14:hiddenLine xmlns="" xmlns:a14="http://schemas.microsoft.com/office/drawing/2010/main" w="9525">
+                <a14:hiddenLine xmlns:a14="http://schemas.microsoft.com/office/drawing/2010/main" xmlns="" w="9525">
                   <a:solidFill>
                     <a:srgbClr val="000000"/>
                   </a:solidFill>
@@ -963,7 +965,7 @@
             </a:ln>
             <a:extLst>
               <a:ext uri="{91240B29-F687-4f45-9708-019B960494DF}">
-                <a14:hiddenLine xmlns="" xmlns:a14="http://schemas.microsoft.com/office/drawing/2010/main" w="9525">
+                <a14:hiddenLine xmlns:a14="http://schemas.microsoft.com/office/drawing/2010/main" xmlns="" w="9525">
                   <a:solidFill>
                     <a:srgbClr val="000000"/>
                   </a:solidFill>
@@ -1025,7 +1027,7 @@
             </a:ln>
             <a:extLst>
               <a:ext uri="{91240B29-F687-4f45-9708-019B960494DF}">
-                <a14:hiddenLine xmlns="" xmlns:a14="http://schemas.microsoft.com/office/drawing/2010/main" w="9525">
+                <a14:hiddenLine xmlns:a14="http://schemas.microsoft.com/office/drawing/2010/main" xmlns="" w="9525">
                   <a:solidFill>
                     <a:srgbClr val="000000"/>
                   </a:solidFill>
@@ -1115,7 +1117,7 @@
             </a:ln>
             <a:extLst>
               <a:ext uri="{91240B29-F687-4f45-9708-019B960494DF}">
-                <a14:hiddenLine xmlns="" xmlns:a14="http://schemas.microsoft.com/office/drawing/2010/main" w="9525">
+                <a14:hiddenLine xmlns:a14="http://schemas.microsoft.com/office/drawing/2010/main" xmlns="" w="9525">
                   <a:solidFill>
                     <a:srgbClr val="000000"/>
                   </a:solidFill>
@@ -1177,7 +1179,7 @@
             </a:ln>
             <a:extLst>
               <a:ext uri="{91240B29-F687-4f45-9708-019B960494DF}">
-                <a14:hiddenLine xmlns="" xmlns:a14="http://schemas.microsoft.com/office/drawing/2010/main" w="9525">
+                <a14:hiddenLine xmlns:a14="http://schemas.microsoft.com/office/drawing/2010/main" xmlns="" w="9525">
                   <a:solidFill>
                     <a:srgbClr val="000000"/>
                   </a:solidFill>
@@ -1239,7 +1241,7 @@
             </a:ln>
             <a:extLst>
               <a:ext uri="{91240B29-F687-4f45-9708-019B960494DF}">
-                <a14:hiddenLine xmlns="" xmlns:a14="http://schemas.microsoft.com/office/drawing/2010/main" w="9525">
+                <a14:hiddenLine xmlns:a14="http://schemas.microsoft.com/office/drawing/2010/main" xmlns="" w="9525">
                   <a:solidFill>
                     <a:srgbClr val="000000"/>
                   </a:solidFill>
@@ -1329,7 +1331,7 @@
             </a:ln>
             <a:extLst>
               <a:ext uri="{91240B29-F687-4f45-9708-019B960494DF}">
-                <a14:hiddenLine xmlns="" xmlns:a14="http://schemas.microsoft.com/office/drawing/2010/main" w="9525">
+                <a14:hiddenLine xmlns:a14="http://schemas.microsoft.com/office/drawing/2010/main" xmlns="" w="9525">
                   <a:solidFill>
                     <a:srgbClr val="000000"/>
                   </a:solidFill>
@@ -1419,7 +1421,7 @@
             </a:ln>
             <a:extLst>
               <a:ext uri="{91240B29-F687-4f45-9708-019B960494DF}">
-                <a14:hiddenLine xmlns="" xmlns:a14="http://schemas.microsoft.com/office/drawing/2010/main" w="9525">
+                <a14:hiddenLine xmlns:a14="http://schemas.microsoft.com/office/drawing/2010/main" xmlns="" w="9525">
                   <a:solidFill>
                     <a:srgbClr val="000000"/>
                   </a:solidFill>
@@ -1481,7 +1483,7 @@
             </a:ln>
             <a:extLst>
               <a:ext uri="{91240B29-F687-4f45-9708-019B960494DF}">
-                <a14:hiddenLine xmlns="" xmlns:a14="http://schemas.microsoft.com/office/drawing/2010/main" w="9525">
+                <a14:hiddenLine xmlns:a14="http://schemas.microsoft.com/office/drawing/2010/main" xmlns="" w="9525">
                   <a:solidFill>
                     <a:srgbClr val="000000"/>
                   </a:solidFill>
@@ -1591,7 +1593,7 @@
             </a:ln>
             <a:extLst>
               <a:ext uri="{91240B29-F687-4f45-9708-019B960494DF}">
-                <a14:hiddenLine xmlns="" xmlns:a14="http://schemas.microsoft.com/office/drawing/2010/main" w="9525">
+                <a14:hiddenLine xmlns:a14="http://schemas.microsoft.com/office/drawing/2010/main" xmlns="" w="9525">
                   <a:solidFill>
                     <a:srgbClr val="000000"/>
                   </a:solidFill>
@@ -1653,7 +1655,7 @@
             </a:ln>
             <a:extLst>
               <a:ext uri="{91240B29-F687-4f45-9708-019B960494DF}">
-                <a14:hiddenLine xmlns="" xmlns:a14="http://schemas.microsoft.com/office/drawing/2010/main" w="9525">
+                <a14:hiddenLine xmlns:a14="http://schemas.microsoft.com/office/drawing/2010/main" xmlns="" w="9525">
                   <a:solidFill>
                     <a:srgbClr val="000000"/>
                   </a:solidFill>
@@ -1743,7 +1745,7 @@
             </a:ln>
             <a:extLst>
               <a:ext uri="{91240B29-F687-4f45-9708-019B960494DF}">
-                <a14:hiddenLine xmlns="" xmlns:a14="http://schemas.microsoft.com/office/drawing/2010/main" w="9525">
+                <a14:hiddenLine xmlns:a14="http://schemas.microsoft.com/office/drawing/2010/main" xmlns="" w="9525">
                   <a:solidFill>
                     <a:srgbClr val="000000"/>
                   </a:solidFill>
@@ -1833,7 +1835,7 @@
             </a:ln>
             <a:extLst>
               <a:ext uri="{91240B29-F687-4f45-9708-019B960494DF}">
-                <a14:hiddenLine xmlns="" xmlns:a14="http://schemas.microsoft.com/office/drawing/2010/main" w="9525">
+                <a14:hiddenLine xmlns:a14="http://schemas.microsoft.com/office/drawing/2010/main" xmlns="" w="9525">
                   <a:solidFill>
                     <a:srgbClr val="000000"/>
                   </a:solidFill>
@@ -1895,7 +1897,7 @@
             </a:ln>
             <a:extLst>
               <a:ext uri="{91240B29-F687-4f45-9708-019B960494DF}">
-                <a14:hiddenLine xmlns="" xmlns:a14="http://schemas.microsoft.com/office/drawing/2010/main" w="9525">
+                <a14:hiddenLine xmlns:a14="http://schemas.microsoft.com/office/drawing/2010/main" xmlns="" w="9525">
                   <a:solidFill>
                     <a:srgbClr val="000000"/>
                   </a:solidFill>
@@ -1985,7 +1987,7 @@
             </a:ln>
             <a:extLst>
               <a:ext uri="{91240B29-F687-4f45-9708-019B960494DF}">
-                <a14:hiddenLine xmlns="" xmlns:a14="http://schemas.microsoft.com/office/drawing/2010/main" w="9525">
+                <a14:hiddenLine xmlns:a14="http://schemas.microsoft.com/office/drawing/2010/main" xmlns="" w="9525">
                   <a:solidFill>
                     <a:srgbClr val="000000"/>
                   </a:solidFill>
@@ -2075,7 +2077,7 @@
             </a:ln>
             <a:extLst>
               <a:ext uri="{91240B29-F687-4f45-9708-019B960494DF}">
-                <a14:hiddenLine xmlns="" xmlns:a14="http://schemas.microsoft.com/office/drawing/2010/main" w="9525">
+                <a14:hiddenLine xmlns:a14="http://schemas.microsoft.com/office/drawing/2010/main" xmlns="" w="9525">
                   <a:solidFill>
                     <a:srgbClr val="000000"/>
                   </a:solidFill>
@@ -2131,7 +2133,7 @@
             </a:ln>
             <a:extLst>
               <a:ext uri="{91240B29-F687-4f45-9708-019B960494DF}">
-                <a14:hiddenLine xmlns="" xmlns:a14="http://schemas.microsoft.com/office/drawing/2010/main" w="9525">
+                <a14:hiddenLine xmlns:a14="http://schemas.microsoft.com/office/drawing/2010/main" xmlns="" w="9525">
                   <a:solidFill>
                     <a:srgbClr val="000000"/>
                   </a:solidFill>
@@ -2221,7 +2223,7 @@
             </a:ln>
             <a:extLst>
               <a:ext uri="{91240B29-F687-4f45-9708-019B960494DF}">
-                <a14:hiddenLine xmlns="" xmlns:a14="http://schemas.microsoft.com/office/drawing/2010/main" w="9525">
+                <a14:hiddenLine xmlns:a14="http://schemas.microsoft.com/office/drawing/2010/main" xmlns="" w="9525">
                   <a:solidFill>
                     <a:srgbClr val="000000"/>
                   </a:solidFill>
@@ -2277,7 +2279,7 @@
             </a:ln>
             <a:extLst>
               <a:ext uri="{91240B29-F687-4f45-9708-019B960494DF}">
-                <a14:hiddenLine xmlns="" xmlns:a14="http://schemas.microsoft.com/office/drawing/2010/main" w="9525">
+                <a14:hiddenLine xmlns:a14="http://schemas.microsoft.com/office/drawing/2010/main" xmlns="" w="9525">
                   <a:solidFill>
                     <a:srgbClr val="000000"/>
                   </a:solidFill>
@@ -2367,7 +2369,7 @@
             </a:ln>
             <a:extLst>
               <a:ext uri="{91240B29-F687-4f45-9708-019B960494DF}">
-                <a14:hiddenLine xmlns="" xmlns:a14="http://schemas.microsoft.com/office/drawing/2010/main" w="9525">
+                <a14:hiddenLine xmlns:a14="http://schemas.microsoft.com/office/drawing/2010/main" xmlns="" w="9525">
                   <a:solidFill>
                     <a:srgbClr val="000000"/>
                   </a:solidFill>
@@ -2435,7 +2437,7 @@
             </a:ln>
             <a:extLst>
               <a:ext uri="{91240B29-F687-4f45-9708-019B960494DF}">
-                <a14:hiddenLine xmlns="" xmlns:a14="http://schemas.microsoft.com/office/drawing/2010/main" w="9525">
+                <a14:hiddenLine xmlns:a14="http://schemas.microsoft.com/office/drawing/2010/main" xmlns="" w="9525">
                   <a:solidFill>
                     <a:srgbClr val="000000"/>
                   </a:solidFill>
@@ -2525,7 +2527,7 @@
             </a:ln>
             <a:extLst>
               <a:ext uri="{91240B29-F687-4f45-9708-019B960494DF}">
-                <a14:hiddenLine xmlns="" xmlns:a14="http://schemas.microsoft.com/office/drawing/2010/main" w="9525">
+                <a14:hiddenLine xmlns:a14="http://schemas.microsoft.com/office/drawing/2010/main" xmlns="" w="9525">
                   <a:solidFill>
                     <a:srgbClr val="000000"/>
                   </a:solidFill>
@@ -2593,7 +2595,7 @@
             </a:ln>
             <a:extLst>
               <a:ext uri="{91240B29-F687-4f45-9708-019B960494DF}">
-                <a14:hiddenLine xmlns="" xmlns:a14="http://schemas.microsoft.com/office/drawing/2010/main" w="9525">
+                <a14:hiddenLine xmlns:a14="http://schemas.microsoft.com/office/drawing/2010/main" xmlns="" w="9525">
                   <a:solidFill>
                     <a:srgbClr val="000000"/>
                   </a:solidFill>
@@ -2683,7 +2685,7 @@
             </a:ln>
             <a:extLst>
               <a:ext uri="{91240B29-F687-4f45-9708-019B960494DF}">
-                <a14:hiddenLine xmlns="" xmlns:a14="http://schemas.microsoft.com/office/drawing/2010/main" w="9525">
+                <a14:hiddenLine xmlns:a14="http://schemas.microsoft.com/office/drawing/2010/main" xmlns="" w="9525">
                   <a:solidFill>
                     <a:srgbClr val="000000"/>
                   </a:solidFill>
@@ -2717,7 +2719,7 @@
             </a:ln>
             <a:extLst>
               <a:ext uri="{91240B29-F687-4f45-9708-019B960494DF}">
-                <a14:hiddenLine xmlns="" xmlns:a14="http://schemas.microsoft.com/office/drawing/2010/main" w="9525">
+                <a14:hiddenLine xmlns:a14="http://schemas.microsoft.com/office/drawing/2010/main" xmlns="" w="9525">
                   <a:solidFill>
                     <a:srgbClr val="000000"/>
                   </a:solidFill>
@@ -2807,7 +2809,7 @@
             </a:ln>
             <a:extLst>
               <a:ext uri="{91240B29-F687-4f45-9708-019B960494DF}">
-                <a14:hiddenLine xmlns="" xmlns:a14="http://schemas.microsoft.com/office/drawing/2010/main" w="9525">
+                <a14:hiddenLine xmlns:a14="http://schemas.microsoft.com/office/drawing/2010/main" xmlns="" w="9525">
                   <a:solidFill>
                     <a:srgbClr val="000000"/>
                   </a:solidFill>
@@ -2869,7 +2871,7 @@
             </a:ln>
             <a:extLst>
               <a:ext uri="{91240B29-F687-4f45-9708-019B960494DF}">
-                <a14:hiddenLine xmlns="" xmlns:a14="http://schemas.microsoft.com/office/drawing/2010/main" w="9525">
+                <a14:hiddenLine xmlns:a14="http://schemas.microsoft.com/office/drawing/2010/main" xmlns="" w="9525">
                   <a:solidFill>
                     <a:srgbClr val="000000"/>
                   </a:solidFill>
@@ -2931,7 +2933,7 @@
             </a:ln>
             <a:extLst>
               <a:ext uri="{91240B29-F687-4f45-9708-019B960494DF}">
-                <a14:hiddenLine xmlns="" xmlns:a14="http://schemas.microsoft.com/office/drawing/2010/main" w="9525">
+                <a14:hiddenLine xmlns:a14="http://schemas.microsoft.com/office/drawing/2010/main" xmlns="" w="9525">
                   <a:solidFill>
                     <a:srgbClr val="000000"/>
                   </a:solidFill>
@@ -3021,7 +3023,7 @@
             </a:ln>
             <a:extLst>
               <a:ext uri="{91240B29-F687-4f45-9708-019B960494DF}">
-                <a14:hiddenLine xmlns="" xmlns:a14="http://schemas.microsoft.com/office/drawing/2010/main" w="9525">
+                <a14:hiddenLine xmlns:a14="http://schemas.microsoft.com/office/drawing/2010/main" xmlns="" w="9525">
                   <a:solidFill>
                     <a:srgbClr val="000000"/>
                   </a:solidFill>
@@ -3089,7 +3091,7 @@
             </a:ln>
             <a:extLst>
               <a:ext uri="{91240B29-F687-4f45-9708-019B960494DF}">
-                <a14:hiddenLine xmlns="" xmlns:a14="http://schemas.microsoft.com/office/drawing/2010/main" w="9525">
+                <a14:hiddenLine xmlns:a14="http://schemas.microsoft.com/office/drawing/2010/main" xmlns="" w="9525">
                   <a:solidFill>
                     <a:srgbClr val="000000"/>
                   </a:solidFill>
@@ -3151,7 +3153,7 @@
             </a:ln>
             <a:extLst>
               <a:ext uri="{91240B29-F687-4f45-9708-019B960494DF}">
-                <a14:hiddenLine xmlns="" xmlns:a14="http://schemas.microsoft.com/office/drawing/2010/main" w="9525">
+                <a14:hiddenLine xmlns:a14="http://schemas.microsoft.com/office/drawing/2010/main" xmlns="" w="9525">
                   <a:solidFill>
                     <a:srgbClr val="000000"/>
                   </a:solidFill>
@@ -3241,7 +3243,7 @@
             </a:ln>
             <a:extLst>
               <a:ext uri="{91240B29-F687-4f45-9708-019B960494DF}">
-                <a14:hiddenLine xmlns="" xmlns:a14="http://schemas.microsoft.com/office/drawing/2010/main" w="9525">
+                <a14:hiddenLine xmlns:a14="http://schemas.microsoft.com/office/drawing/2010/main" xmlns="" w="9525">
                   <a:solidFill>
                     <a:srgbClr val="000000"/>
                   </a:solidFill>
@@ -3303,7 +3305,7 @@
             </a:ln>
             <a:extLst>
               <a:ext uri="{91240B29-F687-4f45-9708-019B960494DF}">
-                <a14:hiddenLine xmlns="" xmlns:a14="http://schemas.microsoft.com/office/drawing/2010/main" w="9525">
+                <a14:hiddenLine xmlns:a14="http://schemas.microsoft.com/office/drawing/2010/main" xmlns="" w="9525">
                   <a:solidFill>
                     <a:srgbClr val="000000"/>
                   </a:solidFill>
@@ -3393,7 +3395,7 @@
             </a:ln>
             <a:extLst>
               <a:ext uri="{91240B29-F687-4f45-9708-019B960494DF}">
-                <a14:hiddenLine xmlns="" xmlns:a14="http://schemas.microsoft.com/office/drawing/2010/main" w="9525">
+                <a14:hiddenLine xmlns:a14="http://schemas.microsoft.com/office/drawing/2010/main" xmlns="" w="9525">
                   <a:solidFill>
                     <a:srgbClr val="000000"/>
                   </a:solidFill>
@@ -3455,7 +3457,7 @@
             </a:ln>
             <a:extLst>
               <a:ext uri="{91240B29-F687-4f45-9708-019B960494DF}">
-                <a14:hiddenLine xmlns="" xmlns:a14="http://schemas.microsoft.com/office/drawing/2010/main" w="9525">
+                <a14:hiddenLine xmlns:a14="http://schemas.microsoft.com/office/drawing/2010/main" xmlns="" w="9525">
                   <a:solidFill>
                     <a:srgbClr val="000000"/>
                   </a:solidFill>
@@ -3545,7 +3547,7 @@
             </a:ln>
             <a:extLst>
               <a:ext uri="{91240B29-F687-4f45-9708-019B960494DF}">
-                <a14:hiddenLine xmlns="" xmlns:a14="http://schemas.microsoft.com/office/drawing/2010/main" w="9525">
+                <a14:hiddenLine xmlns:a14="http://schemas.microsoft.com/office/drawing/2010/main" xmlns="" w="9525">
                   <a:solidFill>
                     <a:srgbClr val="000000"/>
                   </a:solidFill>
@@ -3579,7 +3581,7 @@
             </a:ln>
             <a:extLst>
               <a:ext uri="{91240B29-F687-4f45-9708-019B960494DF}">
-                <a14:hiddenLine xmlns="" xmlns:a14="http://schemas.microsoft.com/office/drawing/2010/main" w="9525">
+                <a14:hiddenLine xmlns:a14="http://schemas.microsoft.com/office/drawing/2010/main" xmlns="" w="9525">
                   <a:solidFill>
                     <a:srgbClr val="000000"/>
                   </a:solidFill>
@@ -3644,7 +3646,7 @@
             </a:ln>
             <a:extLst>
               <a:ext uri="{91240B29-F687-4f45-9708-019B960494DF}">
-                <a14:hiddenLine xmlns="" xmlns:a14="http://schemas.microsoft.com/office/drawing/2010/main" w="9525">
+                <a14:hiddenLine xmlns:a14="http://schemas.microsoft.com/office/drawing/2010/main" xmlns="" w="9525">
                   <a:solidFill>
                     <a:srgbClr val="000000"/>
                   </a:solidFill>
@@ -3734,7 +3736,7 @@
             </a:ln>
             <a:extLst>
               <a:ext uri="{91240B29-F687-4f45-9708-019B960494DF}">
-                <a14:hiddenLine xmlns="" xmlns:a14="http://schemas.microsoft.com/office/drawing/2010/main" w="9525">
+                <a14:hiddenLine xmlns:a14="http://schemas.microsoft.com/office/drawing/2010/main" xmlns="" w="9525">
                   <a:solidFill>
                     <a:srgbClr val="000000"/>
                   </a:solidFill>
@@ -3796,7 +3798,7 @@
             </a:ln>
             <a:extLst>
               <a:ext uri="{91240B29-F687-4f45-9708-019B960494DF}">
-                <a14:hiddenLine xmlns="" xmlns:a14="http://schemas.microsoft.com/office/drawing/2010/main" w="9525">
+                <a14:hiddenLine xmlns:a14="http://schemas.microsoft.com/office/drawing/2010/main" xmlns="" w="9525">
                   <a:solidFill>
                     <a:srgbClr val="000000"/>
                   </a:solidFill>
@@ -3886,7 +3888,7 @@
             </a:ln>
             <a:extLst>
               <a:ext uri="{91240B29-F687-4f45-9708-019B960494DF}">
-                <a14:hiddenLine xmlns="" xmlns:a14="http://schemas.microsoft.com/office/drawing/2010/main" w="9525">
+                <a14:hiddenLine xmlns:a14="http://schemas.microsoft.com/office/drawing/2010/main" xmlns="" w="9525">
                   <a:solidFill>
                     <a:srgbClr val="000000"/>
                   </a:solidFill>
@@ -3976,7 +3978,7 @@
             </a:ln>
             <a:extLst>
               <a:ext uri="{91240B29-F687-4f45-9708-019B960494DF}">
-                <a14:hiddenLine xmlns="" xmlns:a14="http://schemas.microsoft.com/office/drawing/2010/main" w="9525">
+                <a14:hiddenLine xmlns:a14="http://schemas.microsoft.com/office/drawing/2010/main" xmlns="" w="9525">
                   <a:solidFill>
                     <a:srgbClr val="000000"/>
                   </a:solidFill>
@@ -4041,7 +4043,7 @@
             </a:ln>
             <a:extLst>
               <a:ext uri="{91240B29-F687-4f45-9708-019B960494DF}">
-                <a14:hiddenLine xmlns="" xmlns:a14="http://schemas.microsoft.com/office/drawing/2010/main" w="9525">
+                <a14:hiddenLine xmlns:a14="http://schemas.microsoft.com/office/drawing/2010/main" xmlns="" w="9525">
                   <a:solidFill>
                     <a:srgbClr val="000000"/>
                   </a:solidFill>
@@ -4103,7 +4105,7 @@
             </a:ln>
             <a:extLst>
               <a:ext uri="{91240B29-F687-4f45-9708-019B960494DF}">
-                <a14:hiddenLine xmlns="" xmlns:a14="http://schemas.microsoft.com/office/drawing/2010/main" w="9525">
+                <a14:hiddenLine xmlns:a14="http://schemas.microsoft.com/office/drawing/2010/main" xmlns="" w="9525">
                   <a:solidFill>
                     <a:srgbClr val="000000"/>
                   </a:solidFill>
@@ -4193,7 +4195,7 @@
             </a:ln>
             <a:extLst>
               <a:ext uri="{91240B29-F687-4f45-9708-019B960494DF}">
-                <a14:hiddenLine xmlns="" xmlns:a14="http://schemas.microsoft.com/office/drawing/2010/main" w="9525">
+                <a14:hiddenLine xmlns:a14="http://schemas.microsoft.com/office/drawing/2010/main" xmlns="" w="9525">
                   <a:solidFill>
                     <a:srgbClr val="000000"/>
                   </a:solidFill>
@@ -4283,7 +4285,7 @@
             </a:ln>
             <a:extLst>
               <a:ext uri="{91240B29-F687-4f45-9708-019B960494DF}">
-                <a14:hiddenLine xmlns="" xmlns:a14="http://schemas.microsoft.com/office/drawing/2010/main" w="9525">
+                <a14:hiddenLine xmlns:a14="http://schemas.microsoft.com/office/drawing/2010/main" xmlns="" w="9525">
                   <a:solidFill>
                     <a:srgbClr val="000000"/>
                   </a:solidFill>
@@ -4345,7 +4347,7 @@
             </a:ln>
             <a:extLst>
               <a:ext uri="{91240B29-F687-4f45-9708-019B960494DF}">
-                <a14:hiddenLine xmlns="" xmlns:a14="http://schemas.microsoft.com/office/drawing/2010/main" w="9525">
+                <a14:hiddenLine xmlns:a14="http://schemas.microsoft.com/office/drawing/2010/main" xmlns="" w="9525">
                   <a:solidFill>
                     <a:srgbClr val="000000"/>
                   </a:solidFill>
@@ -4465,7 +4467,7 @@
             </a:ln>
             <a:extLst>
               <a:ext uri="{91240B29-F687-4f45-9708-019B960494DF}">
-                <a14:hiddenLine xmlns="" xmlns:a14="http://schemas.microsoft.com/office/drawing/2010/main" w="9525">
+                <a14:hiddenLine xmlns:a14="http://schemas.microsoft.com/office/drawing/2010/main" xmlns="" w="9525">
                   <a:solidFill>
                     <a:srgbClr val="000000"/>
                   </a:solidFill>
@@ -4533,7 +4535,7 @@
             </a:ln>
             <a:extLst>
               <a:ext uri="{91240B29-F687-4f45-9708-019B960494DF}">
-                <a14:hiddenLine xmlns="" xmlns:a14="http://schemas.microsoft.com/office/drawing/2010/main" w="9525">
+                <a14:hiddenLine xmlns:a14="http://schemas.microsoft.com/office/drawing/2010/main" xmlns="" w="9525">
                   <a:solidFill>
                     <a:srgbClr val="000000"/>
                   </a:solidFill>
@@ -4623,7 +4625,7 @@
             </a:ln>
             <a:extLst>
               <a:ext uri="{91240B29-F687-4f45-9708-019B960494DF}">
-                <a14:hiddenLine xmlns="" xmlns:a14="http://schemas.microsoft.com/office/drawing/2010/main" w="9525">
+                <a14:hiddenLine xmlns:a14="http://schemas.microsoft.com/office/drawing/2010/main" xmlns="" w="9525">
                   <a:solidFill>
                     <a:srgbClr val="000000"/>
                   </a:solidFill>
@@ -4763,7 +4765,7 @@
           <a:p>
             <a:fld id="{7DE43FF9-C8CF-45D9-957C-DFE5893265ED}" type="datetime1">
               <a:rPr lang="en-US" smtClean="0"/>
-              <a:t>6/21/2024</a:t>
+              <a:t>7/15/2024</a:t>
             </a:fld>
             <a:endParaRPr lang="en-US" dirty="0"/>
           </a:p>
@@ -5025,7 +5027,7 @@
           <a:p>
             <a:fld id="{C57518F0-EDE0-4831-92DC-24E618EE6637}" type="datetime1">
               <a:rPr lang="en-US" smtClean="0"/>
-              <a:t>6/21/2024</a:t>
+              <a:t>7/15/2024</a:t>
             </a:fld>
             <a:endParaRPr lang="en-US" dirty="0"/>
           </a:p>
@@ -5216,7 +5218,7 @@
           <a:p>
             <a:fld id="{3CDAACBE-30D6-4568-9B11-8DCD916C3C4D}" type="datetime1">
               <a:rPr lang="en-US" smtClean="0"/>
-              <a:t>6/21/2024</a:t>
+              <a:t>7/15/2024</a:t>
             </a:fld>
             <a:endParaRPr lang="en-US" dirty="0"/>
           </a:p>
@@ -5474,7 +5476,7 @@
           <a:p>
             <a:fld id="{04959AFF-A2F8-47D8-A601-E298EE57E9C5}" type="datetime1">
               <a:rPr lang="en-US" smtClean="0"/>
-              <a:t>6/21/2024</a:t>
+              <a:t>7/15/2024</a:t>
             </a:fld>
             <a:endParaRPr lang="en-US" dirty="0"/>
           </a:p>
@@ -5903,7 +5905,7 @@
           <a:p>
             <a:fld id="{04470849-E5B7-41E3-8F5A-577DCDC1E3AC}" type="datetime1">
               <a:rPr lang="en-US" smtClean="0"/>
-              <a:t>6/21/2024</a:t>
+              <a:t>7/15/2024</a:t>
             </a:fld>
             <a:endParaRPr lang="en-US" dirty="0"/>
           </a:p>
@@ -6444,7 +6446,7 @@
           <a:p>
             <a:fld id="{051AA897-37DD-493E-BBF0-FDA5BEBD998C}" type="datetime1">
               <a:rPr lang="en-US" smtClean="0"/>
-              <a:t>6/21/2024</a:t>
+              <a:t>7/15/2024</a:t>
             </a:fld>
             <a:endParaRPr lang="en-US" dirty="0"/>
           </a:p>
@@ -7159,7 +7161,7 @@
           <a:p>
             <a:fld id="{78E2569A-C0D7-4EAD-A1EF-9EC40279ABF5}" type="datetime1">
               <a:rPr lang="en-US" smtClean="0"/>
-              <a:t>6/21/2024</a:t>
+              <a:t>7/15/2024</a:t>
             </a:fld>
             <a:endParaRPr lang="en-US" dirty="0"/>
           </a:p>
@@ -7324,7 +7326,7 @@
           <a:p>
             <a:fld id="{97A8188D-89F8-4FC9-93CC-8D04DEC44443}" type="datetime1">
               <a:rPr lang="en-US" smtClean="0"/>
-              <a:t>6/21/2024</a:t>
+              <a:t>7/15/2024</a:t>
             </a:fld>
             <a:endParaRPr lang="en-US" dirty="0"/>
           </a:p>
@@ -7499,7 +7501,7 @@
           <a:p>
             <a:fld id="{65C8AFF4-D331-4B2D-A56B-D72D0B0F295A}" type="datetime1">
               <a:rPr lang="en-US" smtClean="0"/>
-              <a:t>6/21/2024</a:t>
+              <a:t>7/15/2024</a:t>
             </a:fld>
             <a:endParaRPr lang="en-US" dirty="0"/>
           </a:p>
@@ -7664,7 +7666,7 @@
           <a:p>
             <a:fld id="{D5D59B74-9F17-4691-9887-73103569E3B7}" type="datetime1">
               <a:rPr lang="en-US" smtClean="0"/>
-              <a:t>6/21/2024</a:t>
+              <a:t>7/15/2024</a:t>
             </a:fld>
             <a:endParaRPr lang="en-US" dirty="0"/>
           </a:p>
@@ -7909,7 +7911,7 @@
           <a:p>
             <a:fld id="{4E77D2F9-8C6F-4E09-9899-1D15D576D801}" type="datetime1">
               <a:rPr lang="en-US" smtClean="0"/>
-              <a:t>6/21/2024</a:t>
+              <a:t>7/15/2024</a:t>
             </a:fld>
             <a:endParaRPr lang="en-US" dirty="0"/>
           </a:p>
@@ -8136,7 +8138,7 @@
           <a:p>
             <a:fld id="{872D1635-1945-4F22-9B5E-7674B8DCA5A4}" type="datetime1">
               <a:rPr lang="en-US" smtClean="0"/>
-              <a:t>6/21/2024</a:t>
+              <a:t>7/15/2024</a:t>
             </a:fld>
             <a:endParaRPr lang="en-US" dirty="0"/>
           </a:p>
@@ -8512,7 +8514,7 @@
           <a:p>
             <a:fld id="{78A2AA84-F7ED-47E9-A912-C51B0B7948DB}" type="datetime1">
               <a:rPr lang="en-US" smtClean="0"/>
-              <a:t>6/21/2024</a:t>
+              <a:t>7/15/2024</a:t>
             </a:fld>
             <a:endParaRPr lang="en-US" dirty="0"/>
           </a:p>
@@ -8625,7 +8627,7 @@
           <a:p>
             <a:fld id="{3C83406E-3C96-4ABB-9FE5-A2EBFCD61902}" type="datetime1">
               <a:rPr lang="en-US" smtClean="0"/>
-              <a:t>6/21/2024</a:t>
+              <a:t>7/15/2024</a:t>
             </a:fld>
             <a:endParaRPr lang="en-US" dirty="0"/>
           </a:p>
@@ -8715,7 +8717,7 @@
           <a:p>
             <a:fld id="{2EC2EB48-329D-4668-AA0B-6256199CB2DD}" type="datetime1">
               <a:rPr lang="en-US" smtClean="0"/>
-              <a:t>6/21/2024</a:t>
+              <a:t>7/15/2024</a:t>
             </a:fld>
             <a:endParaRPr lang="en-US" dirty="0"/>
           </a:p>
@@ -8959,7 +8961,7 @@
           <a:p>
             <a:fld id="{C00E0438-8EFC-4B21-B9BB-B00BFC92B32C}" type="datetime1">
               <a:rPr lang="en-US" smtClean="0"/>
-              <a:t>6/21/2024</a:t>
+              <a:t>7/15/2024</a:t>
             </a:fld>
             <a:endParaRPr lang="en-US" dirty="0"/>
           </a:p>
@@ -9234,7 +9236,7 @@
           <a:p>
             <a:fld id="{5B054583-F53D-453B-8565-08F6FD7BFFD5}" type="datetime1">
               <a:rPr lang="en-US" smtClean="0"/>
-              <a:t>6/21/2024</a:t>
+              <a:t>7/15/2024</a:t>
             </a:fld>
             <a:endParaRPr lang="en-US" dirty="0"/>
           </a:p>
@@ -9352,7 +9354,7 @@
           <a:noFill/>
           <a:extLst>
             <a:ext uri="{909E8E84-426E-40dd-AFC4-6F175D3DCCD1}">
-              <a14:hiddenFill xmlns="" xmlns:a14="http://schemas.microsoft.com/office/drawing/2010/main">
+              <a14:hiddenFill xmlns:a14="http://schemas.microsoft.com/office/drawing/2010/main" xmlns="">
                 <a:solidFill>
                   <a:srgbClr val="FFFFFF"/>
                 </a:solidFill>
@@ -9426,7 +9428,7 @@
               </a:ln>
               <a:extLst>
                 <a:ext uri="{91240B29-F687-4f45-9708-019B960494DF}">
-                  <a14:hiddenLine xmlns="" xmlns:a14="http://schemas.microsoft.com/office/drawing/2010/main" w="9525">
+                  <a14:hiddenLine xmlns:a14="http://schemas.microsoft.com/office/drawing/2010/main" xmlns="" w="9525">
                     <a:solidFill>
                       <a:srgbClr val="000000"/>
                     </a:solidFill>
@@ -9516,7 +9518,7 @@
               </a:ln>
               <a:extLst>
                 <a:ext uri="{91240B29-F687-4f45-9708-019B960494DF}">
-                  <a14:hiddenLine xmlns="" xmlns:a14="http://schemas.microsoft.com/office/drawing/2010/main" w="9525">
+                  <a14:hiddenLine xmlns:a14="http://schemas.microsoft.com/office/drawing/2010/main" xmlns="" w="9525">
                     <a:solidFill>
                       <a:srgbClr val="000000"/>
                     </a:solidFill>
@@ -9606,7 +9608,7 @@
               </a:ln>
               <a:extLst>
                 <a:ext uri="{91240B29-F687-4f45-9708-019B960494DF}">
-                  <a14:hiddenLine xmlns="" xmlns:a14="http://schemas.microsoft.com/office/drawing/2010/main" w="9525">
+                  <a14:hiddenLine xmlns:a14="http://schemas.microsoft.com/office/drawing/2010/main" xmlns="" w="9525">
                     <a:solidFill>
                       <a:srgbClr val="000000"/>
                     </a:solidFill>
@@ -9668,7 +9670,7 @@
               </a:ln>
               <a:extLst>
                 <a:ext uri="{91240B29-F687-4f45-9708-019B960494DF}">
-                  <a14:hiddenLine xmlns="" xmlns:a14="http://schemas.microsoft.com/office/drawing/2010/main" w="9525">
+                  <a14:hiddenLine xmlns:a14="http://schemas.microsoft.com/office/drawing/2010/main" xmlns="" w="9525">
                     <a:solidFill>
                       <a:srgbClr val="000000"/>
                     </a:solidFill>
@@ -9758,7 +9760,7 @@
               </a:ln>
               <a:extLst>
                 <a:ext uri="{91240B29-F687-4f45-9708-019B960494DF}">
-                  <a14:hiddenLine xmlns="" xmlns:a14="http://schemas.microsoft.com/office/drawing/2010/main" w="9525">
+                  <a14:hiddenLine xmlns:a14="http://schemas.microsoft.com/office/drawing/2010/main" xmlns="" w="9525">
                     <a:solidFill>
                       <a:srgbClr val="000000"/>
                     </a:solidFill>
@@ -9820,7 +9822,7 @@
               </a:ln>
               <a:extLst>
                 <a:ext uri="{91240B29-F687-4f45-9708-019B960494DF}">
-                  <a14:hiddenLine xmlns="" xmlns:a14="http://schemas.microsoft.com/office/drawing/2010/main" w="9525">
+                  <a14:hiddenLine xmlns:a14="http://schemas.microsoft.com/office/drawing/2010/main" xmlns="" w="9525">
                     <a:solidFill>
                       <a:srgbClr val="000000"/>
                     </a:solidFill>
@@ -9882,7 +9884,7 @@
               </a:ln>
               <a:extLst>
                 <a:ext uri="{91240B29-F687-4f45-9708-019B960494DF}">
-                  <a14:hiddenLine xmlns="" xmlns:a14="http://schemas.microsoft.com/office/drawing/2010/main" w="9525">
+                  <a14:hiddenLine xmlns:a14="http://schemas.microsoft.com/office/drawing/2010/main" xmlns="" w="9525">
                     <a:solidFill>
                       <a:srgbClr val="000000"/>
                     </a:solidFill>
@@ -9972,7 +9974,7 @@
               </a:ln>
               <a:extLst>
                 <a:ext uri="{91240B29-F687-4f45-9708-019B960494DF}">
-                  <a14:hiddenLine xmlns="" xmlns:a14="http://schemas.microsoft.com/office/drawing/2010/main" w="9525">
+                  <a14:hiddenLine xmlns:a14="http://schemas.microsoft.com/office/drawing/2010/main" xmlns="" w="9525">
                     <a:solidFill>
                       <a:srgbClr val="000000"/>
                     </a:solidFill>
@@ -10062,7 +10064,7 @@
               </a:ln>
               <a:extLst>
                 <a:ext uri="{91240B29-F687-4f45-9708-019B960494DF}">
-                  <a14:hiddenLine xmlns="" xmlns:a14="http://schemas.microsoft.com/office/drawing/2010/main" w="9525">
+                  <a14:hiddenLine xmlns:a14="http://schemas.microsoft.com/office/drawing/2010/main" xmlns="" w="9525">
                     <a:solidFill>
                       <a:srgbClr val="000000"/>
                     </a:solidFill>
@@ -10124,7 +10126,7 @@
               </a:ln>
               <a:extLst>
                 <a:ext uri="{91240B29-F687-4f45-9708-019B960494DF}">
-                  <a14:hiddenLine xmlns="" xmlns:a14="http://schemas.microsoft.com/office/drawing/2010/main" w="9525">
+                  <a14:hiddenLine xmlns:a14="http://schemas.microsoft.com/office/drawing/2010/main" xmlns="" w="9525">
                     <a:solidFill>
                       <a:srgbClr val="000000"/>
                     </a:solidFill>
@@ -10234,7 +10236,7 @@
               </a:ln>
               <a:extLst>
                 <a:ext uri="{91240B29-F687-4f45-9708-019B960494DF}">
-                  <a14:hiddenLine xmlns="" xmlns:a14="http://schemas.microsoft.com/office/drawing/2010/main" w="9525">
+                  <a14:hiddenLine xmlns:a14="http://schemas.microsoft.com/office/drawing/2010/main" xmlns="" w="9525">
                     <a:solidFill>
                       <a:srgbClr val="000000"/>
                     </a:solidFill>
@@ -10318,7 +10320,7 @@
               </a:ln>
               <a:extLst>
                 <a:ext uri="{91240B29-F687-4f45-9708-019B960494DF}">
-                  <a14:hiddenLine xmlns="" xmlns:a14="http://schemas.microsoft.com/office/drawing/2010/main" w="9525">
+                  <a14:hiddenLine xmlns:a14="http://schemas.microsoft.com/office/drawing/2010/main" xmlns="" w="9525">
                     <a:solidFill>
                       <a:srgbClr val="000000"/>
                     </a:solidFill>
@@ -10380,7 +10382,7 @@
               </a:ln>
               <a:extLst>
                 <a:ext uri="{91240B29-F687-4f45-9708-019B960494DF}">
-                  <a14:hiddenLine xmlns="" xmlns:a14="http://schemas.microsoft.com/office/drawing/2010/main" w="9525">
+                  <a14:hiddenLine xmlns:a14="http://schemas.microsoft.com/office/drawing/2010/main" xmlns="" w="9525">
                     <a:solidFill>
                       <a:srgbClr val="000000"/>
                     </a:solidFill>
@@ -10442,7 +10444,7 @@
               </a:ln>
               <a:extLst>
                 <a:ext uri="{91240B29-F687-4f45-9708-019B960494DF}">
-                  <a14:hiddenLine xmlns="" xmlns:a14="http://schemas.microsoft.com/office/drawing/2010/main" w="9525">
+                  <a14:hiddenLine xmlns:a14="http://schemas.microsoft.com/office/drawing/2010/main" xmlns="" w="9525">
                     <a:solidFill>
                       <a:srgbClr val="000000"/>
                     </a:solidFill>
@@ -10532,7 +10534,7 @@
               </a:ln>
               <a:extLst>
                 <a:ext uri="{91240B29-F687-4f45-9708-019B960494DF}">
-                  <a14:hiddenLine xmlns="" xmlns:a14="http://schemas.microsoft.com/office/drawing/2010/main" w="9525">
+                  <a14:hiddenLine xmlns:a14="http://schemas.microsoft.com/office/drawing/2010/main" xmlns="" w="9525">
                     <a:solidFill>
                       <a:srgbClr val="000000"/>
                     </a:solidFill>
@@ -10566,7 +10568,7 @@
               </a:ln>
               <a:extLst>
                 <a:ext uri="{91240B29-F687-4f45-9708-019B960494DF}">
-                  <a14:hiddenLine xmlns="" xmlns:a14="http://schemas.microsoft.com/office/drawing/2010/main" w="9525">
+                  <a14:hiddenLine xmlns:a14="http://schemas.microsoft.com/office/drawing/2010/main" xmlns="" w="9525">
                     <a:solidFill>
                       <a:srgbClr val="000000"/>
                     </a:solidFill>
@@ -10631,7 +10633,7 @@
               </a:ln>
               <a:extLst>
                 <a:ext uri="{91240B29-F687-4f45-9708-019B960494DF}">
-                  <a14:hiddenLine xmlns="" xmlns:a14="http://schemas.microsoft.com/office/drawing/2010/main" w="9525">
+                  <a14:hiddenLine xmlns:a14="http://schemas.microsoft.com/office/drawing/2010/main" xmlns="" w="9525">
                     <a:solidFill>
                       <a:srgbClr val="000000"/>
                     </a:solidFill>
@@ -10721,7 +10723,7 @@
               </a:ln>
               <a:extLst>
                 <a:ext uri="{91240B29-F687-4f45-9708-019B960494DF}">
-                  <a14:hiddenLine xmlns="" xmlns:a14="http://schemas.microsoft.com/office/drawing/2010/main" w="9525">
+                  <a14:hiddenLine xmlns:a14="http://schemas.microsoft.com/office/drawing/2010/main" xmlns="" w="9525">
                     <a:solidFill>
                       <a:srgbClr val="000000"/>
                     </a:solidFill>
@@ -10783,7 +10785,7 @@
               </a:ln>
               <a:extLst>
                 <a:ext uri="{91240B29-F687-4f45-9708-019B960494DF}">
-                  <a14:hiddenLine xmlns="" xmlns:a14="http://schemas.microsoft.com/office/drawing/2010/main" w="9525">
+                  <a14:hiddenLine xmlns:a14="http://schemas.microsoft.com/office/drawing/2010/main" xmlns="" w="9525">
                     <a:solidFill>
                       <a:srgbClr val="000000"/>
                     </a:solidFill>
@@ -10873,7 +10875,7 @@
               </a:ln>
               <a:extLst>
                 <a:ext uri="{91240B29-F687-4f45-9708-019B960494DF}">
-                  <a14:hiddenLine xmlns="" xmlns:a14="http://schemas.microsoft.com/office/drawing/2010/main" w="9525">
+                  <a14:hiddenLine xmlns:a14="http://schemas.microsoft.com/office/drawing/2010/main" xmlns="" w="9525">
                     <a:solidFill>
                       <a:srgbClr val="000000"/>
                     </a:solidFill>
@@ -10938,7 +10940,7 @@
               </a:ln>
               <a:extLst>
                 <a:ext uri="{91240B29-F687-4f45-9708-019B960494DF}">
-                  <a14:hiddenLine xmlns="" xmlns:a14="http://schemas.microsoft.com/office/drawing/2010/main" w="9525">
+                  <a14:hiddenLine xmlns:a14="http://schemas.microsoft.com/office/drawing/2010/main" xmlns="" w="9525">
                     <a:solidFill>
                       <a:srgbClr val="000000"/>
                     </a:solidFill>
@@ -11000,7 +11002,7 @@
               </a:ln>
               <a:extLst>
                 <a:ext uri="{91240B29-F687-4f45-9708-019B960494DF}">
-                  <a14:hiddenLine xmlns="" xmlns:a14="http://schemas.microsoft.com/office/drawing/2010/main" w="9525">
+                  <a14:hiddenLine xmlns:a14="http://schemas.microsoft.com/office/drawing/2010/main" xmlns="" w="9525">
                     <a:solidFill>
                       <a:srgbClr val="000000"/>
                     </a:solidFill>
@@ -11090,7 +11092,7 @@
               </a:ln>
               <a:extLst>
                 <a:ext uri="{91240B29-F687-4f45-9708-019B960494DF}">
-                  <a14:hiddenLine xmlns="" xmlns:a14="http://schemas.microsoft.com/office/drawing/2010/main" w="9525">
+                  <a14:hiddenLine xmlns:a14="http://schemas.microsoft.com/office/drawing/2010/main" xmlns="" w="9525">
                     <a:solidFill>
                       <a:srgbClr val="000000"/>
                     </a:solidFill>
@@ -11180,7 +11182,7 @@
               </a:ln>
               <a:extLst>
                 <a:ext uri="{91240B29-F687-4f45-9708-019B960494DF}">
-                  <a14:hiddenLine xmlns="" xmlns:a14="http://schemas.microsoft.com/office/drawing/2010/main" w="9525">
+                  <a14:hiddenLine xmlns:a14="http://schemas.microsoft.com/office/drawing/2010/main" xmlns="" w="9525">
                     <a:solidFill>
                       <a:srgbClr val="000000"/>
                     </a:solidFill>
@@ -11245,7 +11247,7 @@
               </a:ln>
               <a:extLst>
                 <a:ext uri="{91240B29-F687-4f45-9708-019B960494DF}">
-                  <a14:hiddenLine xmlns="" xmlns:a14="http://schemas.microsoft.com/office/drawing/2010/main" w="9525">
+                  <a14:hiddenLine xmlns:a14="http://schemas.microsoft.com/office/drawing/2010/main" xmlns="" w="9525">
                     <a:solidFill>
                       <a:srgbClr val="000000"/>
                     </a:solidFill>
@@ -11365,7 +11367,7 @@
               </a:ln>
               <a:extLst>
                 <a:ext uri="{91240B29-F687-4f45-9708-019B960494DF}">
-                  <a14:hiddenLine xmlns="" xmlns:a14="http://schemas.microsoft.com/office/drawing/2010/main" w="9525">
+                  <a14:hiddenLine xmlns:a14="http://schemas.microsoft.com/office/drawing/2010/main" xmlns="" w="9525">
                     <a:solidFill>
                       <a:srgbClr val="000000"/>
                     </a:solidFill>
@@ -11446,7 +11448,7 @@
               </a:ln>
               <a:extLst>
                 <a:ext uri="{91240B29-F687-4f45-9708-019B960494DF}">
-                  <a14:hiddenLine xmlns="" xmlns:a14="http://schemas.microsoft.com/office/drawing/2010/main" w="9525">
+                  <a14:hiddenLine xmlns:a14="http://schemas.microsoft.com/office/drawing/2010/main" xmlns="" w="9525">
                     <a:solidFill>
                       <a:srgbClr val="000000"/>
                     </a:solidFill>
@@ -11561,7 +11563,7 @@
               </a:ln>
               <a:extLst>
                 <a:ext uri="{91240B29-F687-4f45-9708-019B960494DF}">
-                  <a14:hiddenLine xmlns="" xmlns:a14="http://schemas.microsoft.com/office/drawing/2010/main" w="9525">
+                  <a14:hiddenLine xmlns:a14="http://schemas.microsoft.com/office/drawing/2010/main" xmlns="" w="9525">
                     <a:solidFill>
                       <a:srgbClr val="000000"/>
                     </a:solidFill>
@@ -11651,7 +11653,7 @@
               </a:ln>
               <a:extLst>
                 <a:ext uri="{91240B29-F687-4f45-9708-019B960494DF}">
-                  <a14:hiddenLine xmlns="" xmlns:a14="http://schemas.microsoft.com/office/drawing/2010/main" w="9525">
+                  <a14:hiddenLine xmlns:a14="http://schemas.microsoft.com/office/drawing/2010/main" xmlns="" w="9525">
                     <a:solidFill>
                       <a:srgbClr val="000000"/>
                     </a:solidFill>
@@ -11716,7 +11718,7 @@
               </a:ln>
               <a:extLst>
                 <a:ext uri="{91240B29-F687-4f45-9708-019B960494DF}">
-                  <a14:hiddenLine xmlns="" xmlns:a14="http://schemas.microsoft.com/office/drawing/2010/main" w="9525">
+                  <a14:hiddenLine xmlns:a14="http://schemas.microsoft.com/office/drawing/2010/main" xmlns="" w="9525">
                     <a:solidFill>
                       <a:srgbClr val="000000"/>
                     </a:solidFill>
@@ -11806,7 +11808,7 @@
               </a:ln>
               <a:extLst>
                 <a:ext uri="{91240B29-F687-4f45-9708-019B960494DF}">
-                  <a14:hiddenLine xmlns="" xmlns:a14="http://schemas.microsoft.com/office/drawing/2010/main" w="9525">
+                  <a14:hiddenLine xmlns:a14="http://schemas.microsoft.com/office/drawing/2010/main" xmlns="" w="9525">
                     <a:solidFill>
                       <a:srgbClr val="000000"/>
                     </a:solidFill>
@@ -11874,7 +11876,7 @@
               </a:ln>
               <a:extLst>
                 <a:ext uri="{91240B29-F687-4f45-9708-019B960494DF}">
-                  <a14:hiddenLine xmlns="" xmlns:a14="http://schemas.microsoft.com/office/drawing/2010/main" w="9525">
+                  <a14:hiddenLine xmlns:a14="http://schemas.microsoft.com/office/drawing/2010/main" xmlns="" w="9525">
                     <a:solidFill>
                       <a:srgbClr val="000000"/>
                     </a:solidFill>
@@ -11964,7 +11966,7 @@
               </a:ln>
               <a:extLst>
                 <a:ext uri="{91240B29-F687-4f45-9708-019B960494DF}">
-                  <a14:hiddenLine xmlns="" xmlns:a14="http://schemas.microsoft.com/office/drawing/2010/main" w="9525">
+                  <a14:hiddenLine xmlns:a14="http://schemas.microsoft.com/office/drawing/2010/main" xmlns="" w="9525">
                     <a:solidFill>
                       <a:srgbClr val="000000"/>
                     </a:solidFill>
@@ -12032,7 +12034,7 @@
               </a:ln>
               <a:extLst>
                 <a:ext uri="{91240B29-F687-4f45-9708-019B960494DF}">
-                  <a14:hiddenLine xmlns="" xmlns:a14="http://schemas.microsoft.com/office/drawing/2010/main" w="9525">
+                  <a14:hiddenLine xmlns:a14="http://schemas.microsoft.com/office/drawing/2010/main" xmlns="" w="9525">
                     <a:solidFill>
                       <a:srgbClr val="000000"/>
                     </a:solidFill>
@@ -12122,7 +12124,7 @@
               </a:ln>
               <a:extLst>
                 <a:ext uri="{91240B29-F687-4f45-9708-019B960494DF}">
-                  <a14:hiddenLine xmlns="" xmlns:a14="http://schemas.microsoft.com/office/drawing/2010/main" w="9525">
+                  <a14:hiddenLine xmlns:a14="http://schemas.microsoft.com/office/drawing/2010/main" xmlns="" w="9525">
                     <a:solidFill>
                       <a:srgbClr val="000000"/>
                     </a:solidFill>
@@ -12156,7 +12158,7 @@
               </a:ln>
               <a:extLst>
                 <a:ext uri="{91240B29-F687-4f45-9708-019B960494DF}">
-                  <a14:hiddenLine xmlns="" xmlns:a14="http://schemas.microsoft.com/office/drawing/2010/main" w="9525">
+                  <a14:hiddenLine xmlns:a14="http://schemas.microsoft.com/office/drawing/2010/main" xmlns="" w="9525">
                     <a:solidFill>
                       <a:srgbClr val="000000"/>
                     </a:solidFill>
@@ -12296,7 +12298,7 @@
           <a:p>
             <a:fld id="{A6773049-8762-40D6-AA37-AAE0811C9A25}" type="datetime1">
               <a:rPr lang="en-US" smtClean="0"/>
-              <a:t>6/21/2024</a:t>
+              <a:t>7/15/2024</a:t>
             </a:fld>
             <a:endParaRPr lang="en-US" dirty="0"/>
           </a:p>
@@ -13104,49 +13106,32 @@
       </p:sp>
       <p:pic>
         <p:nvPicPr>
-          <p:cNvPr id="12290" name="Picture 2" descr="https://github.com/ApolloAuto/apollo/raw/master/docs/02_Quick%20Start/demo_guide/images/Apollo_3_5_software_architecture.png">
+          <p:cNvPr id="2" name="Image 1">
             <a:extLst>
               <a:ext uri="{FF2B5EF4-FFF2-40B4-BE49-F238E27FC236}">
-                <a16:creationId xmlns:a16="http://schemas.microsoft.com/office/drawing/2014/main" id="{B607D42D-2C1D-40E2-A216-4AD972532175}"/>
+                <a16:creationId xmlns:a16="http://schemas.microsoft.com/office/drawing/2014/main" id="{6E377395-1C9B-448E-9582-54294D249E76}"/>
               </a:ext>
             </a:extLst>
           </p:cNvPr>
           <p:cNvPicPr>
-            <a:picLocks noChangeAspect="1" noChangeArrowheads="1"/>
+            <a:picLocks noChangeAspect="1"/>
           </p:cNvPicPr>
           <p:nvPr/>
         </p:nvPicPr>
         <p:blipFill>
-          <a:blip r:embed="rId2">
-            <a:extLst>
-              <a:ext uri="{28A0092B-C50C-407E-A947-70E740481C1C}">
-                <a14:useLocalDpi xmlns:a14="http://schemas.microsoft.com/office/drawing/2010/main" val="0"/>
-              </a:ext>
-            </a:extLst>
-          </a:blip>
-          <a:srcRect/>
+          <a:blip r:embed="rId2"/>
           <a:stretch>
             <a:fillRect/>
           </a:stretch>
         </p:blipFill>
-        <p:spPr bwMode="auto">
+        <p:spPr>
           <a:xfrm>
-            <a:off x="1887755" y="1932184"/>
-            <a:ext cx="8416488" cy="4286053"/>
+            <a:off x="1886462" y="1648505"/>
+            <a:ext cx="8419073" cy="4668471"/>
           </a:xfrm>
           <a:prstGeom prst="rect">
             <a:avLst/>
           </a:prstGeom>
-          <a:noFill/>
-          <a:extLst>
-            <a:ext uri="{909E8E84-426E-40DD-AFC4-6F175D3DCCD1}">
-              <a14:hiddenFill xmlns:a14="http://schemas.microsoft.com/office/drawing/2010/main">
-                <a:solidFill>
-                  <a:srgbClr val="FFFFFF"/>
-                </a:solidFill>
-              </a14:hiddenFill>
-            </a:ext>
-          </a:extLst>
         </p:spPr>
       </p:pic>
     </p:spTree>
@@ -13208,6 +13193,153 @@
             <a:fld id="{6D22F896-40B5-4ADD-8801-0D06FADFA095}" type="slidenum">
               <a:rPr lang="en-US" sz="1800" smtClean="0"/>
               <a:t>12</a:t>
+            </a:fld>
+            <a:endParaRPr lang="en-US" dirty="0"/>
+          </a:p>
+        </p:txBody>
+      </p:sp>
+      <p:sp>
+        <p:nvSpPr>
+          <p:cNvPr id="4" name="Titre 3">
+            <a:extLst>
+              <a:ext uri="{FF2B5EF4-FFF2-40B4-BE49-F238E27FC236}">
+                <a16:creationId xmlns:a16="http://schemas.microsoft.com/office/drawing/2014/main" id="{0C62769B-11A1-46CF-990F-47C7DFD7A02C}"/>
+              </a:ext>
+            </a:extLst>
+          </p:cNvPr>
+          <p:cNvSpPr>
+            <a:spLocks noGrp="1"/>
+          </p:cNvSpPr>
+          <p:nvPr>
+            <p:ph type="ctrTitle"/>
+          </p:nvPr>
+        </p:nvSpPr>
+        <p:spPr>
+          <a:xfrm>
+            <a:off x="1700212" y="816428"/>
+            <a:ext cx="8791575" cy="832077"/>
+          </a:xfrm>
+        </p:spPr>
+        <p:txBody>
+          <a:bodyPr>
+            <a:normAutofit fontScale="90000"/>
+          </a:bodyPr>
+          <a:lstStyle/>
+          <a:p>
+            <a:pPr algn="ctr"/>
+            <a:r>
+              <a:rPr lang="fr-FR" dirty="0"/>
+              <a:t>EXECUTION – conduite autonome</a:t>
+            </a:r>
+          </a:p>
+        </p:txBody>
+      </p:sp>
+      <p:pic>
+        <p:nvPicPr>
+          <p:cNvPr id="12290" name="Picture 2" descr="https://github.com/ApolloAuto/apollo/raw/master/docs/02_Quick%20Start/demo_guide/images/Apollo_3_5_software_architecture.png">
+            <a:extLst>
+              <a:ext uri="{FF2B5EF4-FFF2-40B4-BE49-F238E27FC236}">
+                <a16:creationId xmlns:a16="http://schemas.microsoft.com/office/drawing/2014/main" id="{B607D42D-2C1D-40E2-A216-4AD972532175}"/>
+              </a:ext>
+            </a:extLst>
+          </p:cNvPr>
+          <p:cNvPicPr>
+            <a:picLocks noChangeAspect="1" noChangeArrowheads="1"/>
+          </p:cNvPicPr>
+          <p:nvPr/>
+        </p:nvPicPr>
+        <p:blipFill>
+          <a:blip r:embed="rId2">
+            <a:extLst>
+              <a:ext uri="{28A0092B-C50C-407E-A947-70E740481C1C}">
+                <a14:useLocalDpi xmlns:a14="http://schemas.microsoft.com/office/drawing/2010/main" val="0"/>
+              </a:ext>
+            </a:extLst>
+          </a:blip>
+          <a:srcRect/>
+          <a:stretch>
+            <a:fillRect/>
+          </a:stretch>
+        </p:blipFill>
+        <p:spPr bwMode="auto">
+          <a:xfrm>
+            <a:off x="1887755" y="1932184"/>
+            <a:ext cx="8416488" cy="4286053"/>
+          </a:xfrm>
+          <a:prstGeom prst="rect">
+            <a:avLst/>
+          </a:prstGeom>
+          <a:noFill/>
+          <a:extLst>
+            <a:ext uri="{909E8E84-426E-40DD-AFC4-6F175D3DCCD1}">
+              <a14:hiddenFill xmlns:a14="http://schemas.microsoft.com/office/drawing/2010/main">
+                <a:solidFill>
+                  <a:srgbClr val="FFFFFF"/>
+                </a:solidFill>
+              </a14:hiddenFill>
+            </a:ext>
+          </a:extLst>
+        </p:spPr>
+      </p:pic>
+    </p:spTree>
+    <p:extLst>
+      <p:ext uri="{BB962C8B-B14F-4D97-AF65-F5344CB8AC3E}">
+        <p14:creationId xmlns:p14="http://schemas.microsoft.com/office/powerpoint/2010/main" val="3420242136"/>
+      </p:ext>
+    </p:extLst>
+  </p:cSld>
+  <p:clrMapOvr>
+    <a:masterClrMapping/>
+  </p:clrMapOvr>
+</p:sld>
+</file>
+
+<file path=ppt/slides/slide13.xml><?xml version="1.0" encoding="utf-8"?>
+<p:sld xmlns:a="http://schemas.openxmlformats.org/drawingml/2006/main" xmlns:r="http://schemas.openxmlformats.org/officeDocument/2006/relationships" xmlns:p="http://schemas.openxmlformats.org/presentationml/2006/main">
+  <p:cSld>
+    <p:spTree>
+      <p:nvGrpSpPr>
+        <p:cNvPr id="1" name=""/>
+        <p:cNvGrpSpPr/>
+        <p:nvPr/>
+      </p:nvGrpSpPr>
+      <p:grpSpPr>
+        <a:xfrm>
+          <a:off x="0" y="0"/>
+          <a:ext cx="0" cy="0"/>
+          <a:chOff x="0" y="0"/>
+          <a:chExt cx="0" cy="0"/>
+        </a:xfrm>
+      </p:grpSpPr>
+      <p:sp>
+        <p:nvSpPr>
+          <p:cNvPr id="6" name="Espace réservé du numéro de diapositive 5">
+            <a:extLst>
+              <a:ext uri="{FF2B5EF4-FFF2-40B4-BE49-F238E27FC236}">
+                <a16:creationId xmlns:a16="http://schemas.microsoft.com/office/drawing/2014/main" id="{C0E594C6-2451-4D72-B7BF-DF3C75B700A0}"/>
+              </a:ext>
+            </a:extLst>
+          </p:cNvPr>
+          <p:cNvSpPr>
+            <a:spLocks noGrp="1"/>
+          </p:cNvSpPr>
+          <p:nvPr>
+            <p:ph type="sldNum" sz="quarter" idx="12"/>
+          </p:nvPr>
+        </p:nvSpPr>
+        <p:spPr>
+          <a:xfrm>
+            <a:off x="10667999" y="6035675"/>
+            <a:ext cx="771089" cy="365125"/>
+          </a:xfrm>
+        </p:spPr>
+        <p:txBody>
+          <a:bodyPr/>
+          <a:lstStyle/>
+          <a:p>
+            <a:fld id="{6D22F896-40B5-4ADD-8801-0D06FADFA095}" type="slidenum">
+              <a:rPr lang="en-US" sz="1800" smtClean="0"/>
+              <a:t>13</a:t>
             </a:fld>
             <a:endParaRPr lang="en-US" dirty="0"/>
           </a:p>
@@ -13501,7 +13633,7 @@
 </p:sld>
 </file>
 
-<file path=ppt/slides/slide13.xml><?xml version="1.0" encoding="utf-8"?>
+<file path=ppt/slides/slide14.xml><?xml version="1.0" encoding="utf-8"?>
 <p:sld xmlns:a="http://schemas.openxmlformats.org/drawingml/2006/main" xmlns:r="http://schemas.openxmlformats.org/officeDocument/2006/relationships" xmlns:p="http://schemas.openxmlformats.org/presentationml/2006/main">
   <p:cSld>
     <p:spTree>
@@ -13546,7 +13678,7 @@
           <a:p>
             <a:fld id="{6D22F896-40B5-4ADD-8801-0D06FADFA095}" type="slidenum">
               <a:rPr lang="en-US" sz="1800" smtClean="0"/>
-              <a:t>13</a:t>
+              <a:t>14</a:t>
             </a:fld>
             <a:endParaRPr lang="en-US" dirty="0"/>
           </a:p>
@@ -13695,7 +13827,7 @@
 </p:sld>
 </file>
 
-<file path=ppt/slides/slide14.xml><?xml version="1.0" encoding="utf-8"?>
+<file path=ppt/slides/slide15.xml><?xml version="1.0" encoding="utf-8"?>
 <p:sld xmlns:a="http://schemas.openxmlformats.org/drawingml/2006/main" xmlns:r="http://schemas.openxmlformats.org/officeDocument/2006/relationships" xmlns:p="http://schemas.openxmlformats.org/presentationml/2006/main">
   <p:cSld>
     <p:spTree>
@@ -13740,7 +13872,7 @@
           <a:p>
             <a:fld id="{6D22F896-40B5-4ADD-8801-0D06FADFA095}" type="slidenum">
               <a:rPr lang="en-US" sz="1800" smtClean="0"/>
-              <a:t>14</a:t>
+              <a:t>15</a:t>
             </a:fld>
             <a:endParaRPr lang="en-US" dirty="0"/>
           </a:p>
@@ -13954,7 +14086,7 @@
 </p:sld>
 </file>
 
-<file path=ppt/slides/slide15.xml><?xml version="1.0" encoding="utf-8"?>
+<file path=ppt/slides/slide16.xml><?xml version="1.0" encoding="utf-8"?>
 <p:sld xmlns:a="http://schemas.openxmlformats.org/drawingml/2006/main" xmlns:r="http://schemas.openxmlformats.org/officeDocument/2006/relationships" xmlns:p="http://schemas.openxmlformats.org/presentationml/2006/main">
   <p:cSld>
     <p:spTree>
@@ -13999,7 +14131,7 @@
           <a:p>
             <a:fld id="{6D22F896-40B5-4ADD-8801-0D06FADFA095}" type="slidenum">
               <a:rPr lang="en-US" sz="1800" smtClean="0"/>
-              <a:t>15</a:t>
+              <a:t>16</a:t>
             </a:fld>
             <a:endParaRPr lang="en-US" dirty="0"/>
           </a:p>
@@ -14214,136 +14346,6 @@
 </p:sld>
 </file>
 
-<file path=ppt/slides/slide16.xml><?xml version="1.0" encoding="utf-8"?>
-<p:sld xmlns:a="http://schemas.openxmlformats.org/drawingml/2006/main" xmlns:r="http://schemas.openxmlformats.org/officeDocument/2006/relationships" xmlns:p="http://schemas.openxmlformats.org/presentationml/2006/main">
-  <p:cSld>
-    <p:spTree>
-      <p:nvGrpSpPr>
-        <p:cNvPr id="1" name=""/>
-        <p:cNvGrpSpPr/>
-        <p:nvPr/>
-      </p:nvGrpSpPr>
-      <p:grpSpPr>
-        <a:xfrm>
-          <a:off x="0" y="0"/>
-          <a:ext cx="0" cy="0"/>
-          <a:chOff x="0" y="0"/>
-          <a:chExt cx="0" cy="0"/>
-        </a:xfrm>
-      </p:grpSpPr>
-      <p:sp>
-        <p:nvSpPr>
-          <p:cNvPr id="6" name="Espace réservé du numéro de diapositive 5">
-            <a:extLst>
-              <a:ext uri="{FF2B5EF4-FFF2-40B4-BE49-F238E27FC236}">
-                <a16:creationId xmlns:a16="http://schemas.microsoft.com/office/drawing/2014/main" id="{C0E594C6-2451-4D72-B7BF-DF3C75B700A0}"/>
-              </a:ext>
-            </a:extLst>
-          </p:cNvPr>
-          <p:cNvSpPr>
-            <a:spLocks noGrp="1"/>
-          </p:cNvSpPr>
-          <p:nvPr>
-            <p:ph type="sldNum" sz="quarter" idx="12"/>
-          </p:nvPr>
-        </p:nvSpPr>
-        <p:spPr>
-          <a:xfrm>
-            <a:off x="10667999" y="6035675"/>
-            <a:ext cx="771089" cy="365125"/>
-          </a:xfrm>
-        </p:spPr>
-        <p:txBody>
-          <a:bodyPr/>
-          <a:lstStyle/>
-          <a:p>
-            <a:fld id="{6D22F896-40B5-4ADD-8801-0D06FADFA095}" type="slidenum">
-              <a:rPr lang="en-US" sz="1800" smtClean="0"/>
-              <a:t>16</a:t>
-            </a:fld>
-            <a:endParaRPr lang="en-US" dirty="0"/>
-          </a:p>
-        </p:txBody>
-      </p:sp>
-      <p:sp>
-        <p:nvSpPr>
-          <p:cNvPr id="4" name="Titre 3">
-            <a:extLst>
-              <a:ext uri="{FF2B5EF4-FFF2-40B4-BE49-F238E27FC236}">
-                <a16:creationId xmlns:a16="http://schemas.microsoft.com/office/drawing/2014/main" id="{0C62769B-11A1-46CF-990F-47C7DFD7A02C}"/>
-              </a:ext>
-            </a:extLst>
-          </p:cNvPr>
-          <p:cNvSpPr>
-            <a:spLocks noGrp="1"/>
-          </p:cNvSpPr>
-          <p:nvPr>
-            <p:ph type="ctrTitle"/>
-          </p:nvPr>
-        </p:nvSpPr>
-        <p:spPr>
-          <a:xfrm>
-            <a:off x="1700210" y="210652"/>
-            <a:ext cx="8791575" cy="832077"/>
-          </a:xfrm>
-        </p:spPr>
-        <p:txBody>
-          <a:bodyPr>
-            <a:normAutofit fontScale="90000"/>
-          </a:bodyPr>
-          <a:lstStyle/>
-          <a:p>
-            <a:pPr algn="ctr"/>
-            <a:r>
-              <a:rPr lang="fr-FR" dirty="0"/>
-              <a:t>EXECUTION – conduite autonome</a:t>
-            </a:r>
-          </a:p>
-        </p:txBody>
-      </p:sp>
-      <p:pic>
-        <p:nvPicPr>
-          <p:cNvPr id="3" name="Image 2">
-            <a:extLst>
-              <a:ext uri="{FF2B5EF4-FFF2-40B4-BE49-F238E27FC236}">
-                <a16:creationId xmlns:a16="http://schemas.microsoft.com/office/drawing/2014/main" id="{5F2618AA-EC59-49D4-9484-6087B22B91E5}"/>
-              </a:ext>
-            </a:extLst>
-          </p:cNvPr>
-          <p:cNvPicPr>
-            <a:picLocks noChangeAspect="1"/>
-          </p:cNvPicPr>
-          <p:nvPr/>
-        </p:nvPicPr>
-        <p:blipFill>
-          <a:blip r:embed="rId2"/>
-          <a:stretch>
-            <a:fillRect/>
-          </a:stretch>
-        </p:blipFill>
-        <p:spPr>
-          <a:xfrm>
-            <a:off x="752912" y="1042729"/>
-            <a:ext cx="10231278" cy="5420481"/>
-          </a:xfrm>
-          <a:prstGeom prst="rect">
-            <a:avLst/>
-          </a:prstGeom>
-        </p:spPr>
-      </p:pic>
-    </p:spTree>
-    <p:extLst>
-      <p:ext uri="{BB962C8B-B14F-4D97-AF65-F5344CB8AC3E}">
-        <p14:creationId xmlns:p14="http://schemas.microsoft.com/office/powerpoint/2010/main" val="2659535349"/>
-      </p:ext>
-    </p:extLst>
-  </p:cSld>
-  <p:clrMapOvr>
-    <a:masterClrMapping/>
-  </p:clrMapOvr>
-</p:sld>
-</file>
-
 <file path=ppt/slides/slide17.xml><?xml version="1.0" encoding="utf-8"?>
 <p:sld xmlns:a="http://schemas.openxmlformats.org/drawingml/2006/main" xmlns:r="http://schemas.openxmlformats.org/officeDocument/2006/relationships" xmlns:p="http://schemas.openxmlformats.org/presentationml/2006/main">
   <p:cSld>
@@ -14433,10 +14435,10 @@
       </p:sp>
       <p:pic>
         <p:nvPicPr>
-          <p:cNvPr id="2" name="Image 1">
+          <p:cNvPr id="3" name="Image 2">
             <a:extLst>
               <a:ext uri="{FF2B5EF4-FFF2-40B4-BE49-F238E27FC236}">
-                <a16:creationId xmlns:a16="http://schemas.microsoft.com/office/drawing/2014/main" id="{E999B56E-F94A-462C-82BB-011A6E526FA4}"/>
+                <a16:creationId xmlns:a16="http://schemas.microsoft.com/office/drawing/2014/main" id="{5F2618AA-EC59-49D4-9484-6087B22B91E5}"/>
               </a:ext>
             </a:extLst>
           </p:cNvPr>
@@ -14453,8 +14455,8 @@
         </p:blipFill>
         <p:spPr>
           <a:xfrm>
-            <a:off x="752912" y="1131629"/>
-            <a:ext cx="10185477" cy="5378532"/>
+            <a:off x="752912" y="1042729"/>
+            <a:ext cx="10231278" cy="5420481"/>
           </a:xfrm>
           <a:prstGeom prst="rect">
             <a:avLst/>
@@ -14464,7 +14466,7 @@
     </p:spTree>
     <p:extLst>
       <p:ext uri="{BB962C8B-B14F-4D97-AF65-F5344CB8AC3E}">
-        <p14:creationId xmlns:p14="http://schemas.microsoft.com/office/powerpoint/2010/main" val="291961509"/>
+        <p14:creationId xmlns:p14="http://schemas.microsoft.com/office/powerpoint/2010/main" val="2659535349"/>
       </p:ext>
     </p:extLst>
   </p:cSld>
@@ -14520,6 +14522,441 @@
             <a:fld id="{6D22F896-40B5-4ADD-8801-0D06FADFA095}" type="slidenum">
               <a:rPr lang="en-US" sz="1800" smtClean="0"/>
               <a:t>18</a:t>
+            </a:fld>
+            <a:endParaRPr lang="en-US" dirty="0"/>
+          </a:p>
+        </p:txBody>
+      </p:sp>
+      <p:sp>
+        <p:nvSpPr>
+          <p:cNvPr id="4" name="Titre 3">
+            <a:extLst>
+              <a:ext uri="{FF2B5EF4-FFF2-40B4-BE49-F238E27FC236}">
+                <a16:creationId xmlns:a16="http://schemas.microsoft.com/office/drawing/2014/main" id="{0C62769B-11A1-46CF-990F-47C7DFD7A02C}"/>
+              </a:ext>
+            </a:extLst>
+          </p:cNvPr>
+          <p:cNvSpPr>
+            <a:spLocks noGrp="1"/>
+          </p:cNvSpPr>
+          <p:nvPr>
+            <p:ph type="ctrTitle"/>
+          </p:nvPr>
+        </p:nvSpPr>
+        <p:spPr>
+          <a:xfrm>
+            <a:off x="1700210" y="210652"/>
+            <a:ext cx="8791575" cy="832077"/>
+          </a:xfrm>
+        </p:spPr>
+        <p:txBody>
+          <a:bodyPr>
+            <a:normAutofit fontScale="90000"/>
+          </a:bodyPr>
+          <a:lstStyle/>
+          <a:p>
+            <a:pPr algn="ctr"/>
+            <a:r>
+              <a:rPr lang="fr-FR" dirty="0"/>
+              <a:t>EXECUTION – conduite autonome</a:t>
+            </a:r>
+          </a:p>
+        </p:txBody>
+      </p:sp>
+      <p:pic>
+        <p:nvPicPr>
+          <p:cNvPr id="2" name="Image 1">
+            <a:extLst>
+              <a:ext uri="{FF2B5EF4-FFF2-40B4-BE49-F238E27FC236}">
+                <a16:creationId xmlns:a16="http://schemas.microsoft.com/office/drawing/2014/main" id="{E999B56E-F94A-462C-82BB-011A6E526FA4}"/>
+              </a:ext>
+            </a:extLst>
+          </p:cNvPr>
+          <p:cNvPicPr>
+            <a:picLocks noChangeAspect="1"/>
+          </p:cNvPicPr>
+          <p:nvPr/>
+        </p:nvPicPr>
+        <p:blipFill>
+          <a:blip r:embed="rId2"/>
+          <a:stretch>
+            <a:fillRect/>
+          </a:stretch>
+        </p:blipFill>
+        <p:spPr>
+          <a:xfrm>
+            <a:off x="752912" y="1131629"/>
+            <a:ext cx="10185477" cy="5378532"/>
+          </a:xfrm>
+          <a:prstGeom prst="rect">
+            <a:avLst/>
+          </a:prstGeom>
+        </p:spPr>
+      </p:pic>
+    </p:spTree>
+    <p:extLst>
+      <p:ext uri="{BB962C8B-B14F-4D97-AF65-F5344CB8AC3E}">
+        <p14:creationId xmlns:p14="http://schemas.microsoft.com/office/powerpoint/2010/main" val="291961509"/>
+      </p:ext>
+    </p:extLst>
+  </p:cSld>
+  <p:clrMapOvr>
+    <a:masterClrMapping/>
+  </p:clrMapOvr>
+</p:sld>
+</file>
+
+<file path=ppt/slides/slide19.xml><?xml version="1.0" encoding="utf-8"?>
+<p:sld xmlns:a="http://schemas.openxmlformats.org/drawingml/2006/main" xmlns:r="http://schemas.openxmlformats.org/officeDocument/2006/relationships" xmlns:p="http://schemas.openxmlformats.org/presentationml/2006/main">
+  <p:cSld>
+    <p:spTree>
+      <p:nvGrpSpPr>
+        <p:cNvPr id="1" name=""/>
+        <p:cNvGrpSpPr/>
+        <p:nvPr/>
+      </p:nvGrpSpPr>
+      <p:grpSpPr>
+        <a:xfrm>
+          <a:off x="0" y="0"/>
+          <a:ext cx="0" cy="0"/>
+          <a:chOff x="0" y="0"/>
+          <a:chExt cx="0" cy="0"/>
+        </a:xfrm>
+      </p:grpSpPr>
+      <p:sp>
+        <p:nvSpPr>
+          <p:cNvPr id="6" name="Espace réservé du numéro de diapositive 5">
+            <a:extLst>
+              <a:ext uri="{FF2B5EF4-FFF2-40B4-BE49-F238E27FC236}">
+                <a16:creationId xmlns:a16="http://schemas.microsoft.com/office/drawing/2014/main" id="{C0E594C6-2451-4D72-B7BF-DF3C75B700A0}"/>
+              </a:ext>
+            </a:extLst>
+          </p:cNvPr>
+          <p:cNvSpPr>
+            <a:spLocks noGrp="1"/>
+          </p:cNvSpPr>
+          <p:nvPr>
+            <p:ph type="sldNum" sz="quarter" idx="12"/>
+          </p:nvPr>
+        </p:nvSpPr>
+        <p:spPr>
+          <a:xfrm>
+            <a:off x="10667999" y="6035675"/>
+            <a:ext cx="771089" cy="365125"/>
+          </a:xfrm>
+        </p:spPr>
+        <p:txBody>
+          <a:bodyPr/>
+          <a:lstStyle/>
+          <a:p>
+            <a:fld id="{6D22F896-40B5-4ADD-8801-0D06FADFA095}" type="slidenum">
+              <a:rPr lang="en-US" sz="1800" smtClean="0"/>
+              <a:t>19</a:t>
+            </a:fld>
+            <a:endParaRPr lang="en-US" dirty="0"/>
+          </a:p>
+        </p:txBody>
+      </p:sp>
+      <p:sp>
+        <p:nvSpPr>
+          <p:cNvPr id="4" name="Titre 3">
+            <a:extLst>
+              <a:ext uri="{FF2B5EF4-FFF2-40B4-BE49-F238E27FC236}">
+                <a16:creationId xmlns:a16="http://schemas.microsoft.com/office/drawing/2014/main" id="{0C62769B-11A1-46CF-990F-47C7DFD7A02C}"/>
+              </a:ext>
+            </a:extLst>
+          </p:cNvPr>
+          <p:cNvSpPr>
+            <a:spLocks noGrp="1"/>
+          </p:cNvSpPr>
+          <p:nvPr>
+            <p:ph type="ctrTitle"/>
+          </p:nvPr>
+        </p:nvSpPr>
+        <p:spPr>
+          <a:xfrm>
+            <a:off x="1700210" y="210652"/>
+            <a:ext cx="8791575" cy="832077"/>
+          </a:xfrm>
+        </p:spPr>
+        <p:txBody>
+          <a:bodyPr>
+            <a:normAutofit fontScale="90000"/>
+          </a:bodyPr>
+          <a:lstStyle/>
+          <a:p>
+            <a:pPr algn="ctr"/>
+            <a:r>
+              <a:rPr lang="fr-FR" dirty="0"/>
+              <a:t>EXECUTION – conduite autonome</a:t>
+            </a:r>
+          </a:p>
+        </p:txBody>
+      </p:sp>
+      <p:pic>
+        <p:nvPicPr>
+          <p:cNvPr id="3" name="Image 2">
+            <a:extLst>
+              <a:ext uri="{FF2B5EF4-FFF2-40B4-BE49-F238E27FC236}">
+                <a16:creationId xmlns:a16="http://schemas.microsoft.com/office/drawing/2014/main" id="{AEEA83A6-E2A5-44CE-A542-F9D02FA8C946}"/>
+              </a:ext>
+            </a:extLst>
+          </p:cNvPr>
+          <p:cNvPicPr>
+            <a:picLocks noChangeAspect="1"/>
+          </p:cNvPicPr>
+          <p:nvPr/>
+        </p:nvPicPr>
+        <p:blipFill>
+          <a:blip r:embed="rId2"/>
+          <a:stretch>
+            <a:fillRect/>
+          </a:stretch>
+        </p:blipFill>
+        <p:spPr>
+          <a:xfrm>
+            <a:off x="122390" y="1444547"/>
+            <a:ext cx="6118612" cy="4591128"/>
+          </a:xfrm>
+          <a:prstGeom prst="rect">
+            <a:avLst/>
+          </a:prstGeom>
+        </p:spPr>
+      </p:pic>
+      <p:pic>
+        <p:nvPicPr>
+          <p:cNvPr id="5" name="Image 4">
+            <a:extLst>
+              <a:ext uri="{FF2B5EF4-FFF2-40B4-BE49-F238E27FC236}">
+                <a16:creationId xmlns:a16="http://schemas.microsoft.com/office/drawing/2014/main" id="{9B471B91-E141-4667-8731-B48026E6B822}"/>
+              </a:ext>
+            </a:extLst>
+          </p:cNvPr>
+          <p:cNvPicPr>
+            <a:picLocks noChangeAspect="1"/>
+          </p:cNvPicPr>
+          <p:nvPr/>
+        </p:nvPicPr>
+        <p:blipFill>
+          <a:blip r:embed="rId3"/>
+          <a:stretch>
+            <a:fillRect/>
+          </a:stretch>
+        </p:blipFill>
+        <p:spPr>
+          <a:xfrm>
+            <a:off x="6243878" y="1451013"/>
+            <a:ext cx="5825732" cy="4584662"/>
+          </a:xfrm>
+          <a:prstGeom prst="rect">
+            <a:avLst/>
+          </a:prstGeom>
+        </p:spPr>
+      </p:pic>
+    </p:spTree>
+    <p:extLst>
+      <p:ext uri="{BB962C8B-B14F-4D97-AF65-F5344CB8AC3E}">
+        <p14:creationId xmlns:p14="http://schemas.microsoft.com/office/powerpoint/2010/main" val="4113349582"/>
+      </p:ext>
+    </p:extLst>
+  </p:cSld>
+  <p:clrMapOvr>
+    <a:masterClrMapping/>
+  </p:clrMapOvr>
+</p:sld>
+</file>
+
+<file path=ppt/slides/slide2.xml><?xml version="1.0" encoding="utf-8"?>
+<p:sld xmlns:a="http://schemas.openxmlformats.org/drawingml/2006/main" xmlns:r="http://schemas.openxmlformats.org/officeDocument/2006/relationships" xmlns:p="http://schemas.openxmlformats.org/presentationml/2006/main">
+  <p:cSld>
+    <p:spTree>
+      <p:nvGrpSpPr>
+        <p:cNvPr id="1" name=""/>
+        <p:cNvGrpSpPr/>
+        <p:nvPr/>
+      </p:nvGrpSpPr>
+      <p:grpSpPr>
+        <a:xfrm>
+          <a:off x="0" y="0"/>
+          <a:ext cx="0" cy="0"/>
+          <a:chOff x="0" y="0"/>
+          <a:chExt cx="0" cy="0"/>
+        </a:xfrm>
+      </p:grpSpPr>
+      <p:sp>
+        <p:nvSpPr>
+          <p:cNvPr id="6" name="Espace réservé du numéro de diapositive 5">
+            <a:extLst>
+              <a:ext uri="{FF2B5EF4-FFF2-40B4-BE49-F238E27FC236}">
+                <a16:creationId xmlns:a16="http://schemas.microsoft.com/office/drawing/2014/main" id="{C0E594C6-2451-4D72-B7BF-DF3C75B700A0}"/>
+              </a:ext>
+            </a:extLst>
+          </p:cNvPr>
+          <p:cNvSpPr>
+            <a:spLocks noGrp="1"/>
+          </p:cNvSpPr>
+          <p:nvPr>
+            <p:ph type="sldNum" sz="quarter" idx="12"/>
+          </p:nvPr>
+        </p:nvSpPr>
+        <p:spPr>
+          <a:xfrm>
+            <a:off x="10667999" y="6035675"/>
+            <a:ext cx="771089" cy="365125"/>
+          </a:xfrm>
+        </p:spPr>
+        <p:txBody>
+          <a:bodyPr/>
+          <a:lstStyle/>
+          <a:p>
+            <a:fld id="{6D22F896-40B5-4ADD-8801-0D06FADFA095}" type="slidenum">
+              <a:rPr lang="en-US" sz="1800" smtClean="0"/>
+              <a:t>2</a:t>
+            </a:fld>
+            <a:endParaRPr lang="en-US" dirty="0"/>
+          </a:p>
+        </p:txBody>
+      </p:sp>
+      <p:sp>
+        <p:nvSpPr>
+          <p:cNvPr id="4" name="Titre 3">
+            <a:extLst>
+              <a:ext uri="{FF2B5EF4-FFF2-40B4-BE49-F238E27FC236}">
+                <a16:creationId xmlns:a16="http://schemas.microsoft.com/office/drawing/2014/main" id="{0C62769B-11A1-46CF-990F-47C7DFD7A02C}"/>
+              </a:ext>
+            </a:extLst>
+          </p:cNvPr>
+          <p:cNvSpPr>
+            <a:spLocks noGrp="1"/>
+          </p:cNvSpPr>
+          <p:nvPr>
+            <p:ph type="ctrTitle"/>
+          </p:nvPr>
+        </p:nvSpPr>
+        <p:spPr>
+          <a:xfrm>
+            <a:off x="1700212" y="816428"/>
+            <a:ext cx="8791575" cy="832077"/>
+          </a:xfrm>
+        </p:spPr>
+        <p:txBody>
+          <a:bodyPr/>
+          <a:lstStyle/>
+          <a:p>
+            <a:pPr algn="ctr"/>
+            <a:r>
+              <a:rPr lang="fr-FR" dirty="0"/>
+              <a:t>Gestion de projet</a:t>
+            </a:r>
+          </a:p>
+        </p:txBody>
+      </p:sp>
+      <p:pic>
+        <p:nvPicPr>
+          <p:cNvPr id="2050" name="Picture 2" descr="Quelles sont les 5 étapes de la gestion de projet ?">
+            <a:extLst>
+              <a:ext uri="{FF2B5EF4-FFF2-40B4-BE49-F238E27FC236}">
+                <a16:creationId xmlns:a16="http://schemas.microsoft.com/office/drawing/2014/main" id="{BDE4A86F-3846-4AFA-97A8-D8E066A31B68}"/>
+              </a:ext>
+            </a:extLst>
+          </p:cNvPr>
+          <p:cNvPicPr>
+            <a:picLocks noChangeAspect="1" noChangeArrowheads="1"/>
+          </p:cNvPicPr>
+          <p:nvPr/>
+        </p:nvPicPr>
+        <p:blipFill>
+          <a:blip r:embed="rId2">
+            <a:extLst>
+              <a:ext uri="{28A0092B-C50C-407E-A947-70E740481C1C}">
+                <a14:useLocalDpi xmlns:a14="http://schemas.microsoft.com/office/drawing/2010/main" val="0"/>
+              </a:ext>
+            </a:extLst>
+          </a:blip>
+          <a:srcRect/>
+          <a:stretch>
+            <a:fillRect/>
+          </a:stretch>
+        </p:blipFill>
+        <p:spPr bwMode="auto">
+          <a:xfrm>
+            <a:off x="3156902" y="2013850"/>
+            <a:ext cx="5878194" cy="4021825"/>
+          </a:xfrm>
+          <a:prstGeom prst="rect">
+            <a:avLst/>
+          </a:prstGeom>
+          <a:noFill/>
+          <a:extLst>
+            <a:ext uri="{909E8E84-426E-40DD-AFC4-6F175D3DCCD1}">
+              <a14:hiddenFill xmlns:a14="http://schemas.microsoft.com/office/drawing/2010/main">
+                <a:solidFill>
+                  <a:srgbClr val="FFFFFF"/>
+                </a:solidFill>
+              </a14:hiddenFill>
+            </a:ext>
+          </a:extLst>
+        </p:spPr>
+      </p:pic>
+    </p:spTree>
+    <p:extLst>
+      <p:ext uri="{BB962C8B-B14F-4D97-AF65-F5344CB8AC3E}">
+        <p14:creationId xmlns:p14="http://schemas.microsoft.com/office/powerpoint/2010/main" val="2340051085"/>
+      </p:ext>
+    </p:extLst>
+  </p:cSld>
+  <p:clrMapOvr>
+    <a:masterClrMapping/>
+  </p:clrMapOvr>
+</p:sld>
+</file>
+
+<file path=ppt/slides/slide20.xml><?xml version="1.0" encoding="utf-8"?>
+<p:sld xmlns:a="http://schemas.openxmlformats.org/drawingml/2006/main" xmlns:r="http://schemas.openxmlformats.org/officeDocument/2006/relationships" xmlns:p="http://schemas.openxmlformats.org/presentationml/2006/main">
+  <p:cSld>
+    <p:spTree>
+      <p:nvGrpSpPr>
+        <p:cNvPr id="1" name=""/>
+        <p:cNvGrpSpPr/>
+        <p:nvPr/>
+      </p:nvGrpSpPr>
+      <p:grpSpPr>
+        <a:xfrm>
+          <a:off x="0" y="0"/>
+          <a:ext cx="0" cy="0"/>
+          <a:chOff x="0" y="0"/>
+          <a:chExt cx="0" cy="0"/>
+        </a:xfrm>
+      </p:grpSpPr>
+      <p:sp>
+        <p:nvSpPr>
+          <p:cNvPr id="6" name="Espace réservé du numéro de diapositive 5">
+            <a:extLst>
+              <a:ext uri="{FF2B5EF4-FFF2-40B4-BE49-F238E27FC236}">
+                <a16:creationId xmlns:a16="http://schemas.microsoft.com/office/drawing/2014/main" id="{C0E594C6-2451-4D72-B7BF-DF3C75B700A0}"/>
+              </a:ext>
+            </a:extLst>
+          </p:cNvPr>
+          <p:cNvSpPr>
+            <a:spLocks noGrp="1"/>
+          </p:cNvSpPr>
+          <p:nvPr>
+            <p:ph type="sldNum" sz="quarter" idx="12"/>
+          </p:nvPr>
+        </p:nvSpPr>
+        <p:spPr>
+          <a:xfrm>
+            <a:off x="10667999" y="6035675"/>
+            <a:ext cx="771089" cy="365125"/>
+          </a:xfrm>
+        </p:spPr>
+        <p:txBody>
+          <a:bodyPr/>
+          <a:lstStyle/>
+          <a:p>
+            <a:fld id="{6D22F896-40B5-4ADD-8801-0D06FADFA095}" type="slidenum">
+              <a:rPr lang="en-US" sz="1800" smtClean="0"/>
+              <a:t>20</a:t>
             </a:fld>
             <a:endParaRPr lang="en-US" dirty="0"/>
           </a:p>
@@ -14612,151 +15049,6 @@
     <p:extLst>
       <p:ext uri="{BB962C8B-B14F-4D97-AF65-F5344CB8AC3E}">
         <p14:creationId xmlns:p14="http://schemas.microsoft.com/office/powerpoint/2010/main" val="1304157478"/>
-      </p:ext>
-    </p:extLst>
-  </p:cSld>
-  <p:clrMapOvr>
-    <a:masterClrMapping/>
-  </p:clrMapOvr>
-</p:sld>
-</file>
-
-<file path=ppt/slides/slide2.xml><?xml version="1.0" encoding="utf-8"?>
-<p:sld xmlns:a="http://schemas.openxmlformats.org/drawingml/2006/main" xmlns:r="http://schemas.openxmlformats.org/officeDocument/2006/relationships" xmlns:p="http://schemas.openxmlformats.org/presentationml/2006/main">
-  <p:cSld>
-    <p:spTree>
-      <p:nvGrpSpPr>
-        <p:cNvPr id="1" name=""/>
-        <p:cNvGrpSpPr/>
-        <p:nvPr/>
-      </p:nvGrpSpPr>
-      <p:grpSpPr>
-        <a:xfrm>
-          <a:off x="0" y="0"/>
-          <a:ext cx="0" cy="0"/>
-          <a:chOff x="0" y="0"/>
-          <a:chExt cx="0" cy="0"/>
-        </a:xfrm>
-      </p:grpSpPr>
-      <p:sp>
-        <p:nvSpPr>
-          <p:cNvPr id="6" name="Espace réservé du numéro de diapositive 5">
-            <a:extLst>
-              <a:ext uri="{FF2B5EF4-FFF2-40B4-BE49-F238E27FC236}">
-                <a16:creationId xmlns:a16="http://schemas.microsoft.com/office/drawing/2014/main" id="{C0E594C6-2451-4D72-B7BF-DF3C75B700A0}"/>
-              </a:ext>
-            </a:extLst>
-          </p:cNvPr>
-          <p:cNvSpPr>
-            <a:spLocks noGrp="1"/>
-          </p:cNvSpPr>
-          <p:nvPr>
-            <p:ph type="sldNum" sz="quarter" idx="12"/>
-          </p:nvPr>
-        </p:nvSpPr>
-        <p:spPr>
-          <a:xfrm>
-            <a:off x="10667999" y="6035675"/>
-            <a:ext cx="771089" cy="365125"/>
-          </a:xfrm>
-        </p:spPr>
-        <p:txBody>
-          <a:bodyPr/>
-          <a:lstStyle/>
-          <a:p>
-            <a:fld id="{6D22F896-40B5-4ADD-8801-0D06FADFA095}" type="slidenum">
-              <a:rPr lang="en-US" sz="1800" smtClean="0"/>
-              <a:t>2</a:t>
-            </a:fld>
-            <a:endParaRPr lang="en-US" dirty="0"/>
-          </a:p>
-        </p:txBody>
-      </p:sp>
-      <p:sp>
-        <p:nvSpPr>
-          <p:cNvPr id="4" name="Titre 3">
-            <a:extLst>
-              <a:ext uri="{FF2B5EF4-FFF2-40B4-BE49-F238E27FC236}">
-                <a16:creationId xmlns:a16="http://schemas.microsoft.com/office/drawing/2014/main" id="{0C62769B-11A1-46CF-990F-47C7DFD7A02C}"/>
-              </a:ext>
-            </a:extLst>
-          </p:cNvPr>
-          <p:cNvSpPr>
-            <a:spLocks noGrp="1"/>
-          </p:cNvSpPr>
-          <p:nvPr>
-            <p:ph type="ctrTitle"/>
-          </p:nvPr>
-        </p:nvSpPr>
-        <p:spPr>
-          <a:xfrm>
-            <a:off x="1700212" y="816428"/>
-            <a:ext cx="8791575" cy="832077"/>
-          </a:xfrm>
-        </p:spPr>
-        <p:txBody>
-          <a:bodyPr/>
-          <a:lstStyle/>
-          <a:p>
-            <a:pPr algn="ctr"/>
-            <a:r>
-              <a:rPr lang="fr-FR" dirty="0"/>
-              <a:t>Gestion de projet</a:t>
-            </a:r>
-          </a:p>
-        </p:txBody>
-      </p:sp>
-      <p:pic>
-        <p:nvPicPr>
-          <p:cNvPr id="2050" name="Picture 2" descr="Quelles sont les 5 étapes de la gestion de projet ?">
-            <a:extLst>
-              <a:ext uri="{FF2B5EF4-FFF2-40B4-BE49-F238E27FC236}">
-                <a16:creationId xmlns:a16="http://schemas.microsoft.com/office/drawing/2014/main" id="{BDE4A86F-3846-4AFA-97A8-D8E066A31B68}"/>
-              </a:ext>
-            </a:extLst>
-          </p:cNvPr>
-          <p:cNvPicPr>
-            <a:picLocks noChangeAspect="1" noChangeArrowheads="1"/>
-          </p:cNvPicPr>
-          <p:nvPr/>
-        </p:nvPicPr>
-        <p:blipFill>
-          <a:blip r:embed="rId2">
-            <a:extLst>
-              <a:ext uri="{28A0092B-C50C-407E-A947-70E740481C1C}">
-                <a14:useLocalDpi xmlns:a14="http://schemas.microsoft.com/office/drawing/2010/main" val="0"/>
-              </a:ext>
-            </a:extLst>
-          </a:blip>
-          <a:srcRect/>
-          <a:stretch>
-            <a:fillRect/>
-          </a:stretch>
-        </p:blipFill>
-        <p:spPr bwMode="auto">
-          <a:xfrm>
-            <a:off x="3156902" y="2013850"/>
-            <a:ext cx="5878194" cy="4021825"/>
-          </a:xfrm>
-          <a:prstGeom prst="rect">
-            <a:avLst/>
-          </a:prstGeom>
-          <a:noFill/>
-          <a:extLst>
-            <a:ext uri="{909E8E84-426E-40DD-AFC4-6F175D3DCCD1}">
-              <a14:hiddenFill xmlns:a14="http://schemas.microsoft.com/office/drawing/2010/main">
-                <a:solidFill>
-                  <a:srgbClr val="FFFFFF"/>
-                </a:solidFill>
-              </a14:hiddenFill>
-            </a:ext>
-          </a:extLst>
-        </p:spPr>
-      </p:pic>
-    </p:spTree>
-    <p:extLst>
-      <p:ext uri="{BB962C8B-B14F-4D97-AF65-F5344CB8AC3E}">
-        <p14:creationId xmlns:p14="http://schemas.microsoft.com/office/powerpoint/2010/main" val="2340051085"/>
       </p:ext>
     </p:extLst>
   </p:cSld>

--- a/docs/Perceptive automotive v2.pptx
+++ b/docs/Perceptive automotive v2.pptx
@@ -5,7 +5,7 @@
     <p:sldMasterId id="2147483648" r:id="rId1"/>
   </p:sldMasterIdLst>
   <p:notesMasterIdLst>
-    <p:notesMasterId r:id="rId22"/>
+    <p:notesMasterId r:id="rId23"/>
   </p:notesMasterIdLst>
   <p:sldIdLst>
     <p:sldId id="256" r:id="rId2"/>
@@ -15,19 +15,20 @@
     <p:sldId id="260" r:id="rId6"/>
     <p:sldId id="261" r:id="rId7"/>
     <p:sldId id="262" r:id="rId8"/>
-    <p:sldId id="263" r:id="rId9"/>
-    <p:sldId id="264" r:id="rId10"/>
-    <p:sldId id="267" r:id="rId11"/>
-    <p:sldId id="266" r:id="rId12"/>
-    <p:sldId id="274" r:id="rId13"/>
-    <p:sldId id="265" r:id="rId14"/>
-    <p:sldId id="269" r:id="rId15"/>
-    <p:sldId id="270" r:id="rId16"/>
-    <p:sldId id="271" r:id="rId17"/>
-    <p:sldId id="272" r:id="rId18"/>
-    <p:sldId id="273" r:id="rId19"/>
-    <p:sldId id="275" r:id="rId20"/>
-    <p:sldId id="268" r:id="rId21"/>
+    <p:sldId id="276" r:id="rId9"/>
+    <p:sldId id="263" r:id="rId10"/>
+    <p:sldId id="264" r:id="rId11"/>
+    <p:sldId id="267" r:id="rId12"/>
+    <p:sldId id="266" r:id="rId13"/>
+    <p:sldId id="274" r:id="rId14"/>
+    <p:sldId id="265" r:id="rId15"/>
+    <p:sldId id="269" r:id="rId16"/>
+    <p:sldId id="270" r:id="rId17"/>
+    <p:sldId id="271" r:id="rId18"/>
+    <p:sldId id="272" r:id="rId19"/>
+    <p:sldId id="273" r:id="rId20"/>
+    <p:sldId id="275" r:id="rId21"/>
+    <p:sldId id="268" r:id="rId22"/>
   </p:sldIdLst>
   <p:sldSz cx="12192000" cy="6858000"/>
   <p:notesSz cx="6858000" cy="9144000"/>
@@ -540,7 +541,7 @@
           <a:noFill/>
           <a:extLst>
             <a:ext uri="{909E8E84-426E-40dd-AFC4-6F175D3DCCD1}">
-              <a14:hiddenFill xmlns:a14="http://schemas.microsoft.com/office/drawing/2010/main" xmlns="">
+              <a14:hiddenFill xmlns="" xmlns:a14="http://schemas.microsoft.com/office/drawing/2010/main">
                 <a:solidFill>
                   <a:srgbClr val="FFFFFF"/>
                 </a:solidFill>
@@ -599,7 +600,7 @@
             </a:ln>
             <a:extLst>
               <a:ext uri="{91240B29-F687-4f45-9708-019B960494DF}">
-                <a14:hiddenLine xmlns:a14="http://schemas.microsoft.com/office/drawing/2010/main" xmlns="" w="9525">
+                <a14:hiddenLine xmlns="" xmlns:a14="http://schemas.microsoft.com/office/drawing/2010/main" w="9525">
                   <a:solidFill>
                     <a:srgbClr val="000000"/>
                   </a:solidFill>
@@ -689,7 +690,7 @@
             </a:ln>
             <a:extLst>
               <a:ext uri="{91240B29-F687-4f45-9708-019B960494DF}">
-                <a14:hiddenLine xmlns:a14="http://schemas.microsoft.com/office/drawing/2010/main" xmlns="" w="9525">
+                <a14:hiddenLine xmlns="" xmlns:a14="http://schemas.microsoft.com/office/drawing/2010/main" w="9525">
                   <a:solidFill>
                     <a:srgbClr val="000000"/>
                   </a:solidFill>
@@ -779,7 +780,7 @@
             </a:ln>
             <a:extLst>
               <a:ext uri="{91240B29-F687-4f45-9708-019B960494DF}">
-                <a14:hiddenLine xmlns:a14="http://schemas.microsoft.com/office/drawing/2010/main" xmlns="" w="9525">
+                <a14:hiddenLine xmlns="" xmlns:a14="http://schemas.microsoft.com/office/drawing/2010/main" w="9525">
                   <a:solidFill>
                     <a:srgbClr val="000000"/>
                   </a:solidFill>
@@ -813,7 +814,7 @@
             </a:ln>
             <a:extLst>
               <a:ext uri="{91240B29-F687-4f45-9708-019B960494DF}">
-                <a14:hiddenLine xmlns:a14="http://schemas.microsoft.com/office/drawing/2010/main" xmlns="" w="9525">
+                <a14:hiddenLine xmlns="" xmlns:a14="http://schemas.microsoft.com/office/drawing/2010/main" w="9525">
                   <a:solidFill>
                     <a:srgbClr val="000000"/>
                   </a:solidFill>
@@ -903,7 +904,7 @@
             </a:ln>
             <a:extLst>
               <a:ext uri="{91240B29-F687-4f45-9708-019B960494DF}">
-                <a14:hiddenLine xmlns:a14="http://schemas.microsoft.com/office/drawing/2010/main" xmlns="" w="9525">
+                <a14:hiddenLine xmlns="" xmlns:a14="http://schemas.microsoft.com/office/drawing/2010/main" w="9525">
                   <a:solidFill>
                     <a:srgbClr val="000000"/>
                   </a:solidFill>
@@ -965,7 +966,7 @@
             </a:ln>
             <a:extLst>
               <a:ext uri="{91240B29-F687-4f45-9708-019B960494DF}">
-                <a14:hiddenLine xmlns:a14="http://schemas.microsoft.com/office/drawing/2010/main" xmlns="" w="9525">
+                <a14:hiddenLine xmlns="" xmlns:a14="http://schemas.microsoft.com/office/drawing/2010/main" w="9525">
                   <a:solidFill>
                     <a:srgbClr val="000000"/>
                   </a:solidFill>
@@ -1027,7 +1028,7 @@
             </a:ln>
             <a:extLst>
               <a:ext uri="{91240B29-F687-4f45-9708-019B960494DF}">
-                <a14:hiddenLine xmlns:a14="http://schemas.microsoft.com/office/drawing/2010/main" xmlns="" w="9525">
+                <a14:hiddenLine xmlns="" xmlns:a14="http://schemas.microsoft.com/office/drawing/2010/main" w="9525">
                   <a:solidFill>
                     <a:srgbClr val="000000"/>
                   </a:solidFill>
@@ -1117,7 +1118,7 @@
             </a:ln>
             <a:extLst>
               <a:ext uri="{91240B29-F687-4f45-9708-019B960494DF}">
-                <a14:hiddenLine xmlns:a14="http://schemas.microsoft.com/office/drawing/2010/main" xmlns="" w="9525">
+                <a14:hiddenLine xmlns="" xmlns:a14="http://schemas.microsoft.com/office/drawing/2010/main" w="9525">
                   <a:solidFill>
                     <a:srgbClr val="000000"/>
                   </a:solidFill>
@@ -1179,7 +1180,7 @@
             </a:ln>
             <a:extLst>
               <a:ext uri="{91240B29-F687-4f45-9708-019B960494DF}">
-                <a14:hiddenLine xmlns:a14="http://schemas.microsoft.com/office/drawing/2010/main" xmlns="" w="9525">
+                <a14:hiddenLine xmlns="" xmlns:a14="http://schemas.microsoft.com/office/drawing/2010/main" w="9525">
                   <a:solidFill>
                     <a:srgbClr val="000000"/>
                   </a:solidFill>
@@ -1241,7 +1242,7 @@
             </a:ln>
             <a:extLst>
               <a:ext uri="{91240B29-F687-4f45-9708-019B960494DF}">
-                <a14:hiddenLine xmlns:a14="http://schemas.microsoft.com/office/drawing/2010/main" xmlns="" w="9525">
+                <a14:hiddenLine xmlns="" xmlns:a14="http://schemas.microsoft.com/office/drawing/2010/main" w="9525">
                   <a:solidFill>
                     <a:srgbClr val="000000"/>
                   </a:solidFill>
@@ -1331,7 +1332,7 @@
             </a:ln>
             <a:extLst>
               <a:ext uri="{91240B29-F687-4f45-9708-019B960494DF}">
-                <a14:hiddenLine xmlns:a14="http://schemas.microsoft.com/office/drawing/2010/main" xmlns="" w="9525">
+                <a14:hiddenLine xmlns="" xmlns:a14="http://schemas.microsoft.com/office/drawing/2010/main" w="9525">
                   <a:solidFill>
                     <a:srgbClr val="000000"/>
                   </a:solidFill>
@@ -1421,7 +1422,7 @@
             </a:ln>
             <a:extLst>
               <a:ext uri="{91240B29-F687-4f45-9708-019B960494DF}">
-                <a14:hiddenLine xmlns:a14="http://schemas.microsoft.com/office/drawing/2010/main" xmlns="" w="9525">
+                <a14:hiddenLine xmlns="" xmlns:a14="http://schemas.microsoft.com/office/drawing/2010/main" w="9525">
                   <a:solidFill>
                     <a:srgbClr val="000000"/>
                   </a:solidFill>
@@ -1483,7 +1484,7 @@
             </a:ln>
             <a:extLst>
               <a:ext uri="{91240B29-F687-4f45-9708-019B960494DF}">
-                <a14:hiddenLine xmlns:a14="http://schemas.microsoft.com/office/drawing/2010/main" xmlns="" w="9525">
+                <a14:hiddenLine xmlns="" xmlns:a14="http://schemas.microsoft.com/office/drawing/2010/main" w="9525">
                   <a:solidFill>
                     <a:srgbClr val="000000"/>
                   </a:solidFill>
@@ -1593,7 +1594,7 @@
             </a:ln>
             <a:extLst>
               <a:ext uri="{91240B29-F687-4f45-9708-019B960494DF}">
-                <a14:hiddenLine xmlns:a14="http://schemas.microsoft.com/office/drawing/2010/main" xmlns="" w="9525">
+                <a14:hiddenLine xmlns="" xmlns:a14="http://schemas.microsoft.com/office/drawing/2010/main" w="9525">
                   <a:solidFill>
                     <a:srgbClr val="000000"/>
                   </a:solidFill>
@@ -1655,7 +1656,7 @@
             </a:ln>
             <a:extLst>
               <a:ext uri="{91240B29-F687-4f45-9708-019B960494DF}">
-                <a14:hiddenLine xmlns:a14="http://schemas.microsoft.com/office/drawing/2010/main" xmlns="" w="9525">
+                <a14:hiddenLine xmlns="" xmlns:a14="http://schemas.microsoft.com/office/drawing/2010/main" w="9525">
                   <a:solidFill>
                     <a:srgbClr val="000000"/>
                   </a:solidFill>
@@ -1745,7 +1746,7 @@
             </a:ln>
             <a:extLst>
               <a:ext uri="{91240B29-F687-4f45-9708-019B960494DF}">
-                <a14:hiddenLine xmlns:a14="http://schemas.microsoft.com/office/drawing/2010/main" xmlns="" w="9525">
+                <a14:hiddenLine xmlns="" xmlns:a14="http://schemas.microsoft.com/office/drawing/2010/main" w="9525">
                   <a:solidFill>
                     <a:srgbClr val="000000"/>
                   </a:solidFill>
@@ -1835,7 +1836,7 @@
             </a:ln>
             <a:extLst>
               <a:ext uri="{91240B29-F687-4f45-9708-019B960494DF}">
-                <a14:hiddenLine xmlns:a14="http://schemas.microsoft.com/office/drawing/2010/main" xmlns="" w="9525">
+                <a14:hiddenLine xmlns="" xmlns:a14="http://schemas.microsoft.com/office/drawing/2010/main" w="9525">
                   <a:solidFill>
                     <a:srgbClr val="000000"/>
                   </a:solidFill>
@@ -1897,7 +1898,7 @@
             </a:ln>
             <a:extLst>
               <a:ext uri="{91240B29-F687-4f45-9708-019B960494DF}">
-                <a14:hiddenLine xmlns:a14="http://schemas.microsoft.com/office/drawing/2010/main" xmlns="" w="9525">
+                <a14:hiddenLine xmlns="" xmlns:a14="http://schemas.microsoft.com/office/drawing/2010/main" w="9525">
                   <a:solidFill>
                     <a:srgbClr val="000000"/>
                   </a:solidFill>
@@ -1987,7 +1988,7 @@
             </a:ln>
             <a:extLst>
               <a:ext uri="{91240B29-F687-4f45-9708-019B960494DF}">
-                <a14:hiddenLine xmlns:a14="http://schemas.microsoft.com/office/drawing/2010/main" xmlns="" w="9525">
+                <a14:hiddenLine xmlns="" xmlns:a14="http://schemas.microsoft.com/office/drawing/2010/main" w="9525">
                   <a:solidFill>
                     <a:srgbClr val="000000"/>
                   </a:solidFill>
@@ -2077,7 +2078,7 @@
             </a:ln>
             <a:extLst>
               <a:ext uri="{91240B29-F687-4f45-9708-019B960494DF}">
-                <a14:hiddenLine xmlns:a14="http://schemas.microsoft.com/office/drawing/2010/main" xmlns="" w="9525">
+                <a14:hiddenLine xmlns="" xmlns:a14="http://schemas.microsoft.com/office/drawing/2010/main" w="9525">
                   <a:solidFill>
                     <a:srgbClr val="000000"/>
                   </a:solidFill>
@@ -2133,7 +2134,7 @@
             </a:ln>
             <a:extLst>
               <a:ext uri="{91240B29-F687-4f45-9708-019B960494DF}">
-                <a14:hiddenLine xmlns:a14="http://schemas.microsoft.com/office/drawing/2010/main" xmlns="" w="9525">
+                <a14:hiddenLine xmlns="" xmlns:a14="http://schemas.microsoft.com/office/drawing/2010/main" w="9525">
                   <a:solidFill>
                     <a:srgbClr val="000000"/>
                   </a:solidFill>
@@ -2223,7 +2224,7 @@
             </a:ln>
             <a:extLst>
               <a:ext uri="{91240B29-F687-4f45-9708-019B960494DF}">
-                <a14:hiddenLine xmlns:a14="http://schemas.microsoft.com/office/drawing/2010/main" xmlns="" w="9525">
+                <a14:hiddenLine xmlns="" xmlns:a14="http://schemas.microsoft.com/office/drawing/2010/main" w="9525">
                   <a:solidFill>
                     <a:srgbClr val="000000"/>
                   </a:solidFill>
@@ -2279,7 +2280,7 @@
             </a:ln>
             <a:extLst>
               <a:ext uri="{91240B29-F687-4f45-9708-019B960494DF}">
-                <a14:hiddenLine xmlns:a14="http://schemas.microsoft.com/office/drawing/2010/main" xmlns="" w="9525">
+                <a14:hiddenLine xmlns="" xmlns:a14="http://schemas.microsoft.com/office/drawing/2010/main" w="9525">
                   <a:solidFill>
                     <a:srgbClr val="000000"/>
                   </a:solidFill>
@@ -2369,7 +2370,7 @@
             </a:ln>
             <a:extLst>
               <a:ext uri="{91240B29-F687-4f45-9708-019B960494DF}">
-                <a14:hiddenLine xmlns:a14="http://schemas.microsoft.com/office/drawing/2010/main" xmlns="" w="9525">
+                <a14:hiddenLine xmlns="" xmlns:a14="http://schemas.microsoft.com/office/drawing/2010/main" w="9525">
                   <a:solidFill>
                     <a:srgbClr val="000000"/>
                   </a:solidFill>
@@ -2437,7 +2438,7 @@
             </a:ln>
             <a:extLst>
               <a:ext uri="{91240B29-F687-4f45-9708-019B960494DF}">
-                <a14:hiddenLine xmlns:a14="http://schemas.microsoft.com/office/drawing/2010/main" xmlns="" w="9525">
+                <a14:hiddenLine xmlns="" xmlns:a14="http://schemas.microsoft.com/office/drawing/2010/main" w="9525">
                   <a:solidFill>
                     <a:srgbClr val="000000"/>
                   </a:solidFill>
@@ -2527,7 +2528,7 @@
             </a:ln>
             <a:extLst>
               <a:ext uri="{91240B29-F687-4f45-9708-019B960494DF}">
-                <a14:hiddenLine xmlns:a14="http://schemas.microsoft.com/office/drawing/2010/main" xmlns="" w="9525">
+                <a14:hiddenLine xmlns="" xmlns:a14="http://schemas.microsoft.com/office/drawing/2010/main" w="9525">
                   <a:solidFill>
                     <a:srgbClr val="000000"/>
                   </a:solidFill>
@@ -2595,7 +2596,7 @@
             </a:ln>
             <a:extLst>
               <a:ext uri="{91240B29-F687-4f45-9708-019B960494DF}">
-                <a14:hiddenLine xmlns:a14="http://schemas.microsoft.com/office/drawing/2010/main" xmlns="" w="9525">
+                <a14:hiddenLine xmlns="" xmlns:a14="http://schemas.microsoft.com/office/drawing/2010/main" w="9525">
                   <a:solidFill>
                     <a:srgbClr val="000000"/>
                   </a:solidFill>
@@ -2685,7 +2686,7 @@
             </a:ln>
             <a:extLst>
               <a:ext uri="{91240B29-F687-4f45-9708-019B960494DF}">
-                <a14:hiddenLine xmlns:a14="http://schemas.microsoft.com/office/drawing/2010/main" xmlns="" w="9525">
+                <a14:hiddenLine xmlns="" xmlns:a14="http://schemas.microsoft.com/office/drawing/2010/main" w="9525">
                   <a:solidFill>
                     <a:srgbClr val="000000"/>
                   </a:solidFill>
@@ -2719,7 +2720,7 @@
             </a:ln>
             <a:extLst>
               <a:ext uri="{91240B29-F687-4f45-9708-019B960494DF}">
-                <a14:hiddenLine xmlns:a14="http://schemas.microsoft.com/office/drawing/2010/main" xmlns="" w="9525">
+                <a14:hiddenLine xmlns="" xmlns:a14="http://schemas.microsoft.com/office/drawing/2010/main" w="9525">
                   <a:solidFill>
                     <a:srgbClr val="000000"/>
                   </a:solidFill>
@@ -2809,7 +2810,7 @@
             </a:ln>
             <a:extLst>
               <a:ext uri="{91240B29-F687-4f45-9708-019B960494DF}">
-                <a14:hiddenLine xmlns:a14="http://schemas.microsoft.com/office/drawing/2010/main" xmlns="" w="9525">
+                <a14:hiddenLine xmlns="" xmlns:a14="http://schemas.microsoft.com/office/drawing/2010/main" w="9525">
                   <a:solidFill>
                     <a:srgbClr val="000000"/>
                   </a:solidFill>
@@ -2871,7 +2872,7 @@
             </a:ln>
             <a:extLst>
               <a:ext uri="{91240B29-F687-4f45-9708-019B960494DF}">
-                <a14:hiddenLine xmlns:a14="http://schemas.microsoft.com/office/drawing/2010/main" xmlns="" w="9525">
+                <a14:hiddenLine xmlns="" xmlns:a14="http://schemas.microsoft.com/office/drawing/2010/main" w="9525">
                   <a:solidFill>
                     <a:srgbClr val="000000"/>
                   </a:solidFill>
@@ -2933,7 +2934,7 @@
             </a:ln>
             <a:extLst>
               <a:ext uri="{91240B29-F687-4f45-9708-019B960494DF}">
-                <a14:hiddenLine xmlns:a14="http://schemas.microsoft.com/office/drawing/2010/main" xmlns="" w="9525">
+                <a14:hiddenLine xmlns="" xmlns:a14="http://schemas.microsoft.com/office/drawing/2010/main" w="9525">
                   <a:solidFill>
                     <a:srgbClr val="000000"/>
                   </a:solidFill>
@@ -3023,7 +3024,7 @@
             </a:ln>
             <a:extLst>
               <a:ext uri="{91240B29-F687-4f45-9708-019B960494DF}">
-                <a14:hiddenLine xmlns:a14="http://schemas.microsoft.com/office/drawing/2010/main" xmlns="" w="9525">
+                <a14:hiddenLine xmlns="" xmlns:a14="http://schemas.microsoft.com/office/drawing/2010/main" w="9525">
                   <a:solidFill>
                     <a:srgbClr val="000000"/>
                   </a:solidFill>
@@ -3091,7 +3092,7 @@
             </a:ln>
             <a:extLst>
               <a:ext uri="{91240B29-F687-4f45-9708-019B960494DF}">
-                <a14:hiddenLine xmlns:a14="http://schemas.microsoft.com/office/drawing/2010/main" xmlns="" w="9525">
+                <a14:hiddenLine xmlns="" xmlns:a14="http://schemas.microsoft.com/office/drawing/2010/main" w="9525">
                   <a:solidFill>
                     <a:srgbClr val="000000"/>
                   </a:solidFill>
@@ -3153,7 +3154,7 @@
             </a:ln>
             <a:extLst>
               <a:ext uri="{91240B29-F687-4f45-9708-019B960494DF}">
-                <a14:hiddenLine xmlns:a14="http://schemas.microsoft.com/office/drawing/2010/main" xmlns="" w="9525">
+                <a14:hiddenLine xmlns="" xmlns:a14="http://schemas.microsoft.com/office/drawing/2010/main" w="9525">
                   <a:solidFill>
                     <a:srgbClr val="000000"/>
                   </a:solidFill>
@@ -3243,7 +3244,7 @@
             </a:ln>
             <a:extLst>
               <a:ext uri="{91240B29-F687-4f45-9708-019B960494DF}">
-                <a14:hiddenLine xmlns:a14="http://schemas.microsoft.com/office/drawing/2010/main" xmlns="" w="9525">
+                <a14:hiddenLine xmlns="" xmlns:a14="http://schemas.microsoft.com/office/drawing/2010/main" w="9525">
                   <a:solidFill>
                     <a:srgbClr val="000000"/>
                   </a:solidFill>
@@ -3305,7 +3306,7 @@
             </a:ln>
             <a:extLst>
               <a:ext uri="{91240B29-F687-4f45-9708-019B960494DF}">
-                <a14:hiddenLine xmlns:a14="http://schemas.microsoft.com/office/drawing/2010/main" xmlns="" w="9525">
+                <a14:hiddenLine xmlns="" xmlns:a14="http://schemas.microsoft.com/office/drawing/2010/main" w="9525">
                   <a:solidFill>
                     <a:srgbClr val="000000"/>
                   </a:solidFill>
@@ -3395,7 +3396,7 @@
             </a:ln>
             <a:extLst>
               <a:ext uri="{91240B29-F687-4f45-9708-019B960494DF}">
-                <a14:hiddenLine xmlns:a14="http://schemas.microsoft.com/office/drawing/2010/main" xmlns="" w="9525">
+                <a14:hiddenLine xmlns="" xmlns:a14="http://schemas.microsoft.com/office/drawing/2010/main" w="9525">
                   <a:solidFill>
                     <a:srgbClr val="000000"/>
                   </a:solidFill>
@@ -3457,7 +3458,7 @@
             </a:ln>
             <a:extLst>
               <a:ext uri="{91240B29-F687-4f45-9708-019B960494DF}">
-                <a14:hiddenLine xmlns:a14="http://schemas.microsoft.com/office/drawing/2010/main" xmlns="" w="9525">
+                <a14:hiddenLine xmlns="" xmlns:a14="http://schemas.microsoft.com/office/drawing/2010/main" w="9525">
                   <a:solidFill>
                     <a:srgbClr val="000000"/>
                   </a:solidFill>
@@ -3547,7 +3548,7 @@
             </a:ln>
             <a:extLst>
               <a:ext uri="{91240B29-F687-4f45-9708-019B960494DF}">
-                <a14:hiddenLine xmlns:a14="http://schemas.microsoft.com/office/drawing/2010/main" xmlns="" w="9525">
+                <a14:hiddenLine xmlns="" xmlns:a14="http://schemas.microsoft.com/office/drawing/2010/main" w="9525">
                   <a:solidFill>
                     <a:srgbClr val="000000"/>
                   </a:solidFill>
@@ -3581,7 +3582,7 @@
             </a:ln>
             <a:extLst>
               <a:ext uri="{91240B29-F687-4f45-9708-019B960494DF}">
-                <a14:hiddenLine xmlns:a14="http://schemas.microsoft.com/office/drawing/2010/main" xmlns="" w="9525">
+                <a14:hiddenLine xmlns="" xmlns:a14="http://schemas.microsoft.com/office/drawing/2010/main" w="9525">
                   <a:solidFill>
                     <a:srgbClr val="000000"/>
                   </a:solidFill>
@@ -3646,7 +3647,7 @@
             </a:ln>
             <a:extLst>
               <a:ext uri="{91240B29-F687-4f45-9708-019B960494DF}">
-                <a14:hiddenLine xmlns:a14="http://schemas.microsoft.com/office/drawing/2010/main" xmlns="" w="9525">
+                <a14:hiddenLine xmlns="" xmlns:a14="http://schemas.microsoft.com/office/drawing/2010/main" w="9525">
                   <a:solidFill>
                     <a:srgbClr val="000000"/>
                   </a:solidFill>
@@ -3736,7 +3737,7 @@
             </a:ln>
             <a:extLst>
               <a:ext uri="{91240B29-F687-4f45-9708-019B960494DF}">
-                <a14:hiddenLine xmlns:a14="http://schemas.microsoft.com/office/drawing/2010/main" xmlns="" w="9525">
+                <a14:hiddenLine xmlns="" xmlns:a14="http://schemas.microsoft.com/office/drawing/2010/main" w="9525">
                   <a:solidFill>
                     <a:srgbClr val="000000"/>
                   </a:solidFill>
@@ -3798,7 +3799,7 @@
             </a:ln>
             <a:extLst>
               <a:ext uri="{91240B29-F687-4f45-9708-019B960494DF}">
-                <a14:hiddenLine xmlns:a14="http://schemas.microsoft.com/office/drawing/2010/main" xmlns="" w="9525">
+                <a14:hiddenLine xmlns="" xmlns:a14="http://schemas.microsoft.com/office/drawing/2010/main" w="9525">
                   <a:solidFill>
                     <a:srgbClr val="000000"/>
                   </a:solidFill>
@@ -3888,7 +3889,7 @@
             </a:ln>
             <a:extLst>
               <a:ext uri="{91240B29-F687-4f45-9708-019B960494DF}">
-                <a14:hiddenLine xmlns:a14="http://schemas.microsoft.com/office/drawing/2010/main" xmlns="" w="9525">
+                <a14:hiddenLine xmlns="" xmlns:a14="http://schemas.microsoft.com/office/drawing/2010/main" w="9525">
                   <a:solidFill>
                     <a:srgbClr val="000000"/>
                   </a:solidFill>
@@ -3978,7 +3979,7 @@
             </a:ln>
             <a:extLst>
               <a:ext uri="{91240B29-F687-4f45-9708-019B960494DF}">
-                <a14:hiddenLine xmlns:a14="http://schemas.microsoft.com/office/drawing/2010/main" xmlns="" w="9525">
+                <a14:hiddenLine xmlns="" xmlns:a14="http://schemas.microsoft.com/office/drawing/2010/main" w="9525">
                   <a:solidFill>
                     <a:srgbClr val="000000"/>
                   </a:solidFill>
@@ -4043,7 +4044,7 @@
             </a:ln>
             <a:extLst>
               <a:ext uri="{91240B29-F687-4f45-9708-019B960494DF}">
-                <a14:hiddenLine xmlns:a14="http://schemas.microsoft.com/office/drawing/2010/main" xmlns="" w="9525">
+                <a14:hiddenLine xmlns="" xmlns:a14="http://schemas.microsoft.com/office/drawing/2010/main" w="9525">
                   <a:solidFill>
                     <a:srgbClr val="000000"/>
                   </a:solidFill>
@@ -4105,7 +4106,7 @@
             </a:ln>
             <a:extLst>
               <a:ext uri="{91240B29-F687-4f45-9708-019B960494DF}">
-                <a14:hiddenLine xmlns:a14="http://schemas.microsoft.com/office/drawing/2010/main" xmlns="" w="9525">
+                <a14:hiddenLine xmlns="" xmlns:a14="http://schemas.microsoft.com/office/drawing/2010/main" w="9525">
                   <a:solidFill>
                     <a:srgbClr val="000000"/>
                   </a:solidFill>
@@ -4195,7 +4196,7 @@
             </a:ln>
             <a:extLst>
               <a:ext uri="{91240B29-F687-4f45-9708-019B960494DF}">
-                <a14:hiddenLine xmlns:a14="http://schemas.microsoft.com/office/drawing/2010/main" xmlns="" w="9525">
+                <a14:hiddenLine xmlns="" xmlns:a14="http://schemas.microsoft.com/office/drawing/2010/main" w="9525">
                   <a:solidFill>
                     <a:srgbClr val="000000"/>
                   </a:solidFill>
@@ -4285,7 +4286,7 @@
             </a:ln>
             <a:extLst>
               <a:ext uri="{91240B29-F687-4f45-9708-019B960494DF}">
-                <a14:hiddenLine xmlns:a14="http://schemas.microsoft.com/office/drawing/2010/main" xmlns="" w="9525">
+                <a14:hiddenLine xmlns="" xmlns:a14="http://schemas.microsoft.com/office/drawing/2010/main" w="9525">
                   <a:solidFill>
                     <a:srgbClr val="000000"/>
                   </a:solidFill>
@@ -4347,7 +4348,7 @@
             </a:ln>
             <a:extLst>
               <a:ext uri="{91240B29-F687-4f45-9708-019B960494DF}">
-                <a14:hiddenLine xmlns:a14="http://schemas.microsoft.com/office/drawing/2010/main" xmlns="" w="9525">
+                <a14:hiddenLine xmlns="" xmlns:a14="http://schemas.microsoft.com/office/drawing/2010/main" w="9525">
                   <a:solidFill>
                     <a:srgbClr val="000000"/>
                   </a:solidFill>
@@ -4467,7 +4468,7 @@
             </a:ln>
             <a:extLst>
               <a:ext uri="{91240B29-F687-4f45-9708-019B960494DF}">
-                <a14:hiddenLine xmlns:a14="http://schemas.microsoft.com/office/drawing/2010/main" xmlns="" w="9525">
+                <a14:hiddenLine xmlns="" xmlns:a14="http://schemas.microsoft.com/office/drawing/2010/main" w="9525">
                   <a:solidFill>
                     <a:srgbClr val="000000"/>
                   </a:solidFill>
@@ -4535,7 +4536,7 @@
             </a:ln>
             <a:extLst>
               <a:ext uri="{91240B29-F687-4f45-9708-019B960494DF}">
-                <a14:hiddenLine xmlns:a14="http://schemas.microsoft.com/office/drawing/2010/main" xmlns="" w="9525">
+                <a14:hiddenLine xmlns="" xmlns:a14="http://schemas.microsoft.com/office/drawing/2010/main" w="9525">
                   <a:solidFill>
                     <a:srgbClr val="000000"/>
                   </a:solidFill>
@@ -4625,7 +4626,7 @@
             </a:ln>
             <a:extLst>
               <a:ext uri="{91240B29-F687-4f45-9708-019B960494DF}">
-                <a14:hiddenLine xmlns:a14="http://schemas.microsoft.com/office/drawing/2010/main" xmlns="" w="9525">
+                <a14:hiddenLine xmlns="" xmlns:a14="http://schemas.microsoft.com/office/drawing/2010/main" w="9525">
                   <a:solidFill>
                     <a:srgbClr val="000000"/>
                   </a:solidFill>
@@ -9354,7 +9355,7 @@
           <a:noFill/>
           <a:extLst>
             <a:ext uri="{909E8E84-426E-40dd-AFC4-6F175D3DCCD1}">
-              <a14:hiddenFill xmlns:a14="http://schemas.microsoft.com/office/drawing/2010/main" xmlns="">
+              <a14:hiddenFill xmlns="" xmlns:a14="http://schemas.microsoft.com/office/drawing/2010/main">
                 <a:solidFill>
                   <a:srgbClr val="FFFFFF"/>
                 </a:solidFill>
@@ -9428,7 +9429,7 @@
               </a:ln>
               <a:extLst>
                 <a:ext uri="{91240B29-F687-4f45-9708-019B960494DF}">
-                  <a14:hiddenLine xmlns:a14="http://schemas.microsoft.com/office/drawing/2010/main" xmlns="" w="9525">
+                  <a14:hiddenLine xmlns="" xmlns:a14="http://schemas.microsoft.com/office/drawing/2010/main" w="9525">
                     <a:solidFill>
                       <a:srgbClr val="000000"/>
                     </a:solidFill>
@@ -9518,7 +9519,7 @@
               </a:ln>
               <a:extLst>
                 <a:ext uri="{91240B29-F687-4f45-9708-019B960494DF}">
-                  <a14:hiddenLine xmlns:a14="http://schemas.microsoft.com/office/drawing/2010/main" xmlns="" w="9525">
+                  <a14:hiddenLine xmlns="" xmlns:a14="http://schemas.microsoft.com/office/drawing/2010/main" w="9525">
                     <a:solidFill>
                       <a:srgbClr val="000000"/>
                     </a:solidFill>
@@ -9608,7 +9609,7 @@
               </a:ln>
               <a:extLst>
                 <a:ext uri="{91240B29-F687-4f45-9708-019B960494DF}">
-                  <a14:hiddenLine xmlns:a14="http://schemas.microsoft.com/office/drawing/2010/main" xmlns="" w="9525">
+                  <a14:hiddenLine xmlns="" xmlns:a14="http://schemas.microsoft.com/office/drawing/2010/main" w="9525">
                     <a:solidFill>
                       <a:srgbClr val="000000"/>
                     </a:solidFill>
@@ -9670,7 +9671,7 @@
               </a:ln>
               <a:extLst>
                 <a:ext uri="{91240B29-F687-4f45-9708-019B960494DF}">
-                  <a14:hiddenLine xmlns:a14="http://schemas.microsoft.com/office/drawing/2010/main" xmlns="" w="9525">
+                  <a14:hiddenLine xmlns="" xmlns:a14="http://schemas.microsoft.com/office/drawing/2010/main" w="9525">
                     <a:solidFill>
                       <a:srgbClr val="000000"/>
                     </a:solidFill>
@@ -9760,7 +9761,7 @@
               </a:ln>
               <a:extLst>
                 <a:ext uri="{91240B29-F687-4f45-9708-019B960494DF}">
-                  <a14:hiddenLine xmlns:a14="http://schemas.microsoft.com/office/drawing/2010/main" xmlns="" w="9525">
+                  <a14:hiddenLine xmlns="" xmlns:a14="http://schemas.microsoft.com/office/drawing/2010/main" w="9525">
                     <a:solidFill>
                       <a:srgbClr val="000000"/>
                     </a:solidFill>
@@ -9822,7 +9823,7 @@
               </a:ln>
               <a:extLst>
                 <a:ext uri="{91240B29-F687-4f45-9708-019B960494DF}">
-                  <a14:hiddenLine xmlns:a14="http://schemas.microsoft.com/office/drawing/2010/main" xmlns="" w="9525">
+                  <a14:hiddenLine xmlns="" xmlns:a14="http://schemas.microsoft.com/office/drawing/2010/main" w="9525">
                     <a:solidFill>
                       <a:srgbClr val="000000"/>
                     </a:solidFill>
@@ -9884,7 +9885,7 @@
               </a:ln>
               <a:extLst>
                 <a:ext uri="{91240B29-F687-4f45-9708-019B960494DF}">
-                  <a14:hiddenLine xmlns:a14="http://schemas.microsoft.com/office/drawing/2010/main" xmlns="" w="9525">
+                  <a14:hiddenLine xmlns="" xmlns:a14="http://schemas.microsoft.com/office/drawing/2010/main" w="9525">
                     <a:solidFill>
                       <a:srgbClr val="000000"/>
                     </a:solidFill>
@@ -9974,7 +9975,7 @@
               </a:ln>
               <a:extLst>
                 <a:ext uri="{91240B29-F687-4f45-9708-019B960494DF}">
-                  <a14:hiddenLine xmlns:a14="http://schemas.microsoft.com/office/drawing/2010/main" xmlns="" w="9525">
+                  <a14:hiddenLine xmlns="" xmlns:a14="http://schemas.microsoft.com/office/drawing/2010/main" w="9525">
                     <a:solidFill>
                       <a:srgbClr val="000000"/>
                     </a:solidFill>
@@ -10064,7 +10065,7 @@
               </a:ln>
               <a:extLst>
                 <a:ext uri="{91240B29-F687-4f45-9708-019B960494DF}">
-                  <a14:hiddenLine xmlns:a14="http://schemas.microsoft.com/office/drawing/2010/main" xmlns="" w="9525">
+                  <a14:hiddenLine xmlns="" xmlns:a14="http://schemas.microsoft.com/office/drawing/2010/main" w="9525">
                     <a:solidFill>
                       <a:srgbClr val="000000"/>
                     </a:solidFill>
@@ -10126,7 +10127,7 @@
               </a:ln>
               <a:extLst>
                 <a:ext uri="{91240B29-F687-4f45-9708-019B960494DF}">
-                  <a14:hiddenLine xmlns:a14="http://schemas.microsoft.com/office/drawing/2010/main" xmlns="" w="9525">
+                  <a14:hiddenLine xmlns="" xmlns:a14="http://schemas.microsoft.com/office/drawing/2010/main" w="9525">
                     <a:solidFill>
                       <a:srgbClr val="000000"/>
                     </a:solidFill>
@@ -10236,7 +10237,7 @@
               </a:ln>
               <a:extLst>
                 <a:ext uri="{91240B29-F687-4f45-9708-019B960494DF}">
-                  <a14:hiddenLine xmlns:a14="http://schemas.microsoft.com/office/drawing/2010/main" xmlns="" w="9525">
+                  <a14:hiddenLine xmlns="" xmlns:a14="http://schemas.microsoft.com/office/drawing/2010/main" w="9525">
                     <a:solidFill>
                       <a:srgbClr val="000000"/>
                     </a:solidFill>
@@ -10320,7 +10321,7 @@
               </a:ln>
               <a:extLst>
                 <a:ext uri="{91240B29-F687-4f45-9708-019B960494DF}">
-                  <a14:hiddenLine xmlns:a14="http://schemas.microsoft.com/office/drawing/2010/main" xmlns="" w="9525">
+                  <a14:hiddenLine xmlns="" xmlns:a14="http://schemas.microsoft.com/office/drawing/2010/main" w="9525">
                     <a:solidFill>
                       <a:srgbClr val="000000"/>
                     </a:solidFill>
@@ -10382,7 +10383,7 @@
               </a:ln>
               <a:extLst>
                 <a:ext uri="{91240B29-F687-4f45-9708-019B960494DF}">
-                  <a14:hiddenLine xmlns:a14="http://schemas.microsoft.com/office/drawing/2010/main" xmlns="" w="9525">
+                  <a14:hiddenLine xmlns="" xmlns:a14="http://schemas.microsoft.com/office/drawing/2010/main" w="9525">
                     <a:solidFill>
                       <a:srgbClr val="000000"/>
                     </a:solidFill>
@@ -10444,7 +10445,7 @@
               </a:ln>
               <a:extLst>
                 <a:ext uri="{91240B29-F687-4f45-9708-019B960494DF}">
-                  <a14:hiddenLine xmlns:a14="http://schemas.microsoft.com/office/drawing/2010/main" xmlns="" w="9525">
+                  <a14:hiddenLine xmlns="" xmlns:a14="http://schemas.microsoft.com/office/drawing/2010/main" w="9525">
                     <a:solidFill>
                       <a:srgbClr val="000000"/>
                     </a:solidFill>
@@ -10534,7 +10535,7 @@
               </a:ln>
               <a:extLst>
                 <a:ext uri="{91240B29-F687-4f45-9708-019B960494DF}">
-                  <a14:hiddenLine xmlns:a14="http://schemas.microsoft.com/office/drawing/2010/main" xmlns="" w="9525">
+                  <a14:hiddenLine xmlns="" xmlns:a14="http://schemas.microsoft.com/office/drawing/2010/main" w="9525">
                     <a:solidFill>
                       <a:srgbClr val="000000"/>
                     </a:solidFill>
@@ -10568,7 +10569,7 @@
               </a:ln>
               <a:extLst>
                 <a:ext uri="{91240B29-F687-4f45-9708-019B960494DF}">
-                  <a14:hiddenLine xmlns:a14="http://schemas.microsoft.com/office/drawing/2010/main" xmlns="" w="9525">
+                  <a14:hiddenLine xmlns="" xmlns:a14="http://schemas.microsoft.com/office/drawing/2010/main" w="9525">
                     <a:solidFill>
                       <a:srgbClr val="000000"/>
                     </a:solidFill>
@@ -10633,7 +10634,7 @@
               </a:ln>
               <a:extLst>
                 <a:ext uri="{91240B29-F687-4f45-9708-019B960494DF}">
-                  <a14:hiddenLine xmlns:a14="http://schemas.microsoft.com/office/drawing/2010/main" xmlns="" w="9525">
+                  <a14:hiddenLine xmlns="" xmlns:a14="http://schemas.microsoft.com/office/drawing/2010/main" w="9525">
                     <a:solidFill>
                       <a:srgbClr val="000000"/>
                     </a:solidFill>
@@ -10723,7 +10724,7 @@
               </a:ln>
               <a:extLst>
                 <a:ext uri="{91240B29-F687-4f45-9708-019B960494DF}">
-                  <a14:hiddenLine xmlns:a14="http://schemas.microsoft.com/office/drawing/2010/main" xmlns="" w="9525">
+                  <a14:hiddenLine xmlns="" xmlns:a14="http://schemas.microsoft.com/office/drawing/2010/main" w="9525">
                     <a:solidFill>
                       <a:srgbClr val="000000"/>
                     </a:solidFill>
@@ -10785,7 +10786,7 @@
               </a:ln>
               <a:extLst>
                 <a:ext uri="{91240B29-F687-4f45-9708-019B960494DF}">
-                  <a14:hiddenLine xmlns:a14="http://schemas.microsoft.com/office/drawing/2010/main" xmlns="" w="9525">
+                  <a14:hiddenLine xmlns="" xmlns:a14="http://schemas.microsoft.com/office/drawing/2010/main" w="9525">
                     <a:solidFill>
                       <a:srgbClr val="000000"/>
                     </a:solidFill>
@@ -10875,7 +10876,7 @@
               </a:ln>
               <a:extLst>
                 <a:ext uri="{91240B29-F687-4f45-9708-019B960494DF}">
-                  <a14:hiddenLine xmlns:a14="http://schemas.microsoft.com/office/drawing/2010/main" xmlns="" w="9525">
+                  <a14:hiddenLine xmlns="" xmlns:a14="http://schemas.microsoft.com/office/drawing/2010/main" w="9525">
                     <a:solidFill>
                       <a:srgbClr val="000000"/>
                     </a:solidFill>
@@ -10940,7 +10941,7 @@
               </a:ln>
               <a:extLst>
                 <a:ext uri="{91240B29-F687-4f45-9708-019B960494DF}">
-                  <a14:hiddenLine xmlns:a14="http://schemas.microsoft.com/office/drawing/2010/main" xmlns="" w="9525">
+                  <a14:hiddenLine xmlns="" xmlns:a14="http://schemas.microsoft.com/office/drawing/2010/main" w="9525">
                     <a:solidFill>
                       <a:srgbClr val="000000"/>
                     </a:solidFill>
@@ -11002,7 +11003,7 @@
               </a:ln>
               <a:extLst>
                 <a:ext uri="{91240B29-F687-4f45-9708-019B960494DF}">
-                  <a14:hiddenLine xmlns:a14="http://schemas.microsoft.com/office/drawing/2010/main" xmlns="" w="9525">
+                  <a14:hiddenLine xmlns="" xmlns:a14="http://schemas.microsoft.com/office/drawing/2010/main" w="9525">
                     <a:solidFill>
                       <a:srgbClr val="000000"/>
                     </a:solidFill>
@@ -11092,7 +11093,7 @@
               </a:ln>
               <a:extLst>
                 <a:ext uri="{91240B29-F687-4f45-9708-019B960494DF}">
-                  <a14:hiddenLine xmlns:a14="http://schemas.microsoft.com/office/drawing/2010/main" xmlns="" w="9525">
+                  <a14:hiddenLine xmlns="" xmlns:a14="http://schemas.microsoft.com/office/drawing/2010/main" w="9525">
                     <a:solidFill>
                       <a:srgbClr val="000000"/>
                     </a:solidFill>
@@ -11182,7 +11183,7 @@
               </a:ln>
               <a:extLst>
                 <a:ext uri="{91240B29-F687-4f45-9708-019B960494DF}">
-                  <a14:hiddenLine xmlns:a14="http://schemas.microsoft.com/office/drawing/2010/main" xmlns="" w="9525">
+                  <a14:hiddenLine xmlns="" xmlns:a14="http://schemas.microsoft.com/office/drawing/2010/main" w="9525">
                     <a:solidFill>
                       <a:srgbClr val="000000"/>
                     </a:solidFill>
@@ -11247,7 +11248,7 @@
               </a:ln>
               <a:extLst>
                 <a:ext uri="{91240B29-F687-4f45-9708-019B960494DF}">
-                  <a14:hiddenLine xmlns:a14="http://schemas.microsoft.com/office/drawing/2010/main" xmlns="" w="9525">
+                  <a14:hiddenLine xmlns="" xmlns:a14="http://schemas.microsoft.com/office/drawing/2010/main" w="9525">
                     <a:solidFill>
                       <a:srgbClr val="000000"/>
                     </a:solidFill>
@@ -11367,7 +11368,7 @@
               </a:ln>
               <a:extLst>
                 <a:ext uri="{91240B29-F687-4f45-9708-019B960494DF}">
-                  <a14:hiddenLine xmlns:a14="http://schemas.microsoft.com/office/drawing/2010/main" xmlns="" w="9525">
+                  <a14:hiddenLine xmlns="" xmlns:a14="http://schemas.microsoft.com/office/drawing/2010/main" w="9525">
                     <a:solidFill>
                       <a:srgbClr val="000000"/>
                     </a:solidFill>
@@ -11448,7 +11449,7 @@
               </a:ln>
               <a:extLst>
                 <a:ext uri="{91240B29-F687-4f45-9708-019B960494DF}">
-                  <a14:hiddenLine xmlns:a14="http://schemas.microsoft.com/office/drawing/2010/main" xmlns="" w="9525">
+                  <a14:hiddenLine xmlns="" xmlns:a14="http://schemas.microsoft.com/office/drawing/2010/main" w="9525">
                     <a:solidFill>
                       <a:srgbClr val="000000"/>
                     </a:solidFill>
@@ -11563,7 +11564,7 @@
               </a:ln>
               <a:extLst>
                 <a:ext uri="{91240B29-F687-4f45-9708-019B960494DF}">
-                  <a14:hiddenLine xmlns:a14="http://schemas.microsoft.com/office/drawing/2010/main" xmlns="" w="9525">
+                  <a14:hiddenLine xmlns="" xmlns:a14="http://schemas.microsoft.com/office/drawing/2010/main" w="9525">
                     <a:solidFill>
                       <a:srgbClr val="000000"/>
                     </a:solidFill>
@@ -11653,7 +11654,7 @@
               </a:ln>
               <a:extLst>
                 <a:ext uri="{91240B29-F687-4f45-9708-019B960494DF}">
-                  <a14:hiddenLine xmlns:a14="http://schemas.microsoft.com/office/drawing/2010/main" xmlns="" w="9525">
+                  <a14:hiddenLine xmlns="" xmlns:a14="http://schemas.microsoft.com/office/drawing/2010/main" w="9525">
                     <a:solidFill>
                       <a:srgbClr val="000000"/>
                     </a:solidFill>
@@ -11718,7 +11719,7 @@
               </a:ln>
               <a:extLst>
                 <a:ext uri="{91240B29-F687-4f45-9708-019B960494DF}">
-                  <a14:hiddenLine xmlns:a14="http://schemas.microsoft.com/office/drawing/2010/main" xmlns="" w="9525">
+                  <a14:hiddenLine xmlns="" xmlns:a14="http://schemas.microsoft.com/office/drawing/2010/main" w="9525">
                     <a:solidFill>
                       <a:srgbClr val="000000"/>
                     </a:solidFill>
@@ -11808,7 +11809,7 @@
               </a:ln>
               <a:extLst>
                 <a:ext uri="{91240B29-F687-4f45-9708-019B960494DF}">
-                  <a14:hiddenLine xmlns:a14="http://schemas.microsoft.com/office/drawing/2010/main" xmlns="" w="9525">
+                  <a14:hiddenLine xmlns="" xmlns:a14="http://schemas.microsoft.com/office/drawing/2010/main" w="9525">
                     <a:solidFill>
                       <a:srgbClr val="000000"/>
                     </a:solidFill>
@@ -11876,7 +11877,7 @@
               </a:ln>
               <a:extLst>
                 <a:ext uri="{91240B29-F687-4f45-9708-019B960494DF}">
-                  <a14:hiddenLine xmlns:a14="http://schemas.microsoft.com/office/drawing/2010/main" xmlns="" w="9525">
+                  <a14:hiddenLine xmlns="" xmlns:a14="http://schemas.microsoft.com/office/drawing/2010/main" w="9525">
                     <a:solidFill>
                       <a:srgbClr val="000000"/>
                     </a:solidFill>
@@ -11966,7 +11967,7 @@
               </a:ln>
               <a:extLst>
                 <a:ext uri="{91240B29-F687-4f45-9708-019B960494DF}">
-                  <a14:hiddenLine xmlns:a14="http://schemas.microsoft.com/office/drawing/2010/main" xmlns="" w="9525">
+                  <a14:hiddenLine xmlns="" xmlns:a14="http://schemas.microsoft.com/office/drawing/2010/main" w="9525">
                     <a:solidFill>
                       <a:srgbClr val="000000"/>
                     </a:solidFill>
@@ -12034,7 +12035,7 @@
               </a:ln>
               <a:extLst>
                 <a:ext uri="{91240B29-F687-4f45-9708-019B960494DF}">
-                  <a14:hiddenLine xmlns:a14="http://schemas.microsoft.com/office/drawing/2010/main" xmlns="" w="9525">
+                  <a14:hiddenLine xmlns="" xmlns:a14="http://schemas.microsoft.com/office/drawing/2010/main" w="9525">
                     <a:solidFill>
                       <a:srgbClr val="000000"/>
                     </a:solidFill>
@@ -12124,7 +12125,7 @@
               </a:ln>
               <a:extLst>
                 <a:ext uri="{91240B29-F687-4f45-9708-019B960494DF}">
-                  <a14:hiddenLine xmlns:a14="http://schemas.microsoft.com/office/drawing/2010/main" xmlns="" w="9525">
+                  <a14:hiddenLine xmlns="" xmlns:a14="http://schemas.microsoft.com/office/drawing/2010/main" w="9525">
                     <a:solidFill>
                       <a:srgbClr val="000000"/>
                     </a:solidFill>
@@ -12158,7 +12159,7 @@
               </a:ln>
               <a:extLst>
                 <a:ext uri="{91240B29-F687-4f45-9708-019B960494DF}">
-                  <a14:hiddenLine xmlns:a14="http://schemas.microsoft.com/office/drawing/2010/main" xmlns="" w="9525">
+                  <a14:hiddenLine xmlns="" xmlns:a14="http://schemas.microsoft.com/office/drawing/2010/main" w="9525">
                     <a:solidFill>
                       <a:srgbClr val="000000"/>
                     </a:solidFill>
@@ -12857,6 +12858,36 @@
           </a:p>
         </p:txBody>
       </p:sp>
+      <p:pic>
+        <p:nvPicPr>
+          <p:cNvPr id="4" name="Image 3">
+            <a:extLst>
+              <a:ext uri="{FF2B5EF4-FFF2-40B4-BE49-F238E27FC236}">
+                <a16:creationId xmlns:a16="http://schemas.microsoft.com/office/drawing/2014/main" id="{6463B8F7-6B85-4719-A5E0-7B6544EEFBE3}"/>
+              </a:ext>
+            </a:extLst>
+          </p:cNvPr>
+          <p:cNvPicPr>
+            <a:picLocks noChangeAspect="1"/>
+          </p:cNvPicPr>
+          <p:nvPr/>
+        </p:nvPicPr>
+        <p:blipFill>
+          <a:blip r:embed="rId2"/>
+          <a:stretch>
+            <a:fillRect/>
+          </a:stretch>
+        </p:blipFill>
+        <p:spPr>
+          <a:xfrm>
+            <a:off x="9888105" y="1676699"/>
+            <a:ext cx="1466732" cy="1466732"/>
+          </a:xfrm>
+          <a:prstGeom prst="rect">
+            <a:avLst/>
+          </a:prstGeom>
+        </p:spPr>
+      </p:pic>
     </p:spTree>
     <p:extLst>
       <p:ext uri="{BB962C8B-B14F-4D97-AF65-F5344CB8AC3E}">
@@ -12916,6 +12947,183 @@
             <a:fld id="{6D22F896-40B5-4ADD-8801-0D06FADFA095}" type="slidenum">
               <a:rPr lang="en-US" sz="1800" smtClean="0"/>
               <a:t>10</a:t>
+            </a:fld>
+            <a:endParaRPr lang="en-US" dirty="0"/>
+          </a:p>
+        </p:txBody>
+      </p:sp>
+      <p:sp>
+        <p:nvSpPr>
+          <p:cNvPr id="4" name="Titre 3">
+            <a:extLst>
+              <a:ext uri="{FF2B5EF4-FFF2-40B4-BE49-F238E27FC236}">
+                <a16:creationId xmlns:a16="http://schemas.microsoft.com/office/drawing/2014/main" id="{0C62769B-11A1-46CF-990F-47C7DFD7A02C}"/>
+              </a:ext>
+            </a:extLst>
+          </p:cNvPr>
+          <p:cNvSpPr>
+            <a:spLocks noGrp="1"/>
+          </p:cNvSpPr>
+          <p:nvPr>
+            <p:ph type="ctrTitle"/>
+          </p:nvPr>
+        </p:nvSpPr>
+        <p:spPr>
+          <a:xfrm>
+            <a:off x="1700212" y="816428"/>
+            <a:ext cx="8791575" cy="832077"/>
+          </a:xfrm>
+        </p:spPr>
+        <p:txBody>
+          <a:bodyPr>
+            <a:normAutofit fontScale="90000"/>
+          </a:bodyPr>
+          <a:lstStyle/>
+          <a:p>
+            <a:pPr algn="ctr"/>
+            <a:r>
+              <a:rPr lang="fr-FR" dirty="0"/>
+              <a:t>EXECUTION – conduite autonome</a:t>
+            </a:r>
+          </a:p>
+        </p:txBody>
+      </p:sp>
+      <p:pic>
+        <p:nvPicPr>
+          <p:cNvPr id="8194" name="Picture 2" descr="https://github.com/ApolloAuto/apollo/raw/master/docs/02_Quick%20Start/demo_guide/images/Apollo_logo.png">
+            <a:extLst>
+              <a:ext uri="{FF2B5EF4-FFF2-40B4-BE49-F238E27FC236}">
+                <a16:creationId xmlns:a16="http://schemas.microsoft.com/office/drawing/2014/main" id="{55597B2B-A812-436E-A572-AEF7C42DFFF9}"/>
+              </a:ext>
+            </a:extLst>
+          </p:cNvPr>
+          <p:cNvPicPr>
+            <a:picLocks noChangeAspect="1" noChangeArrowheads="1"/>
+          </p:cNvPicPr>
+          <p:nvPr/>
+        </p:nvPicPr>
+        <p:blipFill>
+          <a:blip r:embed="rId2">
+            <a:extLst>
+              <a:ext uri="{28A0092B-C50C-407E-A947-70E740481C1C}">
+                <a14:useLocalDpi xmlns:a14="http://schemas.microsoft.com/office/drawing/2010/main" val="0"/>
+              </a:ext>
+            </a:extLst>
+          </a:blip>
+          <a:srcRect/>
+          <a:stretch>
+            <a:fillRect/>
+          </a:stretch>
+        </p:blipFill>
+        <p:spPr bwMode="auto">
+          <a:xfrm>
+            <a:off x="1842407" y="1720268"/>
+            <a:ext cx="8507186" cy="1469927"/>
+          </a:xfrm>
+          <a:prstGeom prst="rect">
+            <a:avLst/>
+          </a:prstGeom>
+          <a:noFill/>
+          <a:extLst>
+            <a:ext uri="{909E8E84-426E-40DD-AFC4-6F175D3DCCD1}">
+              <a14:hiddenFill xmlns:a14="http://schemas.microsoft.com/office/drawing/2010/main">
+                <a:solidFill>
+                  <a:srgbClr val="FFFFFF"/>
+                </a:solidFill>
+              </a14:hiddenFill>
+            </a:ext>
+          </a:extLst>
+        </p:spPr>
+      </p:pic>
+      <p:pic>
+        <p:nvPicPr>
+          <p:cNvPr id="2" name="Image 1">
+            <a:extLst>
+              <a:ext uri="{FF2B5EF4-FFF2-40B4-BE49-F238E27FC236}">
+                <a16:creationId xmlns:a16="http://schemas.microsoft.com/office/drawing/2014/main" id="{20C5E2DE-7230-4201-BB28-90CBA9E66491}"/>
+              </a:ext>
+            </a:extLst>
+          </p:cNvPr>
+          <p:cNvPicPr>
+            <a:picLocks noChangeAspect="1"/>
+          </p:cNvPicPr>
+          <p:nvPr/>
+        </p:nvPicPr>
+        <p:blipFill>
+          <a:blip r:embed="rId3"/>
+          <a:stretch>
+            <a:fillRect/>
+          </a:stretch>
+        </p:blipFill>
+        <p:spPr>
+          <a:xfrm>
+            <a:off x="2049914" y="3667806"/>
+            <a:ext cx="8092169" cy="2249475"/>
+          </a:xfrm>
+          <a:prstGeom prst="rect">
+            <a:avLst/>
+          </a:prstGeom>
+        </p:spPr>
+      </p:pic>
+    </p:spTree>
+    <p:extLst>
+      <p:ext uri="{BB962C8B-B14F-4D97-AF65-F5344CB8AC3E}">
+        <p14:creationId xmlns:p14="http://schemas.microsoft.com/office/powerpoint/2010/main" val="2477773357"/>
+      </p:ext>
+    </p:extLst>
+  </p:cSld>
+  <p:clrMapOvr>
+    <a:masterClrMapping/>
+  </p:clrMapOvr>
+</p:sld>
+</file>
+
+<file path=ppt/slides/slide11.xml><?xml version="1.0" encoding="utf-8"?>
+<p:sld xmlns:a="http://schemas.openxmlformats.org/drawingml/2006/main" xmlns:r="http://schemas.openxmlformats.org/officeDocument/2006/relationships" xmlns:p="http://schemas.openxmlformats.org/presentationml/2006/main">
+  <p:cSld>
+    <p:spTree>
+      <p:nvGrpSpPr>
+        <p:cNvPr id="1" name=""/>
+        <p:cNvGrpSpPr/>
+        <p:nvPr/>
+      </p:nvGrpSpPr>
+      <p:grpSpPr>
+        <a:xfrm>
+          <a:off x="0" y="0"/>
+          <a:ext cx="0" cy="0"/>
+          <a:chOff x="0" y="0"/>
+          <a:chExt cx="0" cy="0"/>
+        </a:xfrm>
+      </p:grpSpPr>
+      <p:sp>
+        <p:nvSpPr>
+          <p:cNvPr id="6" name="Espace réservé du numéro de diapositive 5">
+            <a:extLst>
+              <a:ext uri="{FF2B5EF4-FFF2-40B4-BE49-F238E27FC236}">
+                <a16:creationId xmlns:a16="http://schemas.microsoft.com/office/drawing/2014/main" id="{C0E594C6-2451-4D72-B7BF-DF3C75B700A0}"/>
+              </a:ext>
+            </a:extLst>
+          </p:cNvPr>
+          <p:cNvSpPr>
+            <a:spLocks noGrp="1"/>
+          </p:cNvSpPr>
+          <p:nvPr>
+            <p:ph type="sldNum" sz="quarter" idx="12"/>
+          </p:nvPr>
+        </p:nvSpPr>
+        <p:spPr>
+          <a:xfrm>
+            <a:off x="10667999" y="6035675"/>
+            <a:ext cx="771089" cy="365125"/>
+          </a:xfrm>
+        </p:spPr>
+        <p:txBody>
+          <a:bodyPr/>
+          <a:lstStyle/>
+          <a:p>
+            <a:fld id="{6D22F896-40B5-4ADD-8801-0D06FADFA095}" type="slidenum">
+              <a:rPr lang="en-US" sz="1800" smtClean="0"/>
+              <a:t>11</a:t>
             </a:fld>
             <a:endParaRPr lang="en-US" dirty="0"/>
           </a:p>
@@ -13017,7 +13225,7 @@
 </p:sld>
 </file>
 
-<file path=ppt/slides/slide11.xml><?xml version="1.0" encoding="utf-8"?>
+<file path=ppt/slides/slide12.xml><?xml version="1.0" encoding="utf-8"?>
 <p:sld xmlns:a="http://schemas.openxmlformats.org/drawingml/2006/main" xmlns:r="http://schemas.openxmlformats.org/officeDocument/2006/relationships" xmlns:p="http://schemas.openxmlformats.org/presentationml/2006/main">
   <p:cSld>
     <p:spTree>
@@ -13062,7 +13270,7 @@
           <a:p>
             <a:fld id="{6D22F896-40B5-4ADD-8801-0D06FADFA095}" type="slidenum">
               <a:rPr lang="en-US" sz="1800" smtClean="0"/>
-              <a:t>11</a:t>
+              <a:t>12</a:t>
             </a:fld>
             <a:endParaRPr lang="en-US" dirty="0"/>
           </a:p>
@@ -13147,7 +13355,7 @@
 </p:sld>
 </file>
 
-<file path=ppt/slides/slide12.xml><?xml version="1.0" encoding="utf-8"?>
+<file path=ppt/slides/slide13.xml><?xml version="1.0" encoding="utf-8"?>
 <p:sld xmlns:a="http://schemas.openxmlformats.org/drawingml/2006/main" xmlns:r="http://schemas.openxmlformats.org/officeDocument/2006/relationships" xmlns:p="http://schemas.openxmlformats.org/presentationml/2006/main">
   <p:cSld>
     <p:spTree>
@@ -13192,7 +13400,7 @@
           <a:p>
             <a:fld id="{6D22F896-40B5-4ADD-8801-0D06FADFA095}" type="slidenum">
               <a:rPr lang="en-US" sz="1800" smtClean="0"/>
-              <a:t>12</a:t>
+              <a:t>13</a:t>
             </a:fld>
             <a:endParaRPr lang="en-US" dirty="0"/>
           </a:p>
@@ -13294,7 +13502,7 @@
 </p:sld>
 </file>
 
-<file path=ppt/slides/slide13.xml><?xml version="1.0" encoding="utf-8"?>
+<file path=ppt/slides/slide14.xml><?xml version="1.0" encoding="utf-8"?>
 <p:sld xmlns:a="http://schemas.openxmlformats.org/drawingml/2006/main" xmlns:r="http://schemas.openxmlformats.org/officeDocument/2006/relationships" xmlns:p="http://schemas.openxmlformats.org/presentationml/2006/main">
   <p:cSld>
     <p:spTree>
@@ -13339,7 +13547,7 @@
           <a:p>
             <a:fld id="{6D22F896-40B5-4ADD-8801-0D06FADFA095}" type="slidenum">
               <a:rPr lang="en-US" sz="1800" smtClean="0"/>
-              <a:t>13</a:t>
+              <a:t>14</a:t>
             </a:fld>
             <a:endParaRPr lang="en-US" dirty="0"/>
           </a:p>
@@ -13633,7 +13841,7 @@
 </p:sld>
 </file>
 
-<file path=ppt/slides/slide14.xml><?xml version="1.0" encoding="utf-8"?>
+<file path=ppt/slides/slide15.xml><?xml version="1.0" encoding="utf-8"?>
 <p:sld xmlns:a="http://schemas.openxmlformats.org/drawingml/2006/main" xmlns:r="http://schemas.openxmlformats.org/officeDocument/2006/relationships" xmlns:p="http://schemas.openxmlformats.org/presentationml/2006/main">
   <p:cSld>
     <p:spTree>
@@ -13678,7 +13886,7 @@
           <a:p>
             <a:fld id="{6D22F896-40B5-4ADD-8801-0D06FADFA095}" type="slidenum">
               <a:rPr lang="en-US" sz="1800" smtClean="0"/>
-              <a:t>14</a:t>
+              <a:t>15</a:t>
             </a:fld>
             <a:endParaRPr lang="en-US" dirty="0"/>
           </a:p>
@@ -13827,7 +14035,7 @@
 </p:sld>
 </file>
 
-<file path=ppt/slides/slide15.xml><?xml version="1.0" encoding="utf-8"?>
+<file path=ppt/slides/slide16.xml><?xml version="1.0" encoding="utf-8"?>
 <p:sld xmlns:a="http://schemas.openxmlformats.org/drawingml/2006/main" xmlns:r="http://schemas.openxmlformats.org/officeDocument/2006/relationships" xmlns:p="http://schemas.openxmlformats.org/presentationml/2006/main">
   <p:cSld>
     <p:spTree>
@@ -13872,7 +14080,7 @@
           <a:p>
             <a:fld id="{6D22F896-40B5-4ADD-8801-0D06FADFA095}" type="slidenum">
               <a:rPr lang="en-US" sz="1800" smtClean="0"/>
-              <a:t>15</a:t>
+              <a:t>16</a:t>
             </a:fld>
             <a:endParaRPr lang="en-US" dirty="0"/>
           </a:p>
@@ -14086,7 +14294,7 @@
 </p:sld>
 </file>
 
-<file path=ppt/slides/slide16.xml><?xml version="1.0" encoding="utf-8"?>
+<file path=ppt/slides/slide17.xml><?xml version="1.0" encoding="utf-8"?>
 <p:sld xmlns:a="http://schemas.openxmlformats.org/drawingml/2006/main" xmlns:r="http://schemas.openxmlformats.org/officeDocument/2006/relationships" xmlns:p="http://schemas.openxmlformats.org/presentationml/2006/main">
   <p:cSld>
     <p:spTree>
@@ -14131,7 +14339,7 @@
           <a:p>
             <a:fld id="{6D22F896-40B5-4ADD-8801-0D06FADFA095}" type="slidenum">
               <a:rPr lang="en-US" sz="1800" smtClean="0"/>
-              <a:t>16</a:t>
+              <a:t>17</a:t>
             </a:fld>
             <a:endParaRPr lang="en-US" dirty="0"/>
           </a:p>
@@ -14346,136 +14554,6 @@
 </p:sld>
 </file>
 
-<file path=ppt/slides/slide17.xml><?xml version="1.0" encoding="utf-8"?>
-<p:sld xmlns:a="http://schemas.openxmlformats.org/drawingml/2006/main" xmlns:r="http://schemas.openxmlformats.org/officeDocument/2006/relationships" xmlns:p="http://schemas.openxmlformats.org/presentationml/2006/main">
-  <p:cSld>
-    <p:spTree>
-      <p:nvGrpSpPr>
-        <p:cNvPr id="1" name=""/>
-        <p:cNvGrpSpPr/>
-        <p:nvPr/>
-      </p:nvGrpSpPr>
-      <p:grpSpPr>
-        <a:xfrm>
-          <a:off x="0" y="0"/>
-          <a:ext cx="0" cy="0"/>
-          <a:chOff x="0" y="0"/>
-          <a:chExt cx="0" cy="0"/>
-        </a:xfrm>
-      </p:grpSpPr>
-      <p:sp>
-        <p:nvSpPr>
-          <p:cNvPr id="6" name="Espace réservé du numéro de diapositive 5">
-            <a:extLst>
-              <a:ext uri="{FF2B5EF4-FFF2-40B4-BE49-F238E27FC236}">
-                <a16:creationId xmlns:a16="http://schemas.microsoft.com/office/drawing/2014/main" id="{C0E594C6-2451-4D72-B7BF-DF3C75B700A0}"/>
-              </a:ext>
-            </a:extLst>
-          </p:cNvPr>
-          <p:cNvSpPr>
-            <a:spLocks noGrp="1"/>
-          </p:cNvSpPr>
-          <p:nvPr>
-            <p:ph type="sldNum" sz="quarter" idx="12"/>
-          </p:nvPr>
-        </p:nvSpPr>
-        <p:spPr>
-          <a:xfrm>
-            <a:off x="10667999" y="6035675"/>
-            <a:ext cx="771089" cy="365125"/>
-          </a:xfrm>
-        </p:spPr>
-        <p:txBody>
-          <a:bodyPr/>
-          <a:lstStyle/>
-          <a:p>
-            <a:fld id="{6D22F896-40B5-4ADD-8801-0D06FADFA095}" type="slidenum">
-              <a:rPr lang="en-US" sz="1800" smtClean="0"/>
-              <a:t>17</a:t>
-            </a:fld>
-            <a:endParaRPr lang="en-US" dirty="0"/>
-          </a:p>
-        </p:txBody>
-      </p:sp>
-      <p:sp>
-        <p:nvSpPr>
-          <p:cNvPr id="4" name="Titre 3">
-            <a:extLst>
-              <a:ext uri="{FF2B5EF4-FFF2-40B4-BE49-F238E27FC236}">
-                <a16:creationId xmlns:a16="http://schemas.microsoft.com/office/drawing/2014/main" id="{0C62769B-11A1-46CF-990F-47C7DFD7A02C}"/>
-              </a:ext>
-            </a:extLst>
-          </p:cNvPr>
-          <p:cNvSpPr>
-            <a:spLocks noGrp="1"/>
-          </p:cNvSpPr>
-          <p:nvPr>
-            <p:ph type="ctrTitle"/>
-          </p:nvPr>
-        </p:nvSpPr>
-        <p:spPr>
-          <a:xfrm>
-            <a:off x="1700210" y="210652"/>
-            <a:ext cx="8791575" cy="832077"/>
-          </a:xfrm>
-        </p:spPr>
-        <p:txBody>
-          <a:bodyPr>
-            <a:normAutofit fontScale="90000"/>
-          </a:bodyPr>
-          <a:lstStyle/>
-          <a:p>
-            <a:pPr algn="ctr"/>
-            <a:r>
-              <a:rPr lang="fr-FR" dirty="0"/>
-              <a:t>EXECUTION – conduite autonome</a:t>
-            </a:r>
-          </a:p>
-        </p:txBody>
-      </p:sp>
-      <p:pic>
-        <p:nvPicPr>
-          <p:cNvPr id="3" name="Image 2">
-            <a:extLst>
-              <a:ext uri="{FF2B5EF4-FFF2-40B4-BE49-F238E27FC236}">
-                <a16:creationId xmlns:a16="http://schemas.microsoft.com/office/drawing/2014/main" id="{5F2618AA-EC59-49D4-9484-6087B22B91E5}"/>
-              </a:ext>
-            </a:extLst>
-          </p:cNvPr>
-          <p:cNvPicPr>
-            <a:picLocks noChangeAspect="1"/>
-          </p:cNvPicPr>
-          <p:nvPr/>
-        </p:nvPicPr>
-        <p:blipFill>
-          <a:blip r:embed="rId2"/>
-          <a:stretch>
-            <a:fillRect/>
-          </a:stretch>
-        </p:blipFill>
-        <p:spPr>
-          <a:xfrm>
-            <a:off x="752912" y="1042729"/>
-            <a:ext cx="10231278" cy="5420481"/>
-          </a:xfrm>
-          <a:prstGeom prst="rect">
-            <a:avLst/>
-          </a:prstGeom>
-        </p:spPr>
-      </p:pic>
-    </p:spTree>
-    <p:extLst>
-      <p:ext uri="{BB962C8B-B14F-4D97-AF65-F5344CB8AC3E}">
-        <p14:creationId xmlns:p14="http://schemas.microsoft.com/office/powerpoint/2010/main" val="2659535349"/>
-      </p:ext>
-    </p:extLst>
-  </p:cSld>
-  <p:clrMapOvr>
-    <a:masterClrMapping/>
-  </p:clrMapOvr>
-</p:sld>
-</file>
-
 <file path=ppt/slides/slide18.xml><?xml version="1.0" encoding="utf-8"?>
 <p:sld xmlns:a="http://schemas.openxmlformats.org/drawingml/2006/main" xmlns:r="http://schemas.openxmlformats.org/officeDocument/2006/relationships" xmlns:p="http://schemas.openxmlformats.org/presentationml/2006/main">
   <p:cSld>
@@ -14565,10 +14643,10 @@
       </p:sp>
       <p:pic>
         <p:nvPicPr>
-          <p:cNvPr id="2" name="Image 1">
+          <p:cNvPr id="3" name="Image 2">
             <a:extLst>
               <a:ext uri="{FF2B5EF4-FFF2-40B4-BE49-F238E27FC236}">
-                <a16:creationId xmlns:a16="http://schemas.microsoft.com/office/drawing/2014/main" id="{E999B56E-F94A-462C-82BB-011A6E526FA4}"/>
+                <a16:creationId xmlns:a16="http://schemas.microsoft.com/office/drawing/2014/main" id="{5F2618AA-EC59-49D4-9484-6087B22B91E5}"/>
               </a:ext>
             </a:extLst>
           </p:cNvPr>
@@ -14585,8 +14663,8 @@
         </p:blipFill>
         <p:spPr>
           <a:xfrm>
-            <a:off x="752912" y="1131629"/>
-            <a:ext cx="10185477" cy="5378532"/>
+            <a:off x="752912" y="1042729"/>
+            <a:ext cx="10231278" cy="5420481"/>
           </a:xfrm>
           <a:prstGeom prst="rect">
             <a:avLst/>
@@ -14596,7 +14674,7 @@
     </p:spTree>
     <p:extLst>
       <p:ext uri="{BB962C8B-B14F-4D97-AF65-F5344CB8AC3E}">
-        <p14:creationId xmlns:p14="http://schemas.microsoft.com/office/powerpoint/2010/main" val="291961509"/>
+        <p14:creationId xmlns:p14="http://schemas.microsoft.com/office/powerpoint/2010/main" val="2659535349"/>
       </p:ext>
     </p:extLst>
   </p:cSld>
@@ -14695,10 +14773,10 @@
       </p:sp>
       <p:pic>
         <p:nvPicPr>
-          <p:cNvPr id="3" name="Image 2">
+          <p:cNvPr id="2" name="Image 1">
             <a:extLst>
               <a:ext uri="{FF2B5EF4-FFF2-40B4-BE49-F238E27FC236}">
-                <a16:creationId xmlns:a16="http://schemas.microsoft.com/office/drawing/2014/main" id="{AEEA83A6-E2A5-44CE-A542-F9D02FA8C946}"/>
+                <a16:creationId xmlns:a16="http://schemas.microsoft.com/office/drawing/2014/main" id="{E999B56E-F94A-462C-82BB-011A6E526FA4}"/>
               </a:ext>
             </a:extLst>
           </p:cNvPr>
@@ -14715,38 +14793,8 @@
         </p:blipFill>
         <p:spPr>
           <a:xfrm>
-            <a:off x="122390" y="1444547"/>
-            <a:ext cx="6118612" cy="4591128"/>
-          </a:xfrm>
-          <a:prstGeom prst="rect">
-            <a:avLst/>
-          </a:prstGeom>
-        </p:spPr>
-      </p:pic>
-      <p:pic>
-        <p:nvPicPr>
-          <p:cNvPr id="5" name="Image 4">
-            <a:extLst>
-              <a:ext uri="{FF2B5EF4-FFF2-40B4-BE49-F238E27FC236}">
-                <a16:creationId xmlns:a16="http://schemas.microsoft.com/office/drawing/2014/main" id="{9B471B91-E141-4667-8731-B48026E6B822}"/>
-              </a:ext>
-            </a:extLst>
-          </p:cNvPr>
-          <p:cNvPicPr>
-            <a:picLocks noChangeAspect="1"/>
-          </p:cNvPicPr>
-          <p:nvPr/>
-        </p:nvPicPr>
-        <p:blipFill>
-          <a:blip r:embed="rId3"/>
-          <a:stretch>
-            <a:fillRect/>
-          </a:stretch>
-        </p:blipFill>
-        <p:spPr>
-          <a:xfrm>
-            <a:off x="6243878" y="1451013"/>
-            <a:ext cx="5825732" cy="4584662"/>
+            <a:off x="752912" y="1131629"/>
+            <a:ext cx="10185477" cy="5378532"/>
           </a:xfrm>
           <a:prstGeom prst="rect">
             <a:avLst/>
@@ -14756,7 +14804,7 @@
     </p:spTree>
     <p:extLst>
       <p:ext uri="{BB962C8B-B14F-4D97-AF65-F5344CB8AC3E}">
-        <p14:creationId xmlns:p14="http://schemas.microsoft.com/office/powerpoint/2010/main" val="4113349582"/>
+        <p14:creationId xmlns:p14="http://schemas.microsoft.com/office/powerpoint/2010/main" val="291961509"/>
       </p:ext>
     </p:extLst>
   </p:cSld>
@@ -14980,6 +15028,166 @@
         </p:nvSpPr>
         <p:spPr>
           <a:xfrm>
+            <a:off x="1700210" y="210652"/>
+            <a:ext cx="8791575" cy="832077"/>
+          </a:xfrm>
+        </p:spPr>
+        <p:txBody>
+          <a:bodyPr>
+            <a:normAutofit fontScale="90000"/>
+          </a:bodyPr>
+          <a:lstStyle/>
+          <a:p>
+            <a:pPr algn="ctr"/>
+            <a:r>
+              <a:rPr lang="fr-FR" dirty="0"/>
+              <a:t>EXECUTION – conduite autonome</a:t>
+            </a:r>
+          </a:p>
+        </p:txBody>
+      </p:sp>
+      <p:pic>
+        <p:nvPicPr>
+          <p:cNvPr id="3" name="Image 2">
+            <a:extLst>
+              <a:ext uri="{FF2B5EF4-FFF2-40B4-BE49-F238E27FC236}">
+                <a16:creationId xmlns:a16="http://schemas.microsoft.com/office/drawing/2014/main" id="{AEEA83A6-E2A5-44CE-A542-F9D02FA8C946}"/>
+              </a:ext>
+            </a:extLst>
+          </p:cNvPr>
+          <p:cNvPicPr>
+            <a:picLocks noChangeAspect="1"/>
+          </p:cNvPicPr>
+          <p:nvPr/>
+        </p:nvPicPr>
+        <p:blipFill>
+          <a:blip r:embed="rId2"/>
+          <a:stretch>
+            <a:fillRect/>
+          </a:stretch>
+        </p:blipFill>
+        <p:spPr>
+          <a:xfrm>
+            <a:off x="122390" y="1444547"/>
+            <a:ext cx="6118612" cy="4591128"/>
+          </a:xfrm>
+          <a:prstGeom prst="rect">
+            <a:avLst/>
+          </a:prstGeom>
+        </p:spPr>
+      </p:pic>
+      <p:pic>
+        <p:nvPicPr>
+          <p:cNvPr id="5" name="Image 4">
+            <a:extLst>
+              <a:ext uri="{FF2B5EF4-FFF2-40B4-BE49-F238E27FC236}">
+                <a16:creationId xmlns:a16="http://schemas.microsoft.com/office/drawing/2014/main" id="{9B471B91-E141-4667-8731-B48026E6B822}"/>
+              </a:ext>
+            </a:extLst>
+          </p:cNvPr>
+          <p:cNvPicPr>
+            <a:picLocks noChangeAspect="1"/>
+          </p:cNvPicPr>
+          <p:nvPr/>
+        </p:nvPicPr>
+        <p:blipFill>
+          <a:blip r:embed="rId3"/>
+          <a:stretch>
+            <a:fillRect/>
+          </a:stretch>
+        </p:blipFill>
+        <p:spPr>
+          <a:xfrm>
+            <a:off x="6243878" y="1451013"/>
+            <a:ext cx="5825732" cy="4584662"/>
+          </a:xfrm>
+          <a:prstGeom prst="rect">
+            <a:avLst/>
+          </a:prstGeom>
+        </p:spPr>
+      </p:pic>
+    </p:spTree>
+    <p:extLst>
+      <p:ext uri="{BB962C8B-B14F-4D97-AF65-F5344CB8AC3E}">
+        <p14:creationId xmlns:p14="http://schemas.microsoft.com/office/powerpoint/2010/main" val="4113349582"/>
+      </p:ext>
+    </p:extLst>
+  </p:cSld>
+  <p:clrMapOvr>
+    <a:masterClrMapping/>
+  </p:clrMapOvr>
+</p:sld>
+</file>
+
+<file path=ppt/slides/slide21.xml><?xml version="1.0" encoding="utf-8"?>
+<p:sld xmlns:a="http://schemas.openxmlformats.org/drawingml/2006/main" xmlns:r="http://schemas.openxmlformats.org/officeDocument/2006/relationships" xmlns:p="http://schemas.openxmlformats.org/presentationml/2006/main">
+  <p:cSld>
+    <p:spTree>
+      <p:nvGrpSpPr>
+        <p:cNvPr id="1" name=""/>
+        <p:cNvGrpSpPr/>
+        <p:nvPr/>
+      </p:nvGrpSpPr>
+      <p:grpSpPr>
+        <a:xfrm>
+          <a:off x="0" y="0"/>
+          <a:ext cx="0" cy="0"/>
+          <a:chOff x="0" y="0"/>
+          <a:chExt cx="0" cy="0"/>
+        </a:xfrm>
+      </p:grpSpPr>
+      <p:sp>
+        <p:nvSpPr>
+          <p:cNvPr id="6" name="Espace réservé du numéro de diapositive 5">
+            <a:extLst>
+              <a:ext uri="{FF2B5EF4-FFF2-40B4-BE49-F238E27FC236}">
+                <a16:creationId xmlns:a16="http://schemas.microsoft.com/office/drawing/2014/main" id="{C0E594C6-2451-4D72-B7BF-DF3C75B700A0}"/>
+              </a:ext>
+            </a:extLst>
+          </p:cNvPr>
+          <p:cNvSpPr>
+            <a:spLocks noGrp="1"/>
+          </p:cNvSpPr>
+          <p:nvPr>
+            <p:ph type="sldNum" sz="quarter" idx="12"/>
+          </p:nvPr>
+        </p:nvSpPr>
+        <p:spPr>
+          <a:xfrm>
+            <a:off x="10667999" y="6035675"/>
+            <a:ext cx="771089" cy="365125"/>
+          </a:xfrm>
+        </p:spPr>
+        <p:txBody>
+          <a:bodyPr/>
+          <a:lstStyle/>
+          <a:p>
+            <a:fld id="{6D22F896-40B5-4ADD-8801-0D06FADFA095}" type="slidenum">
+              <a:rPr lang="en-US" sz="1800" smtClean="0"/>
+              <a:t>21</a:t>
+            </a:fld>
+            <a:endParaRPr lang="en-US" dirty="0"/>
+          </a:p>
+        </p:txBody>
+      </p:sp>
+      <p:sp>
+        <p:nvSpPr>
+          <p:cNvPr id="4" name="Titre 3">
+            <a:extLst>
+              <a:ext uri="{FF2B5EF4-FFF2-40B4-BE49-F238E27FC236}">
+                <a16:creationId xmlns:a16="http://schemas.microsoft.com/office/drawing/2014/main" id="{0C62769B-11A1-46CF-990F-47C7DFD7A02C}"/>
+              </a:ext>
+            </a:extLst>
+          </p:cNvPr>
+          <p:cNvSpPr>
+            <a:spLocks noGrp="1"/>
+          </p:cNvSpPr>
+          <p:nvPr>
+            <p:ph type="ctrTitle"/>
+          </p:nvPr>
+        </p:nvSpPr>
+        <p:spPr>
+          <a:xfrm>
             <a:off x="1700212" y="816428"/>
             <a:ext cx="8791575" cy="832077"/>
           </a:xfrm>
@@ -15582,10 +15790,10 @@
       </p:sp>
       <p:pic>
         <p:nvPicPr>
-          <p:cNvPr id="6148" name="Picture 4" descr="https://raw.githubusercontent.com/yh175/Perceptive-Automotive/main/UML/jwt-sequence-diagram.png?token=GHSAT0AAAAAACT2TWTLK45JO55L7XMZMQVWZTTAOVQ">
+          <p:cNvPr id="1028" name="Picture 4" descr="Tuto Authentification/Refresh JSON Web Token en Nodejs avec Express -  WawaSensei">
             <a:extLst>
               <a:ext uri="{FF2B5EF4-FFF2-40B4-BE49-F238E27FC236}">
-                <a16:creationId xmlns:a16="http://schemas.microsoft.com/office/drawing/2014/main" id="{0D11731C-6D4C-45DC-AD21-2EAECDE477E9}"/>
+                <a16:creationId xmlns:a16="http://schemas.microsoft.com/office/drawing/2014/main" id="{9C8AA7AE-6C5F-4445-AF3D-1F8D8AC7FADA}"/>
               </a:ext>
             </a:extLst>
           </p:cNvPr>
@@ -15609,22 +15817,15 @@
         </p:blipFill>
         <p:spPr bwMode="auto">
           <a:xfrm>
-            <a:off x="2460790" y="2001157"/>
-            <a:ext cx="7270419" cy="4203700"/>
+            <a:off x="2174714" y="1824028"/>
+            <a:ext cx="7842569" cy="4576772"/>
           </a:xfrm>
           <a:prstGeom prst="rect">
             <a:avLst/>
           </a:prstGeom>
-          <a:noFill/>
-          <a:extLst>
-            <a:ext uri="{909E8E84-426E-40DD-AFC4-6F175D3DCCD1}">
-              <a14:hiddenFill xmlns:a14="http://schemas.microsoft.com/office/drawing/2010/main">
-                <a:solidFill>
-                  <a:srgbClr val="FFFFFF"/>
-                </a:solidFill>
-              </a14:hiddenFill>
-            </a:ext>
-          </a:extLst>
+          <a:solidFill>
+            <a:schemeClr val="tx1"/>
+          </a:solidFill>
         </p:spPr>
       </p:pic>
     </p:spTree>
@@ -15686,6 +15887,134 @@
             <a:fld id="{6D22F896-40B5-4ADD-8801-0D06FADFA095}" type="slidenum">
               <a:rPr lang="en-US" sz="1800" smtClean="0"/>
               <a:t>7</a:t>
+            </a:fld>
+            <a:endParaRPr lang="en-US" dirty="0"/>
+          </a:p>
+        </p:txBody>
+      </p:sp>
+      <p:sp>
+        <p:nvSpPr>
+          <p:cNvPr id="4" name="Titre 3">
+            <a:extLst>
+              <a:ext uri="{FF2B5EF4-FFF2-40B4-BE49-F238E27FC236}">
+                <a16:creationId xmlns:a16="http://schemas.microsoft.com/office/drawing/2014/main" id="{0C62769B-11A1-46CF-990F-47C7DFD7A02C}"/>
+              </a:ext>
+            </a:extLst>
+          </p:cNvPr>
+          <p:cNvSpPr>
+            <a:spLocks noGrp="1"/>
+          </p:cNvSpPr>
+          <p:nvPr>
+            <p:ph type="ctrTitle"/>
+          </p:nvPr>
+        </p:nvSpPr>
+        <p:spPr>
+          <a:xfrm>
+            <a:off x="1700212" y="816428"/>
+            <a:ext cx="8791575" cy="832077"/>
+          </a:xfrm>
+        </p:spPr>
+        <p:txBody>
+          <a:bodyPr/>
+          <a:lstStyle/>
+          <a:p>
+            <a:pPr algn="ctr"/>
+            <a:r>
+              <a:rPr lang="fr-FR" dirty="0"/>
+              <a:t>planification</a:t>
+            </a:r>
+          </a:p>
+        </p:txBody>
+      </p:sp>
+      <p:pic>
+        <p:nvPicPr>
+          <p:cNvPr id="8" name="Image 7">
+            <a:extLst>
+              <a:ext uri="{FF2B5EF4-FFF2-40B4-BE49-F238E27FC236}">
+                <a16:creationId xmlns:a16="http://schemas.microsoft.com/office/drawing/2014/main" id="{CCFC046D-FD6B-4DBB-B751-C3C4FFEBCADF}"/>
+              </a:ext>
+            </a:extLst>
+          </p:cNvPr>
+          <p:cNvPicPr>
+            <a:picLocks noChangeAspect="1"/>
+          </p:cNvPicPr>
+          <p:nvPr/>
+        </p:nvPicPr>
+        <p:blipFill>
+          <a:blip r:embed="rId2"/>
+          <a:stretch>
+            <a:fillRect/>
+          </a:stretch>
+        </p:blipFill>
+        <p:spPr>
+          <a:xfrm>
+            <a:off x="759209" y="2281720"/>
+            <a:ext cx="10673582" cy="3255479"/>
+          </a:xfrm>
+          <a:prstGeom prst="rect">
+            <a:avLst/>
+          </a:prstGeom>
+        </p:spPr>
+      </p:pic>
+    </p:spTree>
+    <p:extLst>
+      <p:ext uri="{BB962C8B-B14F-4D97-AF65-F5344CB8AC3E}">
+        <p14:creationId xmlns:p14="http://schemas.microsoft.com/office/powerpoint/2010/main" val="4237985598"/>
+      </p:ext>
+    </p:extLst>
+  </p:cSld>
+  <p:clrMapOvr>
+    <a:masterClrMapping/>
+  </p:clrMapOvr>
+</p:sld>
+</file>
+
+<file path=ppt/slides/slide8.xml><?xml version="1.0" encoding="utf-8"?>
+<p:sld xmlns:a="http://schemas.openxmlformats.org/drawingml/2006/main" xmlns:r="http://schemas.openxmlformats.org/officeDocument/2006/relationships" xmlns:p="http://schemas.openxmlformats.org/presentationml/2006/main">
+  <p:cSld>
+    <p:spTree>
+      <p:nvGrpSpPr>
+        <p:cNvPr id="1" name=""/>
+        <p:cNvGrpSpPr/>
+        <p:nvPr/>
+      </p:nvGrpSpPr>
+      <p:grpSpPr>
+        <a:xfrm>
+          <a:off x="0" y="0"/>
+          <a:ext cx="0" cy="0"/>
+          <a:chOff x="0" y="0"/>
+          <a:chExt cx="0" cy="0"/>
+        </a:xfrm>
+      </p:grpSpPr>
+      <p:sp>
+        <p:nvSpPr>
+          <p:cNvPr id="6" name="Espace réservé du numéro de diapositive 5">
+            <a:extLst>
+              <a:ext uri="{FF2B5EF4-FFF2-40B4-BE49-F238E27FC236}">
+                <a16:creationId xmlns:a16="http://schemas.microsoft.com/office/drawing/2014/main" id="{C0E594C6-2451-4D72-B7BF-DF3C75B700A0}"/>
+              </a:ext>
+            </a:extLst>
+          </p:cNvPr>
+          <p:cNvSpPr>
+            <a:spLocks noGrp="1"/>
+          </p:cNvSpPr>
+          <p:nvPr>
+            <p:ph type="sldNum" sz="quarter" idx="12"/>
+          </p:nvPr>
+        </p:nvSpPr>
+        <p:spPr>
+          <a:xfrm>
+            <a:off x="10667999" y="6035675"/>
+            <a:ext cx="771089" cy="365125"/>
+          </a:xfrm>
+        </p:spPr>
+        <p:txBody>
+          <a:bodyPr/>
+          <a:lstStyle/>
+          <a:p>
+            <a:fld id="{6D22F896-40B5-4ADD-8801-0D06FADFA095}" type="slidenum">
+              <a:rPr lang="en-US" sz="1800" smtClean="0"/>
+              <a:t>8</a:t>
             </a:fld>
             <a:endParaRPr lang="en-US" dirty="0"/>
           </a:p>
@@ -16016,137 +16345,7 @@
     </p:spTree>
     <p:extLst>
       <p:ext uri="{BB962C8B-B14F-4D97-AF65-F5344CB8AC3E}">
-        <p14:creationId xmlns:p14="http://schemas.microsoft.com/office/powerpoint/2010/main" val="4237985598"/>
-      </p:ext>
-    </p:extLst>
-  </p:cSld>
-  <p:clrMapOvr>
-    <a:masterClrMapping/>
-  </p:clrMapOvr>
-</p:sld>
-</file>
-
-<file path=ppt/slides/slide8.xml><?xml version="1.0" encoding="utf-8"?>
-<p:sld xmlns:a="http://schemas.openxmlformats.org/drawingml/2006/main" xmlns:r="http://schemas.openxmlformats.org/officeDocument/2006/relationships" xmlns:p="http://schemas.openxmlformats.org/presentationml/2006/main">
-  <p:cSld>
-    <p:spTree>
-      <p:nvGrpSpPr>
-        <p:cNvPr id="1" name=""/>
-        <p:cNvGrpSpPr/>
-        <p:nvPr/>
-      </p:nvGrpSpPr>
-      <p:grpSpPr>
-        <a:xfrm>
-          <a:off x="0" y="0"/>
-          <a:ext cx="0" cy="0"/>
-          <a:chOff x="0" y="0"/>
-          <a:chExt cx="0" cy="0"/>
-        </a:xfrm>
-      </p:grpSpPr>
-      <p:sp>
-        <p:nvSpPr>
-          <p:cNvPr id="6" name="Espace réservé du numéro de diapositive 5">
-            <a:extLst>
-              <a:ext uri="{FF2B5EF4-FFF2-40B4-BE49-F238E27FC236}">
-                <a16:creationId xmlns:a16="http://schemas.microsoft.com/office/drawing/2014/main" id="{C0E594C6-2451-4D72-B7BF-DF3C75B700A0}"/>
-              </a:ext>
-            </a:extLst>
-          </p:cNvPr>
-          <p:cNvSpPr>
-            <a:spLocks noGrp="1"/>
-          </p:cNvSpPr>
-          <p:nvPr>
-            <p:ph type="sldNum" sz="quarter" idx="12"/>
-          </p:nvPr>
-        </p:nvSpPr>
-        <p:spPr>
-          <a:xfrm>
-            <a:off x="10667999" y="6035675"/>
-            <a:ext cx="771089" cy="365125"/>
-          </a:xfrm>
-        </p:spPr>
-        <p:txBody>
-          <a:bodyPr/>
-          <a:lstStyle/>
-          <a:p>
-            <a:fld id="{6D22F896-40B5-4ADD-8801-0D06FADFA095}" type="slidenum">
-              <a:rPr lang="en-US" sz="1800" smtClean="0"/>
-              <a:t>8</a:t>
-            </a:fld>
-            <a:endParaRPr lang="en-US" dirty="0"/>
-          </a:p>
-        </p:txBody>
-      </p:sp>
-      <p:sp>
-        <p:nvSpPr>
-          <p:cNvPr id="4" name="Titre 3">
-            <a:extLst>
-              <a:ext uri="{FF2B5EF4-FFF2-40B4-BE49-F238E27FC236}">
-                <a16:creationId xmlns:a16="http://schemas.microsoft.com/office/drawing/2014/main" id="{0C62769B-11A1-46CF-990F-47C7DFD7A02C}"/>
-              </a:ext>
-            </a:extLst>
-          </p:cNvPr>
-          <p:cNvSpPr>
-            <a:spLocks noGrp="1"/>
-          </p:cNvSpPr>
-          <p:nvPr>
-            <p:ph type="ctrTitle"/>
-          </p:nvPr>
-        </p:nvSpPr>
-        <p:spPr>
-          <a:xfrm>
-            <a:off x="1700212" y="816428"/>
-            <a:ext cx="8791575" cy="832077"/>
-          </a:xfrm>
-        </p:spPr>
-        <p:txBody>
-          <a:bodyPr>
-            <a:normAutofit/>
-          </a:bodyPr>
-          <a:lstStyle/>
-          <a:p>
-            <a:pPr algn="ctr"/>
-            <a:r>
-              <a:rPr lang="fr-FR" dirty="0"/>
-              <a:t>EXECUTION – RESERVATION</a:t>
-            </a:r>
-          </a:p>
-        </p:txBody>
-      </p:sp>
-      <p:pic>
-        <p:nvPicPr>
-          <p:cNvPr id="2" name="Image 1">
-            <a:extLst>
-              <a:ext uri="{FF2B5EF4-FFF2-40B4-BE49-F238E27FC236}">
-                <a16:creationId xmlns:a16="http://schemas.microsoft.com/office/drawing/2014/main" id="{6C783FA2-05C4-4F3D-A73A-94E519BA61FF}"/>
-              </a:ext>
-            </a:extLst>
-          </p:cNvPr>
-          <p:cNvPicPr>
-            <a:picLocks noChangeAspect="1"/>
-          </p:cNvPicPr>
-          <p:nvPr/>
-        </p:nvPicPr>
-        <p:blipFill>
-          <a:blip r:embed="rId2"/>
-          <a:stretch>
-            <a:fillRect/>
-          </a:stretch>
-        </p:blipFill>
-        <p:spPr>
-          <a:xfrm>
-            <a:off x="1632327" y="1951036"/>
-            <a:ext cx="8927343" cy="4267201"/>
-          </a:xfrm>
-          <a:prstGeom prst="rect">
-            <a:avLst/>
-          </a:prstGeom>
-        </p:spPr>
-      </p:pic>
-    </p:spTree>
-    <p:extLst>
-      <p:ext uri="{BB962C8B-B14F-4D97-AF65-F5344CB8AC3E}">
-        <p14:creationId xmlns:p14="http://schemas.microsoft.com/office/powerpoint/2010/main" val="746142546"/>
+        <p14:creationId xmlns:p14="http://schemas.microsoft.com/office/powerpoint/2010/main" val="3439507602"/>
       </p:ext>
     </p:extLst>
   </p:cSld>
@@ -16231,71 +16430,24 @@
         </p:spPr>
         <p:txBody>
           <a:bodyPr>
-            <a:normAutofit fontScale="90000"/>
+            <a:normAutofit/>
           </a:bodyPr>
           <a:lstStyle/>
           <a:p>
             <a:pPr algn="ctr"/>
             <a:r>
               <a:rPr lang="fr-FR" dirty="0"/>
-              <a:t>EXECUTION – conduite autonome</a:t>
+              <a:t>EXECUTION – RESERVATION</a:t>
             </a:r>
           </a:p>
         </p:txBody>
       </p:sp>
-      <p:pic>
-        <p:nvPicPr>
-          <p:cNvPr id="8194" name="Picture 2" descr="https://github.com/ApolloAuto/apollo/raw/master/docs/02_Quick%20Start/demo_guide/images/Apollo_logo.png">
-            <a:extLst>
-              <a:ext uri="{FF2B5EF4-FFF2-40B4-BE49-F238E27FC236}">
-                <a16:creationId xmlns:a16="http://schemas.microsoft.com/office/drawing/2014/main" id="{55597B2B-A812-436E-A572-AEF7C42DFFF9}"/>
-              </a:ext>
-            </a:extLst>
-          </p:cNvPr>
-          <p:cNvPicPr>
-            <a:picLocks noChangeAspect="1" noChangeArrowheads="1"/>
-          </p:cNvPicPr>
-          <p:nvPr/>
-        </p:nvPicPr>
-        <p:blipFill>
-          <a:blip r:embed="rId2">
-            <a:extLst>
-              <a:ext uri="{28A0092B-C50C-407E-A947-70E740481C1C}">
-                <a14:useLocalDpi xmlns:a14="http://schemas.microsoft.com/office/drawing/2010/main" val="0"/>
-              </a:ext>
-            </a:extLst>
-          </a:blip>
-          <a:srcRect/>
-          <a:stretch>
-            <a:fillRect/>
-          </a:stretch>
-        </p:blipFill>
-        <p:spPr bwMode="auto">
-          <a:xfrm>
-            <a:off x="1842407" y="1720268"/>
-            <a:ext cx="8507186" cy="1469927"/>
-          </a:xfrm>
-          <a:prstGeom prst="rect">
-            <a:avLst/>
-          </a:prstGeom>
-          <a:noFill/>
-          <a:extLst>
-            <a:ext uri="{909E8E84-426E-40DD-AFC4-6F175D3DCCD1}">
-              <a14:hiddenFill xmlns:a14="http://schemas.microsoft.com/office/drawing/2010/main">
-                <a:solidFill>
-                  <a:srgbClr val="FFFFFF"/>
-                </a:solidFill>
-              </a14:hiddenFill>
-            </a:ext>
-          </a:extLst>
-        </p:spPr>
-      </p:pic>
       <p:pic>
         <p:nvPicPr>
           <p:cNvPr id="2" name="Image 1">
             <a:extLst>
               <a:ext uri="{FF2B5EF4-FFF2-40B4-BE49-F238E27FC236}">
-                <a16:creationId xmlns:a16="http://schemas.microsoft.com/office/drawing/2014/main" id="{20C5E2DE-7230-4201-BB28-90CBA9E66491}"/>
+                <a16:creationId xmlns:a16="http://schemas.microsoft.com/office/drawing/2014/main" id="{6C783FA2-05C4-4F3D-A73A-94E519BA61FF}"/>
               </a:ext>
             </a:extLst>
           </p:cNvPr>
@@ -16305,15 +16457,15 @@
           <p:nvPr/>
         </p:nvPicPr>
         <p:blipFill>
-          <a:blip r:embed="rId3"/>
+          <a:blip r:embed="rId2"/>
           <a:stretch>
             <a:fillRect/>
           </a:stretch>
         </p:blipFill>
         <p:spPr>
           <a:xfrm>
-            <a:off x="2049914" y="3667806"/>
-            <a:ext cx="8092169" cy="2249475"/>
+            <a:off x="1632327" y="1951036"/>
+            <a:ext cx="8927343" cy="4267201"/>
           </a:xfrm>
           <a:prstGeom prst="rect">
             <a:avLst/>
@@ -16323,7 +16475,7 @@
     </p:spTree>
     <p:extLst>
       <p:ext uri="{BB962C8B-B14F-4D97-AF65-F5344CB8AC3E}">
-        <p14:creationId xmlns:p14="http://schemas.microsoft.com/office/powerpoint/2010/main" val="2477773357"/>
+        <p14:creationId xmlns:p14="http://schemas.microsoft.com/office/powerpoint/2010/main" val="746142546"/>
       </p:ext>
     </p:extLst>
   </p:cSld>

--- a/docs/Perceptive automotive v2.pptx
+++ b/docs/Perceptive automotive v2.pptx
@@ -5,30 +5,31 @@
     <p:sldMasterId id="2147483648" r:id="rId1"/>
   </p:sldMasterIdLst>
   <p:notesMasterIdLst>
-    <p:notesMasterId r:id="rId23"/>
+    <p:notesMasterId r:id="rId24"/>
   </p:notesMasterIdLst>
   <p:sldIdLst>
     <p:sldId id="256" r:id="rId2"/>
     <p:sldId id="257" r:id="rId3"/>
-    <p:sldId id="258" r:id="rId4"/>
-    <p:sldId id="259" r:id="rId5"/>
-    <p:sldId id="260" r:id="rId6"/>
-    <p:sldId id="261" r:id="rId7"/>
-    <p:sldId id="262" r:id="rId8"/>
-    <p:sldId id="276" r:id="rId9"/>
-    <p:sldId id="263" r:id="rId10"/>
-    <p:sldId id="264" r:id="rId11"/>
-    <p:sldId id="267" r:id="rId12"/>
-    <p:sldId id="266" r:id="rId13"/>
-    <p:sldId id="274" r:id="rId14"/>
-    <p:sldId id="265" r:id="rId15"/>
-    <p:sldId id="269" r:id="rId16"/>
-    <p:sldId id="270" r:id="rId17"/>
-    <p:sldId id="271" r:id="rId18"/>
-    <p:sldId id="272" r:id="rId19"/>
-    <p:sldId id="273" r:id="rId20"/>
-    <p:sldId id="275" r:id="rId21"/>
-    <p:sldId id="268" r:id="rId22"/>
+    <p:sldId id="278" r:id="rId4"/>
+    <p:sldId id="258" r:id="rId5"/>
+    <p:sldId id="259" r:id="rId6"/>
+    <p:sldId id="260" r:id="rId7"/>
+    <p:sldId id="261" r:id="rId8"/>
+    <p:sldId id="262" r:id="rId9"/>
+    <p:sldId id="276" r:id="rId10"/>
+    <p:sldId id="263" r:id="rId11"/>
+    <p:sldId id="264" r:id="rId12"/>
+    <p:sldId id="267" r:id="rId13"/>
+    <p:sldId id="266" r:id="rId14"/>
+    <p:sldId id="274" r:id="rId15"/>
+    <p:sldId id="265" r:id="rId16"/>
+    <p:sldId id="269" r:id="rId17"/>
+    <p:sldId id="270" r:id="rId18"/>
+    <p:sldId id="271" r:id="rId19"/>
+    <p:sldId id="272" r:id="rId20"/>
+    <p:sldId id="273" r:id="rId21"/>
+    <p:sldId id="275" r:id="rId22"/>
+    <p:sldId id="268" r:id="rId23"/>
   </p:sldIdLst>
   <p:sldSz cx="12192000" cy="6858000"/>
   <p:notesSz cx="6858000" cy="9144000"/>
@@ -217,7 +218,7 @@
           <a:p>
             <a:fld id="{5C3EC391-50FB-4417-B04E-0444718DDDB8}" type="datetimeFigureOut">
               <a:rPr lang="fr-FR" smtClean="0"/>
-              <a:t>15/07/2024</a:t>
+              <a:t>16/07/2024</a:t>
             </a:fld>
             <a:endParaRPr lang="fr-FR"/>
           </a:p>
@@ -541,7 +542,7 @@
           <a:noFill/>
           <a:extLst>
             <a:ext uri="{909E8E84-426E-40dd-AFC4-6F175D3DCCD1}">
-              <a14:hiddenFill xmlns="" xmlns:a14="http://schemas.microsoft.com/office/drawing/2010/main">
+              <a14:hiddenFill xmlns:a14="http://schemas.microsoft.com/office/drawing/2010/main" xmlns="">
                 <a:solidFill>
                   <a:srgbClr val="FFFFFF"/>
                 </a:solidFill>
@@ -600,7 +601,7 @@
             </a:ln>
             <a:extLst>
               <a:ext uri="{91240B29-F687-4f45-9708-019B960494DF}">
-                <a14:hiddenLine xmlns="" xmlns:a14="http://schemas.microsoft.com/office/drawing/2010/main" w="9525">
+                <a14:hiddenLine xmlns:a14="http://schemas.microsoft.com/office/drawing/2010/main" xmlns="" w="9525">
                   <a:solidFill>
                     <a:srgbClr val="000000"/>
                   </a:solidFill>
@@ -690,7 +691,7 @@
             </a:ln>
             <a:extLst>
               <a:ext uri="{91240B29-F687-4f45-9708-019B960494DF}">
-                <a14:hiddenLine xmlns="" xmlns:a14="http://schemas.microsoft.com/office/drawing/2010/main" w="9525">
+                <a14:hiddenLine xmlns:a14="http://schemas.microsoft.com/office/drawing/2010/main" xmlns="" w="9525">
                   <a:solidFill>
                     <a:srgbClr val="000000"/>
                   </a:solidFill>
@@ -780,7 +781,7 @@
             </a:ln>
             <a:extLst>
               <a:ext uri="{91240B29-F687-4f45-9708-019B960494DF}">
-                <a14:hiddenLine xmlns="" xmlns:a14="http://schemas.microsoft.com/office/drawing/2010/main" w="9525">
+                <a14:hiddenLine xmlns:a14="http://schemas.microsoft.com/office/drawing/2010/main" xmlns="" w="9525">
                   <a:solidFill>
                     <a:srgbClr val="000000"/>
                   </a:solidFill>
@@ -814,7 +815,7 @@
             </a:ln>
             <a:extLst>
               <a:ext uri="{91240B29-F687-4f45-9708-019B960494DF}">
-                <a14:hiddenLine xmlns="" xmlns:a14="http://schemas.microsoft.com/office/drawing/2010/main" w="9525">
+                <a14:hiddenLine xmlns:a14="http://schemas.microsoft.com/office/drawing/2010/main" xmlns="" w="9525">
                   <a:solidFill>
                     <a:srgbClr val="000000"/>
                   </a:solidFill>
@@ -904,7 +905,7 @@
             </a:ln>
             <a:extLst>
               <a:ext uri="{91240B29-F687-4f45-9708-019B960494DF}">
-                <a14:hiddenLine xmlns="" xmlns:a14="http://schemas.microsoft.com/office/drawing/2010/main" w="9525">
+                <a14:hiddenLine xmlns:a14="http://schemas.microsoft.com/office/drawing/2010/main" xmlns="" w="9525">
                   <a:solidFill>
                     <a:srgbClr val="000000"/>
                   </a:solidFill>
@@ -966,7 +967,7 @@
             </a:ln>
             <a:extLst>
               <a:ext uri="{91240B29-F687-4f45-9708-019B960494DF}">
-                <a14:hiddenLine xmlns="" xmlns:a14="http://schemas.microsoft.com/office/drawing/2010/main" w="9525">
+                <a14:hiddenLine xmlns:a14="http://schemas.microsoft.com/office/drawing/2010/main" xmlns="" w="9525">
                   <a:solidFill>
                     <a:srgbClr val="000000"/>
                   </a:solidFill>
@@ -1028,7 +1029,7 @@
             </a:ln>
             <a:extLst>
               <a:ext uri="{91240B29-F687-4f45-9708-019B960494DF}">
-                <a14:hiddenLine xmlns="" xmlns:a14="http://schemas.microsoft.com/office/drawing/2010/main" w="9525">
+                <a14:hiddenLine xmlns:a14="http://schemas.microsoft.com/office/drawing/2010/main" xmlns="" w="9525">
                   <a:solidFill>
                     <a:srgbClr val="000000"/>
                   </a:solidFill>
@@ -1118,7 +1119,7 @@
             </a:ln>
             <a:extLst>
               <a:ext uri="{91240B29-F687-4f45-9708-019B960494DF}">
-                <a14:hiddenLine xmlns="" xmlns:a14="http://schemas.microsoft.com/office/drawing/2010/main" w="9525">
+                <a14:hiddenLine xmlns:a14="http://schemas.microsoft.com/office/drawing/2010/main" xmlns="" w="9525">
                   <a:solidFill>
                     <a:srgbClr val="000000"/>
                   </a:solidFill>
@@ -1180,7 +1181,7 @@
             </a:ln>
             <a:extLst>
               <a:ext uri="{91240B29-F687-4f45-9708-019B960494DF}">
-                <a14:hiddenLine xmlns="" xmlns:a14="http://schemas.microsoft.com/office/drawing/2010/main" w="9525">
+                <a14:hiddenLine xmlns:a14="http://schemas.microsoft.com/office/drawing/2010/main" xmlns="" w="9525">
                   <a:solidFill>
                     <a:srgbClr val="000000"/>
                   </a:solidFill>
@@ -1242,7 +1243,7 @@
             </a:ln>
             <a:extLst>
               <a:ext uri="{91240B29-F687-4f45-9708-019B960494DF}">
-                <a14:hiddenLine xmlns="" xmlns:a14="http://schemas.microsoft.com/office/drawing/2010/main" w="9525">
+                <a14:hiddenLine xmlns:a14="http://schemas.microsoft.com/office/drawing/2010/main" xmlns="" w="9525">
                   <a:solidFill>
                     <a:srgbClr val="000000"/>
                   </a:solidFill>
@@ -1332,7 +1333,7 @@
             </a:ln>
             <a:extLst>
               <a:ext uri="{91240B29-F687-4f45-9708-019B960494DF}">
-                <a14:hiddenLine xmlns="" xmlns:a14="http://schemas.microsoft.com/office/drawing/2010/main" w="9525">
+                <a14:hiddenLine xmlns:a14="http://schemas.microsoft.com/office/drawing/2010/main" xmlns="" w="9525">
                   <a:solidFill>
                     <a:srgbClr val="000000"/>
                   </a:solidFill>
@@ -1422,7 +1423,7 @@
             </a:ln>
             <a:extLst>
               <a:ext uri="{91240B29-F687-4f45-9708-019B960494DF}">
-                <a14:hiddenLine xmlns="" xmlns:a14="http://schemas.microsoft.com/office/drawing/2010/main" w="9525">
+                <a14:hiddenLine xmlns:a14="http://schemas.microsoft.com/office/drawing/2010/main" xmlns="" w="9525">
                   <a:solidFill>
                     <a:srgbClr val="000000"/>
                   </a:solidFill>
@@ -1484,7 +1485,7 @@
             </a:ln>
             <a:extLst>
               <a:ext uri="{91240B29-F687-4f45-9708-019B960494DF}">
-                <a14:hiddenLine xmlns="" xmlns:a14="http://schemas.microsoft.com/office/drawing/2010/main" w="9525">
+                <a14:hiddenLine xmlns:a14="http://schemas.microsoft.com/office/drawing/2010/main" xmlns="" w="9525">
                   <a:solidFill>
                     <a:srgbClr val="000000"/>
                   </a:solidFill>
@@ -1594,7 +1595,7 @@
             </a:ln>
             <a:extLst>
               <a:ext uri="{91240B29-F687-4f45-9708-019B960494DF}">
-                <a14:hiddenLine xmlns="" xmlns:a14="http://schemas.microsoft.com/office/drawing/2010/main" w="9525">
+                <a14:hiddenLine xmlns:a14="http://schemas.microsoft.com/office/drawing/2010/main" xmlns="" w="9525">
                   <a:solidFill>
                     <a:srgbClr val="000000"/>
                   </a:solidFill>
@@ -1656,7 +1657,7 @@
             </a:ln>
             <a:extLst>
               <a:ext uri="{91240B29-F687-4f45-9708-019B960494DF}">
-                <a14:hiddenLine xmlns="" xmlns:a14="http://schemas.microsoft.com/office/drawing/2010/main" w="9525">
+                <a14:hiddenLine xmlns:a14="http://schemas.microsoft.com/office/drawing/2010/main" xmlns="" w="9525">
                   <a:solidFill>
                     <a:srgbClr val="000000"/>
                   </a:solidFill>
@@ -1746,7 +1747,7 @@
             </a:ln>
             <a:extLst>
               <a:ext uri="{91240B29-F687-4f45-9708-019B960494DF}">
-                <a14:hiddenLine xmlns="" xmlns:a14="http://schemas.microsoft.com/office/drawing/2010/main" w="9525">
+                <a14:hiddenLine xmlns:a14="http://schemas.microsoft.com/office/drawing/2010/main" xmlns="" w="9525">
                   <a:solidFill>
                     <a:srgbClr val="000000"/>
                   </a:solidFill>
@@ -1836,7 +1837,7 @@
             </a:ln>
             <a:extLst>
               <a:ext uri="{91240B29-F687-4f45-9708-019B960494DF}">
-                <a14:hiddenLine xmlns="" xmlns:a14="http://schemas.microsoft.com/office/drawing/2010/main" w="9525">
+                <a14:hiddenLine xmlns:a14="http://schemas.microsoft.com/office/drawing/2010/main" xmlns="" w="9525">
                   <a:solidFill>
                     <a:srgbClr val="000000"/>
                   </a:solidFill>
@@ -1898,7 +1899,7 @@
             </a:ln>
             <a:extLst>
               <a:ext uri="{91240B29-F687-4f45-9708-019B960494DF}">
-                <a14:hiddenLine xmlns="" xmlns:a14="http://schemas.microsoft.com/office/drawing/2010/main" w="9525">
+                <a14:hiddenLine xmlns:a14="http://schemas.microsoft.com/office/drawing/2010/main" xmlns="" w="9525">
                   <a:solidFill>
                     <a:srgbClr val="000000"/>
                   </a:solidFill>
@@ -1988,7 +1989,7 @@
             </a:ln>
             <a:extLst>
               <a:ext uri="{91240B29-F687-4f45-9708-019B960494DF}">
-                <a14:hiddenLine xmlns="" xmlns:a14="http://schemas.microsoft.com/office/drawing/2010/main" w="9525">
+                <a14:hiddenLine xmlns:a14="http://schemas.microsoft.com/office/drawing/2010/main" xmlns="" w="9525">
                   <a:solidFill>
                     <a:srgbClr val="000000"/>
                   </a:solidFill>
@@ -2078,7 +2079,7 @@
             </a:ln>
             <a:extLst>
               <a:ext uri="{91240B29-F687-4f45-9708-019B960494DF}">
-                <a14:hiddenLine xmlns="" xmlns:a14="http://schemas.microsoft.com/office/drawing/2010/main" w="9525">
+                <a14:hiddenLine xmlns:a14="http://schemas.microsoft.com/office/drawing/2010/main" xmlns="" w="9525">
                   <a:solidFill>
                     <a:srgbClr val="000000"/>
                   </a:solidFill>
@@ -2134,7 +2135,7 @@
             </a:ln>
             <a:extLst>
               <a:ext uri="{91240B29-F687-4f45-9708-019B960494DF}">
-                <a14:hiddenLine xmlns="" xmlns:a14="http://schemas.microsoft.com/office/drawing/2010/main" w="9525">
+                <a14:hiddenLine xmlns:a14="http://schemas.microsoft.com/office/drawing/2010/main" xmlns="" w="9525">
                   <a:solidFill>
                     <a:srgbClr val="000000"/>
                   </a:solidFill>
@@ -2224,7 +2225,7 @@
             </a:ln>
             <a:extLst>
               <a:ext uri="{91240B29-F687-4f45-9708-019B960494DF}">
-                <a14:hiddenLine xmlns="" xmlns:a14="http://schemas.microsoft.com/office/drawing/2010/main" w="9525">
+                <a14:hiddenLine xmlns:a14="http://schemas.microsoft.com/office/drawing/2010/main" xmlns="" w="9525">
                   <a:solidFill>
                     <a:srgbClr val="000000"/>
                   </a:solidFill>
@@ -2280,7 +2281,7 @@
             </a:ln>
             <a:extLst>
               <a:ext uri="{91240B29-F687-4f45-9708-019B960494DF}">
-                <a14:hiddenLine xmlns="" xmlns:a14="http://schemas.microsoft.com/office/drawing/2010/main" w="9525">
+                <a14:hiddenLine xmlns:a14="http://schemas.microsoft.com/office/drawing/2010/main" xmlns="" w="9525">
                   <a:solidFill>
                     <a:srgbClr val="000000"/>
                   </a:solidFill>
@@ -2370,7 +2371,7 @@
             </a:ln>
             <a:extLst>
               <a:ext uri="{91240B29-F687-4f45-9708-019B960494DF}">
-                <a14:hiddenLine xmlns="" xmlns:a14="http://schemas.microsoft.com/office/drawing/2010/main" w="9525">
+                <a14:hiddenLine xmlns:a14="http://schemas.microsoft.com/office/drawing/2010/main" xmlns="" w="9525">
                   <a:solidFill>
                     <a:srgbClr val="000000"/>
                   </a:solidFill>
@@ -2438,7 +2439,7 @@
             </a:ln>
             <a:extLst>
               <a:ext uri="{91240B29-F687-4f45-9708-019B960494DF}">
-                <a14:hiddenLine xmlns="" xmlns:a14="http://schemas.microsoft.com/office/drawing/2010/main" w="9525">
+                <a14:hiddenLine xmlns:a14="http://schemas.microsoft.com/office/drawing/2010/main" xmlns="" w="9525">
                   <a:solidFill>
                     <a:srgbClr val="000000"/>
                   </a:solidFill>
@@ -2528,7 +2529,7 @@
             </a:ln>
             <a:extLst>
               <a:ext uri="{91240B29-F687-4f45-9708-019B960494DF}">
-                <a14:hiddenLine xmlns="" xmlns:a14="http://schemas.microsoft.com/office/drawing/2010/main" w="9525">
+                <a14:hiddenLine xmlns:a14="http://schemas.microsoft.com/office/drawing/2010/main" xmlns="" w="9525">
                   <a:solidFill>
                     <a:srgbClr val="000000"/>
                   </a:solidFill>
@@ -2596,7 +2597,7 @@
             </a:ln>
             <a:extLst>
               <a:ext uri="{91240B29-F687-4f45-9708-019B960494DF}">
-                <a14:hiddenLine xmlns="" xmlns:a14="http://schemas.microsoft.com/office/drawing/2010/main" w="9525">
+                <a14:hiddenLine xmlns:a14="http://schemas.microsoft.com/office/drawing/2010/main" xmlns="" w="9525">
                   <a:solidFill>
                     <a:srgbClr val="000000"/>
                   </a:solidFill>
@@ -2686,7 +2687,7 @@
             </a:ln>
             <a:extLst>
               <a:ext uri="{91240B29-F687-4f45-9708-019B960494DF}">
-                <a14:hiddenLine xmlns="" xmlns:a14="http://schemas.microsoft.com/office/drawing/2010/main" w="9525">
+                <a14:hiddenLine xmlns:a14="http://schemas.microsoft.com/office/drawing/2010/main" xmlns="" w="9525">
                   <a:solidFill>
                     <a:srgbClr val="000000"/>
                   </a:solidFill>
@@ -2720,7 +2721,7 @@
             </a:ln>
             <a:extLst>
               <a:ext uri="{91240B29-F687-4f45-9708-019B960494DF}">
-                <a14:hiddenLine xmlns="" xmlns:a14="http://schemas.microsoft.com/office/drawing/2010/main" w="9525">
+                <a14:hiddenLine xmlns:a14="http://schemas.microsoft.com/office/drawing/2010/main" xmlns="" w="9525">
                   <a:solidFill>
                     <a:srgbClr val="000000"/>
                   </a:solidFill>
@@ -2810,7 +2811,7 @@
             </a:ln>
             <a:extLst>
               <a:ext uri="{91240B29-F687-4f45-9708-019B960494DF}">
-                <a14:hiddenLine xmlns="" xmlns:a14="http://schemas.microsoft.com/office/drawing/2010/main" w="9525">
+                <a14:hiddenLine xmlns:a14="http://schemas.microsoft.com/office/drawing/2010/main" xmlns="" w="9525">
                   <a:solidFill>
                     <a:srgbClr val="000000"/>
                   </a:solidFill>
@@ -2872,7 +2873,7 @@
             </a:ln>
             <a:extLst>
               <a:ext uri="{91240B29-F687-4f45-9708-019B960494DF}">
-                <a14:hiddenLine xmlns="" xmlns:a14="http://schemas.microsoft.com/office/drawing/2010/main" w="9525">
+                <a14:hiddenLine xmlns:a14="http://schemas.microsoft.com/office/drawing/2010/main" xmlns="" w="9525">
                   <a:solidFill>
                     <a:srgbClr val="000000"/>
                   </a:solidFill>
@@ -2934,7 +2935,7 @@
             </a:ln>
             <a:extLst>
               <a:ext uri="{91240B29-F687-4f45-9708-019B960494DF}">
-                <a14:hiddenLine xmlns="" xmlns:a14="http://schemas.microsoft.com/office/drawing/2010/main" w="9525">
+                <a14:hiddenLine xmlns:a14="http://schemas.microsoft.com/office/drawing/2010/main" xmlns="" w="9525">
                   <a:solidFill>
                     <a:srgbClr val="000000"/>
                   </a:solidFill>
@@ -3024,7 +3025,7 @@
             </a:ln>
             <a:extLst>
               <a:ext uri="{91240B29-F687-4f45-9708-019B960494DF}">
-                <a14:hiddenLine xmlns="" xmlns:a14="http://schemas.microsoft.com/office/drawing/2010/main" w="9525">
+                <a14:hiddenLine xmlns:a14="http://schemas.microsoft.com/office/drawing/2010/main" xmlns="" w="9525">
                   <a:solidFill>
                     <a:srgbClr val="000000"/>
                   </a:solidFill>
@@ -3092,7 +3093,7 @@
             </a:ln>
             <a:extLst>
               <a:ext uri="{91240B29-F687-4f45-9708-019B960494DF}">
-                <a14:hiddenLine xmlns="" xmlns:a14="http://schemas.microsoft.com/office/drawing/2010/main" w="9525">
+                <a14:hiddenLine xmlns:a14="http://schemas.microsoft.com/office/drawing/2010/main" xmlns="" w="9525">
                   <a:solidFill>
                     <a:srgbClr val="000000"/>
                   </a:solidFill>
@@ -3154,7 +3155,7 @@
             </a:ln>
             <a:extLst>
               <a:ext uri="{91240B29-F687-4f45-9708-019B960494DF}">
-                <a14:hiddenLine xmlns="" xmlns:a14="http://schemas.microsoft.com/office/drawing/2010/main" w="9525">
+                <a14:hiddenLine xmlns:a14="http://schemas.microsoft.com/office/drawing/2010/main" xmlns="" w="9525">
                   <a:solidFill>
                     <a:srgbClr val="000000"/>
                   </a:solidFill>
@@ -3244,7 +3245,7 @@
             </a:ln>
             <a:extLst>
               <a:ext uri="{91240B29-F687-4f45-9708-019B960494DF}">
-                <a14:hiddenLine xmlns="" xmlns:a14="http://schemas.microsoft.com/office/drawing/2010/main" w="9525">
+                <a14:hiddenLine xmlns:a14="http://schemas.microsoft.com/office/drawing/2010/main" xmlns="" w="9525">
                   <a:solidFill>
                     <a:srgbClr val="000000"/>
                   </a:solidFill>
@@ -3306,7 +3307,7 @@
             </a:ln>
             <a:extLst>
               <a:ext uri="{91240B29-F687-4f45-9708-019B960494DF}">
-                <a14:hiddenLine xmlns="" xmlns:a14="http://schemas.microsoft.com/office/drawing/2010/main" w="9525">
+                <a14:hiddenLine xmlns:a14="http://schemas.microsoft.com/office/drawing/2010/main" xmlns="" w="9525">
                   <a:solidFill>
                     <a:srgbClr val="000000"/>
                   </a:solidFill>
@@ -3396,7 +3397,7 @@
             </a:ln>
             <a:extLst>
               <a:ext uri="{91240B29-F687-4f45-9708-019B960494DF}">
-                <a14:hiddenLine xmlns="" xmlns:a14="http://schemas.microsoft.com/office/drawing/2010/main" w="9525">
+                <a14:hiddenLine xmlns:a14="http://schemas.microsoft.com/office/drawing/2010/main" xmlns="" w="9525">
                   <a:solidFill>
                     <a:srgbClr val="000000"/>
                   </a:solidFill>
@@ -3458,7 +3459,7 @@
             </a:ln>
             <a:extLst>
               <a:ext uri="{91240B29-F687-4f45-9708-019B960494DF}">
-                <a14:hiddenLine xmlns="" xmlns:a14="http://schemas.microsoft.com/office/drawing/2010/main" w="9525">
+                <a14:hiddenLine xmlns:a14="http://schemas.microsoft.com/office/drawing/2010/main" xmlns="" w="9525">
                   <a:solidFill>
                     <a:srgbClr val="000000"/>
                   </a:solidFill>
@@ -3548,7 +3549,7 @@
             </a:ln>
             <a:extLst>
               <a:ext uri="{91240B29-F687-4f45-9708-019B960494DF}">
-                <a14:hiddenLine xmlns="" xmlns:a14="http://schemas.microsoft.com/office/drawing/2010/main" w="9525">
+                <a14:hiddenLine xmlns:a14="http://schemas.microsoft.com/office/drawing/2010/main" xmlns="" w="9525">
                   <a:solidFill>
                     <a:srgbClr val="000000"/>
                   </a:solidFill>
@@ -3582,7 +3583,7 @@
             </a:ln>
             <a:extLst>
               <a:ext uri="{91240B29-F687-4f45-9708-019B960494DF}">
-                <a14:hiddenLine xmlns="" xmlns:a14="http://schemas.microsoft.com/office/drawing/2010/main" w="9525">
+                <a14:hiddenLine xmlns:a14="http://schemas.microsoft.com/office/drawing/2010/main" xmlns="" w="9525">
                   <a:solidFill>
                     <a:srgbClr val="000000"/>
                   </a:solidFill>
@@ -3647,7 +3648,7 @@
             </a:ln>
             <a:extLst>
               <a:ext uri="{91240B29-F687-4f45-9708-019B960494DF}">
-                <a14:hiddenLine xmlns="" xmlns:a14="http://schemas.microsoft.com/office/drawing/2010/main" w="9525">
+                <a14:hiddenLine xmlns:a14="http://schemas.microsoft.com/office/drawing/2010/main" xmlns="" w="9525">
                   <a:solidFill>
                     <a:srgbClr val="000000"/>
                   </a:solidFill>
@@ -3737,7 +3738,7 @@
             </a:ln>
             <a:extLst>
               <a:ext uri="{91240B29-F687-4f45-9708-019B960494DF}">
-                <a14:hiddenLine xmlns="" xmlns:a14="http://schemas.microsoft.com/office/drawing/2010/main" w="9525">
+                <a14:hiddenLine xmlns:a14="http://schemas.microsoft.com/office/drawing/2010/main" xmlns="" w="9525">
                   <a:solidFill>
                     <a:srgbClr val="000000"/>
                   </a:solidFill>
@@ -3799,7 +3800,7 @@
             </a:ln>
             <a:extLst>
               <a:ext uri="{91240B29-F687-4f45-9708-019B960494DF}">
-                <a14:hiddenLine xmlns="" xmlns:a14="http://schemas.microsoft.com/office/drawing/2010/main" w="9525">
+                <a14:hiddenLine xmlns:a14="http://schemas.microsoft.com/office/drawing/2010/main" xmlns="" w="9525">
                   <a:solidFill>
                     <a:srgbClr val="000000"/>
                   </a:solidFill>
@@ -3889,7 +3890,7 @@
             </a:ln>
             <a:extLst>
               <a:ext uri="{91240B29-F687-4f45-9708-019B960494DF}">
-                <a14:hiddenLine xmlns="" xmlns:a14="http://schemas.microsoft.com/office/drawing/2010/main" w="9525">
+                <a14:hiddenLine xmlns:a14="http://schemas.microsoft.com/office/drawing/2010/main" xmlns="" w="9525">
                   <a:solidFill>
                     <a:srgbClr val="000000"/>
                   </a:solidFill>
@@ -3979,7 +3980,7 @@
             </a:ln>
             <a:extLst>
               <a:ext uri="{91240B29-F687-4f45-9708-019B960494DF}">
-                <a14:hiddenLine xmlns="" xmlns:a14="http://schemas.microsoft.com/office/drawing/2010/main" w="9525">
+                <a14:hiddenLine xmlns:a14="http://schemas.microsoft.com/office/drawing/2010/main" xmlns="" w="9525">
                   <a:solidFill>
                     <a:srgbClr val="000000"/>
                   </a:solidFill>
@@ -4044,7 +4045,7 @@
             </a:ln>
             <a:extLst>
               <a:ext uri="{91240B29-F687-4f45-9708-019B960494DF}">
-                <a14:hiddenLine xmlns="" xmlns:a14="http://schemas.microsoft.com/office/drawing/2010/main" w="9525">
+                <a14:hiddenLine xmlns:a14="http://schemas.microsoft.com/office/drawing/2010/main" xmlns="" w="9525">
                   <a:solidFill>
                     <a:srgbClr val="000000"/>
                   </a:solidFill>
@@ -4106,7 +4107,7 @@
             </a:ln>
             <a:extLst>
               <a:ext uri="{91240B29-F687-4f45-9708-019B960494DF}">
-                <a14:hiddenLine xmlns="" xmlns:a14="http://schemas.microsoft.com/office/drawing/2010/main" w="9525">
+                <a14:hiddenLine xmlns:a14="http://schemas.microsoft.com/office/drawing/2010/main" xmlns="" w="9525">
                   <a:solidFill>
                     <a:srgbClr val="000000"/>
                   </a:solidFill>
@@ -4196,7 +4197,7 @@
             </a:ln>
             <a:extLst>
               <a:ext uri="{91240B29-F687-4f45-9708-019B960494DF}">
-                <a14:hiddenLine xmlns="" xmlns:a14="http://schemas.microsoft.com/office/drawing/2010/main" w="9525">
+                <a14:hiddenLine xmlns:a14="http://schemas.microsoft.com/office/drawing/2010/main" xmlns="" w="9525">
                   <a:solidFill>
                     <a:srgbClr val="000000"/>
                   </a:solidFill>
@@ -4286,7 +4287,7 @@
             </a:ln>
             <a:extLst>
               <a:ext uri="{91240B29-F687-4f45-9708-019B960494DF}">
-                <a14:hiddenLine xmlns="" xmlns:a14="http://schemas.microsoft.com/office/drawing/2010/main" w="9525">
+                <a14:hiddenLine xmlns:a14="http://schemas.microsoft.com/office/drawing/2010/main" xmlns="" w="9525">
                   <a:solidFill>
                     <a:srgbClr val="000000"/>
                   </a:solidFill>
@@ -4348,7 +4349,7 @@
             </a:ln>
             <a:extLst>
               <a:ext uri="{91240B29-F687-4f45-9708-019B960494DF}">
-                <a14:hiddenLine xmlns="" xmlns:a14="http://schemas.microsoft.com/office/drawing/2010/main" w="9525">
+                <a14:hiddenLine xmlns:a14="http://schemas.microsoft.com/office/drawing/2010/main" xmlns="" w="9525">
                   <a:solidFill>
                     <a:srgbClr val="000000"/>
                   </a:solidFill>
@@ -4468,7 +4469,7 @@
             </a:ln>
             <a:extLst>
               <a:ext uri="{91240B29-F687-4f45-9708-019B960494DF}">
-                <a14:hiddenLine xmlns="" xmlns:a14="http://schemas.microsoft.com/office/drawing/2010/main" w="9525">
+                <a14:hiddenLine xmlns:a14="http://schemas.microsoft.com/office/drawing/2010/main" xmlns="" w="9525">
                   <a:solidFill>
                     <a:srgbClr val="000000"/>
                   </a:solidFill>
@@ -4536,7 +4537,7 @@
             </a:ln>
             <a:extLst>
               <a:ext uri="{91240B29-F687-4f45-9708-019B960494DF}">
-                <a14:hiddenLine xmlns="" xmlns:a14="http://schemas.microsoft.com/office/drawing/2010/main" w="9525">
+                <a14:hiddenLine xmlns:a14="http://schemas.microsoft.com/office/drawing/2010/main" xmlns="" w="9525">
                   <a:solidFill>
                     <a:srgbClr val="000000"/>
                   </a:solidFill>
@@ -4626,7 +4627,7 @@
             </a:ln>
             <a:extLst>
               <a:ext uri="{91240B29-F687-4f45-9708-019B960494DF}">
-                <a14:hiddenLine xmlns="" xmlns:a14="http://schemas.microsoft.com/office/drawing/2010/main" w="9525">
+                <a14:hiddenLine xmlns:a14="http://schemas.microsoft.com/office/drawing/2010/main" xmlns="" w="9525">
                   <a:solidFill>
                     <a:srgbClr val="000000"/>
                   </a:solidFill>
@@ -4766,7 +4767,7 @@
           <a:p>
             <a:fld id="{7DE43FF9-C8CF-45D9-957C-DFE5893265ED}" type="datetime1">
               <a:rPr lang="en-US" smtClean="0"/>
-              <a:t>7/15/2024</a:t>
+              <a:t>7/16/2024</a:t>
             </a:fld>
             <a:endParaRPr lang="en-US" dirty="0"/>
           </a:p>
@@ -5028,7 +5029,7 @@
           <a:p>
             <a:fld id="{C57518F0-EDE0-4831-92DC-24E618EE6637}" type="datetime1">
               <a:rPr lang="en-US" smtClean="0"/>
-              <a:t>7/15/2024</a:t>
+              <a:t>7/16/2024</a:t>
             </a:fld>
             <a:endParaRPr lang="en-US" dirty="0"/>
           </a:p>
@@ -5219,7 +5220,7 @@
           <a:p>
             <a:fld id="{3CDAACBE-30D6-4568-9B11-8DCD916C3C4D}" type="datetime1">
               <a:rPr lang="en-US" smtClean="0"/>
-              <a:t>7/15/2024</a:t>
+              <a:t>7/16/2024</a:t>
             </a:fld>
             <a:endParaRPr lang="en-US" dirty="0"/>
           </a:p>
@@ -5477,7 +5478,7 @@
           <a:p>
             <a:fld id="{04959AFF-A2F8-47D8-A601-E298EE57E9C5}" type="datetime1">
               <a:rPr lang="en-US" smtClean="0"/>
-              <a:t>7/15/2024</a:t>
+              <a:t>7/16/2024</a:t>
             </a:fld>
             <a:endParaRPr lang="en-US" dirty="0"/>
           </a:p>
@@ -5906,7 +5907,7 @@
           <a:p>
             <a:fld id="{04470849-E5B7-41E3-8F5A-577DCDC1E3AC}" type="datetime1">
               <a:rPr lang="en-US" smtClean="0"/>
-              <a:t>7/15/2024</a:t>
+              <a:t>7/16/2024</a:t>
             </a:fld>
             <a:endParaRPr lang="en-US" dirty="0"/>
           </a:p>
@@ -6447,7 +6448,7 @@
           <a:p>
             <a:fld id="{051AA897-37DD-493E-BBF0-FDA5BEBD998C}" type="datetime1">
               <a:rPr lang="en-US" smtClean="0"/>
-              <a:t>7/15/2024</a:t>
+              <a:t>7/16/2024</a:t>
             </a:fld>
             <a:endParaRPr lang="en-US" dirty="0"/>
           </a:p>
@@ -7162,7 +7163,7 @@
           <a:p>
             <a:fld id="{78E2569A-C0D7-4EAD-A1EF-9EC40279ABF5}" type="datetime1">
               <a:rPr lang="en-US" smtClean="0"/>
-              <a:t>7/15/2024</a:t>
+              <a:t>7/16/2024</a:t>
             </a:fld>
             <a:endParaRPr lang="en-US" dirty="0"/>
           </a:p>
@@ -7327,7 +7328,7 @@
           <a:p>
             <a:fld id="{97A8188D-89F8-4FC9-93CC-8D04DEC44443}" type="datetime1">
               <a:rPr lang="en-US" smtClean="0"/>
-              <a:t>7/15/2024</a:t>
+              <a:t>7/16/2024</a:t>
             </a:fld>
             <a:endParaRPr lang="en-US" dirty="0"/>
           </a:p>
@@ -7502,7 +7503,7 @@
           <a:p>
             <a:fld id="{65C8AFF4-D331-4B2D-A56B-D72D0B0F295A}" type="datetime1">
               <a:rPr lang="en-US" smtClean="0"/>
-              <a:t>7/15/2024</a:t>
+              <a:t>7/16/2024</a:t>
             </a:fld>
             <a:endParaRPr lang="en-US" dirty="0"/>
           </a:p>
@@ -7667,7 +7668,7 @@
           <a:p>
             <a:fld id="{D5D59B74-9F17-4691-9887-73103569E3B7}" type="datetime1">
               <a:rPr lang="en-US" smtClean="0"/>
-              <a:t>7/15/2024</a:t>
+              <a:t>7/16/2024</a:t>
             </a:fld>
             <a:endParaRPr lang="en-US" dirty="0"/>
           </a:p>
@@ -7912,7 +7913,7 @@
           <a:p>
             <a:fld id="{4E77D2F9-8C6F-4E09-9899-1D15D576D801}" type="datetime1">
               <a:rPr lang="en-US" smtClean="0"/>
-              <a:t>7/15/2024</a:t>
+              <a:t>7/16/2024</a:t>
             </a:fld>
             <a:endParaRPr lang="en-US" dirty="0"/>
           </a:p>
@@ -8139,7 +8140,7 @@
           <a:p>
             <a:fld id="{872D1635-1945-4F22-9B5E-7674B8DCA5A4}" type="datetime1">
               <a:rPr lang="en-US" smtClean="0"/>
-              <a:t>7/15/2024</a:t>
+              <a:t>7/16/2024</a:t>
             </a:fld>
             <a:endParaRPr lang="en-US" dirty="0"/>
           </a:p>
@@ -8515,7 +8516,7 @@
           <a:p>
             <a:fld id="{78A2AA84-F7ED-47E9-A912-C51B0B7948DB}" type="datetime1">
               <a:rPr lang="en-US" smtClean="0"/>
-              <a:t>7/15/2024</a:t>
+              <a:t>7/16/2024</a:t>
             </a:fld>
             <a:endParaRPr lang="en-US" dirty="0"/>
           </a:p>
@@ -8628,7 +8629,7 @@
           <a:p>
             <a:fld id="{3C83406E-3C96-4ABB-9FE5-A2EBFCD61902}" type="datetime1">
               <a:rPr lang="en-US" smtClean="0"/>
-              <a:t>7/15/2024</a:t>
+              <a:t>7/16/2024</a:t>
             </a:fld>
             <a:endParaRPr lang="en-US" dirty="0"/>
           </a:p>
@@ -8718,7 +8719,7 @@
           <a:p>
             <a:fld id="{2EC2EB48-329D-4668-AA0B-6256199CB2DD}" type="datetime1">
               <a:rPr lang="en-US" smtClean="0"/>
-              <a:t>7/15/2024</a:t>
+              <a:t>7/16/2024</a:t>
             </a:fld>
             <a:endParaRPr lang="en-US" dirty="0"/>
           </a:p>
@@ -8962,7 +8963,7 @@
           <a:p>
             <a:fld id="{C00E0438-8EFC-4B21-B9BB-B00BFC92B32C}" type="datetime1">
               <a:rPr lang="en-US" smtClean="0"/>
-              <a:t>7/15/2024</a:t>
+              <a:t>7/16/2024</a:t>
             </a:fld>
             <a:endParaRPr lang="en-US" dirty="0"/>
           </a:p>
@@ -9237,7 +9238,7 @@
           <a:p>
             <a:fld id="{5B054583-F53D-453B-8565-08F6FD7BFFD5}" type="datetime1">
               <a:rPr lang="en-US" smtClean="0"/>
-              <a:t>7/15/2024</a:t>
+              <a:t>7/16/2024</a:t>
             </a:fld>
             <a:endParaRPr lang="en-US" dirty="0"/>
           </a:p>
@@ -9355,7 +9356,7 @@
           <a:noFill/>
           <a:extLst>
             <a:ext uri="{909E8E84-426E-40dd-AFC4-6F175D3DCCD1}">
-              <a14:hiddenFill xmlns="" xmlns:a14="http://schemas.microsoft.com/office/drawing/2010/main">
+              <a14:hiddenFill xmlns:a14="http://schemas.microsoft.com/office/drawing/2010/main" xmlns="">
                 <a:solidFill>
                   <a:srgbClr val="FFFFFF"/>
                 </a:solidFill>
@@ -9429,7 +9430,7 @@
               </a:ln>
               <a:extLst>
                 <a:ext uri="{91240B29-F687-4f45-9708-019B960494DF}">
-                  <a14:hiddenLine xmlns="" xmlns:a14="http://schemas.microsoft.com/office/drawing/2010/main" w="9525">
+                  <a14:hiddenLine xmlns:a14="http://schemas.microsoft.com/office/drawing/2010/main" xmlns="" w="9525">
                     <a:solidFill>
                       <a:srgbClr val="000000"/>
                     </a:solidFill>
@@ -9519,7 +9520,7 @@
               </a:ln>
               <a:extLst>
                 <a:ext uri="{91240B29-F687-4f45-9708-019B960494DF}">
-                  <a14:hiddenLine xmlns="" xmlns:a14="http://schemas.microsoft.com/office/drawing/2010/main" w="9525">
+                  <a14:hiddenLine xmlns:a14="http://schemas.microsoft.com/office/drawing/2010/main" xmlns="" w="9525">
                     <a:solidFill>
                       <a:srgbClr val="000000"/>
                     </a:solidFill>
@@ -9609,7 +9610,7 @@
               </a:ln>
               <a:extLst>
                 <a:ext uri="{91240B29-F687-4f45-9708-019B960494DF}">
-                  <a14:hiddenLine xmlns="" xmlns:a14="http://schemas.microsoft.com/office/drawing/2010/main" w="9525">
+                  <a14:hiddenLine xmlns:a14="http://schemas.microsoft.com/office/drawing/2010/main" xmlns="" w="9525">
                     <a:solidFill>
                       <a:srgbClr val="000000"/>
                     </a:solidFill>
@@ -9671,7 +9672,7 @@
               </a:ln>
               <a:extLst>
                 <a:ext uri="{91240B29-F687-4f45-9708-019B960494DF}">
-                  <a14:hiddenLine xmlns="" xmlns:a14="http://schemas.microsoft.com/office/drawing/2010/main" w="9525">
+                  <a14:hiddenLine xmlns:a14="http://schemas.microsoft.com/office/drawing/2010/main" xmlns="" w="9525">
                     <a:solidFill>
                       <a:srgbClr val="000000"/>
                     </a:solidFill>
@@ -9761,7 +9762,7 @@
               </a:ln>
               <a:extLst>
                 <a:ext uri="{91240B29-F687-4f45-9708-019B960494DF}">
-                  <a14:hiddenLine xmlns="" xmlns:a14="http://schemas.microsoft.com/office/drawing/2010/main" w="9525">
+                  <a14:hiddenLine xmlns:a14="http://schemas.microsoft.com/office/drawing/2010/main" xmlns="" w="9525">
                     <a:solidFill>
                       <a:srgbClr val="000000"/>
                     </a:solidFill>
@@ -9823,7 +9824,7 @@
               </a:ln>
               <a:extLst>
                 <a:ext uri="{91240B29-F687-4f45-9708-019B960494DF}">
-                  <a14:hiddenLine xmlns="" xmlns:a14="http://schemas.microsoft.com/office/drawing/2010/main" w="9525">
+                  <a14:hiddenLine xmlns:a14="http://schemas.microsoft.com/office/drawing/2010/main" xmlns="" w="9525">
                     <a:solidFill>
                       <a:srgbClr val="000000"/>
                     </a:solidFill>
@@ -9885,7 +9886,7 @@
               </a:ln>
               <a:extLst>
                 <a:ext uri="{91240B29-F687-4f45-9708-019B960494DF}">
-                  <a14:hiddenLine xmlns="" xmlns:a14="http://schemas.microsoft.com/office/drawing/2010/main" w="9525">
+                  <a14:hiddenLine xmlns:a14="http://schemas.microsoft.com/office/drawing/2010/main" xmlns="" w="9525">
                     <a:solidFill>
                       <a:srgbClr val="000000"/>
                     </a:solidFill>
@@ -9975,7 +9976,7 @@
               </a:ln>
               <a:extLst>
                 <a:ext uri="{91240B29-F687-4f45-9708-019B960494DF}">
-                  <a14:hiddenLine xmlns="" xmlns:a14="http://schemas.microsoft.com/office/drawing/2010/main" w="9525">
+                  <a14:hiddenLine xmlns:a14="http://schemas.microsoft.com/office/drawing/2010/main" xmlns="" w="9525">
                     <a:solidFill>
                       <a:srgbClr val="000000"/>
                     </a:solidFill>
@@ -10065,7 +10066,7 @@
               </a:ln>
               <a:extLst>
                 <a:ext uri="{91240B29-F687-4f45-9708-019B960494DF}">
-                  <a14:hiddenLine xmlns="" xmlns:a14="http://schemas.microsoft.com/office/drawing/2010/main" w="9525">
+                  <a14:hiddenLine xmlns:a14="http://schemas.microsoft.com/office/drawing/2010/main" xmlns="" w="9525">
                     <a:solidFill>
                       <a:srgbClr val="000000"/>
                     </a:solidFill>
@@ -10127,7 +10128,7 @@
               </a:ln>
               <a:extLst>
                 <a:ext uri="{91240B29-F687-4f45-9708-019B960494DF}">
-                  <a14:hiddenLine xmlns="" xmlns:a14="http://schemas.microsoft.com/office/drawing/2010/main" w="9525">
+                  <a14:hiddenLine xmlns:a14="http://schemas.microsoft.com/office/drawing/2010/main" xmlns="" w="9525">
                     <a:solidFill>
                       <a:srgbClr val="000000"/>
                     </a:solidFill>
@@ -10237,7 +10238,7 @@
               </a:ln>
               <a:extLst>
                 <a:ext uri="{91240B29-F687-4f45-9708-019B960494DF}">
-                  <a14:hiddenLine xmlns="" xmlns:a14="http://schemas.microsoft.com/office/drawing/2010/main" w="9525">
+                  <a14:hiddenLine xmlns:a14="http://schemas.microsoft.com/office/drawing/2010/main" xmlns="" w="9525">
                     <a:solidFill>
                       <a:srgbClr val="000000"/>
                     </a:solidFill>
@@ -10321,7 +10322,7 @@
               </a:ln>
               <a:extLst>
                 <a:ext uri="{91240B29-F687-4f45-9708-019B960494DF}">
-                  <a14:hiddenLine xmlns="" xmlns:a14="http://schemas.microsoft.com/office/drawing/2010/main" w="9525">
+                  <a14:hiddenLine xmlns:a14="http://schemas.microsoft.com/office/drawing/2010/main" xmlns="" w="9525">
                     <a:solidFill>
                       <a:srgbClr val="000000"/>
                     </a:solidFill>
@@ -10383,7 +10384,7 @@
               </a:ln>
               <a:extLst>
                 <a:ext uri="{91240B29-F687-4f45-9708-019B960494DF}">
-                  <a14:hiddenLine xmlns="" xmlns:a14="http://schemas.microsoft.com/office/drawing/2010/main" w="9525">
+                  <a14:hiddenLine xmlns:a14="http://schemas.microsoft.com/office/drawing/2010/main" xmlns="" w="9525">
                     <a:solidFill>
                       <a:srgbClr val="000000"/>
                     </a:solidFill>
@@ -10445,7 +10446,7 @@
               </a:ln>
               <a:extLst>
                 <a:ext uri="{91240B29-F687-4f45-9708-019B960494DF}">
-                  <a14:hiddenLine xmlns="" xmlns:a14="http://schemas.microsoft.com/office/drawing/2010/main" w="9525">
+                  <a14:hiddenLine xmlns:a14="http://schemas.microsoft.com/office/drawing/2010/main" xmlns="" w="9525">
                     <a:solidFill>
                       <a:srgbClr val="000000"/>
                     </a:solidFill>
@@ -10535,7 +10536,7 @@
               </a:ln>
               <a:extLst>
                 <a:ext uri="{91240B29-F687-4f45-9708-019B960494DF}">
-                  <a14:hiddenLine xmlns="" xmlns:a14="http://schemas.microsoft.com/office/drawing/2010/main" w="9525">
+                  <a14:hiddenLine xmlns:a14="http://schemas.microsoft.com/office/drawing/2010/main" xmlns="" w="9525">
                     <a:solidFill>
                       <a:srgbClr val="000000"/>
                     </a:solidFill>
@@ -10569,7 +10570,7 @@
               </a:ln>
               <a:extLst>
                 <a:ext uri="{91240B29-F687-4f45-9708-019B960494DF}">
-                  <a14:hiddenLine xmlns="" xmlns:a14="http://schemas.microsoft.com/office/drawing/2010/main" w="9525">
+                  <a14:hiddenLine xmlns:a14="http://schemas.microsoft.com/office/drawing/2010/main" xmlns="" w="9525">
                     <a:solidFill>
                       <a:srgbClr val="000000"/>
                     </a:solidFill>
@@ -10634,7 +10635,7 @@
               </a:ln>
               <a:extLst>
                 <a:ext uri="{91240B29-F687-4f45-9708-019B960494DF}">
-                  <a14:hiddenLine xmlns="" xmlns:a14="http://schemas.microsoft.com/office/drawing/2010/main" w="9525">
+                  <a14:hiddenLine xmlns:a14="http://schemas.microsoft.com/office/drawing/2010/main" xmlns="" w="9525">
                     <a:solidFill>
                       <a:srgbClr val="000000"/>
                     </a:solidFill>
@@ -10724,7 +10725,7 @@
               </a:ln>
               <a:extLst>
                 <a:ext uri="{91240B29-F687-4f45-9708-019B960494DF}">
-                  <a14:hiddenLine xmlns="" xmlns:a14="http://schemas.microsoft.com/office/drawing/2010/main" w="9525">
+                  <a14:hiddenLine xmlns:a14="http://schemas.microsoft.com/office/drawing/2010/main" xmlns="" w="9525">
                     <a:solidFill>
                       <a:srgbClr val="000000"/>
                     </a:solidFill>
@@ -10786,7 +10787,7 @@
               </a:ln>
               <a:extLst>
                 <a:ext uri="{91240B29-F687-4f45-9708-019B960494DF}">
-                  <a14:hiddenLine xmlns="" xmlns:a14="http://schemas.microsoft.com/office/drawing/2010/main" w="9525">
+                  <a14:hiddenLine xmlns:a14="http://schemas.microsoft.com/office/drawing/2010/main" xmlns="" w="9525">
                     <a:solidFill>
                       <a:srgbClr val="000000"/>
                     </a:solidFill>
@@ -10876,7 +10877,7 @@
               </a:ln>
               <a:extLst>
                 <a:ext uri="{91240B29-F687-4f45-9708-019B960494DF}">
-                  <a14:hiddenLine xmlns="" xmlns:a14="http://schemas.microsoft.com/office/drawing/2010/main" w="9525">
+                  <a14:hiddenLine xmlns:a14="http://schemas.microsoft.com/office/drawing/2010/main" xmlns="" w="9525">
                     <a:solidFill>
                       <a:srgbClr val="000000"/>
                     </a:solidFill>
@@ -10941,7 +10942,7 @@
               </a:ln>
               <a:extLst>
                 <a:ext uri="{91240B29-F687-4f45-9708-019B960494DF}">
-                  <a14:hiddenLine xmlns="" xmlns:a14="http://schemas.microsoft.com/office/drawing/2010/main" w="9525">
+                  <a14:hiddenLine xmlns:a14="http://schemas.microsoft.com/office/drawing/2010/main" xmlns="" w="9525">
                     <a:solidFill>
                       <a:srgbClr val="000000"/>
                     </a:solidFill>
@@ -11003,7 +11004,7 @@
               </a:ln>
               <a:extLst>
                 <a:ext uri="{91240B29-F687-4f45-9708-019B960494DF}">
-                  <a14:hiddenLine xmlns="" xmlns:a14="http://schemas.microsoft.com/office/drawing/2010/main" w="9525">
+                  <a14:hiddenLine xmlns:a14="http://schemas.microsoft.com/office/drawing/2010/main" xmlns="" w="9525">
                     <a:solidFill>
                       <a:srgbClr val="000000"/>
                     </a:solidFill>
@@ -11093,7 +11094,7 @@
               </a:ln>
               <a:extLst>
                 <a:ext uri="{91240B29-F687-4f45-9708-019B960494DF}">
-                  <a14:hiddenLine xmlns="" xmlns:a14="http://schemas.microsoft.com/office/drawing/2010/main" w="9525">
+                  <a14:hiddenLine xmlns:a14="http://schemas.microsoft.com/office/drawing/2010/main" xmlns="" w="9525">
                     <a:solidFill>
                       <a:srgbClr val="000000"/>
                     </a:solidFill>
@@ -11183,7 +11184,7 @@
               </a:ln>
               <a:extLst>
                 <a:ext uri="{91240B29-F687-4f45-9708-019B960494DF}">
-                  <a14:hiddenLine xmlns="" xmlns:a14="http://schemas.microsoft.com/office/drawing/2010/main" w="9525">
+                  <a14:hiddenLine xmlns:a14="http://schemas.microsoft.com/office/drawing/2010/main" xmlns="" w="9525">
                     <a:solidFill>
                       <a:srgbClr val="000000"/>
                     </a:solidFill>
@@ -11248,7 +11249,7 @@
               </a:ln>
               <a:extLst>
                 <a:ext uri="{91240B29-F687-4f45-9708-019B960494DF}">
-                  <a14:hiddenLine xmlns="" xmlns:a14="http://schemas.microsoft.com/office/drawing/2010/main" w="9525">
+                  <a14:hiddenLine xmlns:a14="http://schemas.microsoft.com/office/drawing/2010/main" xmlns="" w="9525">
                     <a:solidFill>
                       <a:srgbClr val="000000"/>
                     </a:solidFill>
@@ -11368,7 +11369,7 @@
               </a:ln>
               <a:extLst>
                 <a:ext uri="{91240B29-F687-4f45-9708-019B960494DF}">
-                  <a14:hiddenLine xmlns="" xmlns:a14="http://schemas.microsoft.com/office/drawing/2010/main" w="9525">
+                  <a14:hiddenLine xmlns:a14="http://schemas.microsoft.com/office/drawing/2010/main" xmlns="" w="9525">
                     <a:solidFill>
                       <a:srgbClr val="000000"/>
                     </a:solidFill>
@@ -11449,7 +11450,7 @@
               </a:ln>
               <a:extLst>
                 <a:ext uri="{91240B29-F687-4f45-9708-019B960494DF}">
-                  <a14:hiddenLine xmlns="" xmlns:a14="http://schemas.microsoft.com/office/drawing/2010/main" w="9525">
+                  <a14:hiddenLine xmlns:a14="http://schemas.microsoft.com/office/drawing/2010/main" xmlns="" w="9525">
                     <a:solidFill>
                       <a:srgbClr val="000000"/>
                     </a:solidFill>
@@ -11564,7 +11565,7 @@
               </a:ln>
               <a:extLst>
                 <a:ext uri="{91240B29-F687-4f45-9708-019B960494DF}">
-                  <a14:hiddenLine xmlns="" xmlns:a14="http://schemas.microsoft.com/office/drawing/2010/main" w="9525">
+                  <a14:hiddenLine xmlns:a14="http://schemas.microsoft.com/office/drawing/2010/main" xmlns="" w="9525">
                     <a:solidFill>
                       <a:srgbClr val="000000"/>
                     </a:solidFill>
@@ -11654,7 +11655,7 @@
               </a:ln>
               <a:extLst>
                 <a:ext uri="{91240B29-F687-4f45-9708-019B960494DF}">
-                  <a14:hiddenLine xmlns="" xmlns:a14="http://schemas.microsoft.com/office/drawing/2010/main" w="9525">
+                  <a14:hiddenLine xmlns:a14="http://schemas.microsoft.com/office/drawing/2010/main" xmlns="" w="9525">
                     <a:solidFill>
                       <a:srgbClr val="000000"/>
                     </a:solidFill>
@@ -11719,7 +11720,7 @@
               </a:ln>
               <a:extLst>
                 <a:ext uri="{91240B29-F687-4f45-9708-019B960494DF}">
-                  <a14:hiddenLine xmlns="" xmlns:a14="http://schemas.microsoft.com/office/drawing/2010/main" w="9525">
+                  <a14:hiddenLine xmlns:a14="http://schemas.microsoft.com/office/drawing/2010/main" xmlns="" w="9525">
                     <a:solidFill>
                       <a:srgbClr val="000000"/>
                     </a:solidFill>
@@ -11809,7 +11810,7 @@
               </a:ln>
               <a:extLst>
                 <a:ext uri="{91240B29-F687-4f45-9708-019B960494DF}">
-                  <a14:hiddenLine xmlns="" xmlns:a14="http://schemas.microsoft.com/office/drawing/2010/main" w="9525">
+                  <a14:hiddenLine xmlns:a14="http://schemas.microsoft.com/office/drawing/2010/main" xmlns="" w="9525">
                     <a:solidFill>
                       <a:srgbClr val="000000"/>
                     </a:solidFill>
@@ -11877,7 +11878,7 @@
               </a:ln>
               <a:extLst>
                 <a:ext uri="{91240B29-F687-4f45-9708-019B960494DF}">
-                  <a14:hiddenLine xmlns="" xmlns:a14="http://schemas.microsoft.com/office/drawing/2010/main" w="9525">
+                  <a14:hiddenLine xmlns:a14="http://schemas.microsoft.com/office/drawing/2010/main" xmlns="" w="9525">
                     <a:solidFill>
                       <a:srgbClr val="000000"/>
                     </a:solidFill>
@@ -11967,7 +11968,7 @@
               </a:ln>
               <a:extLst>
                 <a:ext uri="{91240B29-F687-4f45-9708-019B960494DF}">
-                  <a14:hiddenLine xmlns="" xmlns:a14="http://schemas.microsoft.com/office/drawing/2010/main" w="9525">
+                  <a14:hiddenLine xmlns:a14="http://schemas.microsoft.com/office/drawing/2010/main" xmlns="" w="9525">
                     <a:solidFill>
                       <a:srgbClr val="000000"/>
                     </a:solidFill>
@@ -12035,7 +12036,7 @@
               </a:ln>
               <a:extLst>
                 <a:ext uri="{91240B29-F687-4f45-9708-019B960494DF}">
-                  <a14:hiddenLine xmlns="" xmlns:a14="http://schemas.microsoft.com/office/drawing/2010/main" w="9525">
+                  <a14:hiddenLine xmlns:a14="http://schemas.microsoft.com/office/drawing/2010/main" xmlns="" w="9525">
                     <a:solidFill>
                       <a:srgbClr val="000000"/>
                     </a:solidFill>
@@ -12125,7 +12126,7 @@
               </a:ln>
               <a:extLst>
                 <a:ext uri="{91240B29-F687-4f45-9708-019B960494DF}">
-                  <a14:hiddenLine xmlns="" xmlns:a14="http://schemas.microsoft.com/office/drawing/2010/main" w="9525">
+                  <a14:hiddenLine xmlns:a14="http://schemas.microsoft.com/office/drawing/2010/main" xmlns="" w="9525">
                     <a:solidFill>
                       <a:srgbClr val="000000"/>
                     </a:solidFill>
@@ -12159,7 +12160,7 @@
               </a:ln>
               <a:extLst>
                 <a:ext uri="{91240B29-F687-4f45-9708-019B960494DF}">
-                  <a14:hiddenLine xmlns="" xmlns:a14="http://schemas.microsoft.com/office/drawing/2010/main" w="9525">
+                  <a14:hiddenLine xmlns:a14="http://schemas.microsoft.com/office/drawing/2010/main" xmlns="" w="9525">
                     <a:solidFill>
                       <a:srgbClr val="000000"/>
                     </a:solidFill>
@@ -12299,7 +12300,7 @@
           <a:p>
             <a:fld id="{A6773049-8762-40D6-AA37-AAE0811C9A25}" type="datetime1">
               <a:rPr lang="en-US" smtClean="0"/>
-              <a:t>7/15/2024</a:t>
+              <a:t>7/16/2024</a:t>
             </a:fld>
             <a:endParaRPr lang="en-US" dirty="0"/>
           </a:p>
@@ -12976,6 +12977,136 @@
         </p:spPr>
         <p:txBody>
           <a:bodyPr>
+            <a:normAutofit/>
+          </a:bodyPr>
+          <a:lstStyle/>
+          <a:p>
+            <a:pPr algn="ctr"/>
+            <a:r>
+              <a:rPr lang="fr-FR" dirty="0"/>
+              <a:t>EXECUTION – RESERVATION</a:t>
+            </a:r>
+          </a:p>
+        </p:txBody>
+      </p:sp>
+      <p:pic>
+        <p:nvPicPr>
+          <p:cNvPr id="2" name="Image 1">
+            <a:extLst>
+              <a:ext uri="{FF2B5EF4-FFF2-40B4-BE49-F238E27FC236}">
+                <a16:creationId xmlns:a16="http://schemas.microsoft.com/office/drawing/2014/main" id="{6C783FA2-05C4-4F3D-A73A-94E519BA61FF}"/>
+              </a:ext>
+            </a:extLst>
+          </p:cNvPr>
+          <p:cNvPicPr>
+            <a:picLocks noChangeAspect="1"/>
+          </p:cNvPicPr>
+          <p:nvPr/>
+        </p:nvPicPr>
+        <p:blipFill>
+          <a:blip r:embed="rId2"/>
+          <a:stretch>
+            <a:fillRect/>
+          </a:stretch>
+        </p:blipFill>
+        <p:spPr>
+          <a:xfrm>
+            <a:off x="1632327" y="1951036"/>
+            <a:ext cx="8927343" cy="4267201"/>
+          </a:xfrm>
+          <a:prstGeom prst="rect">
+            <a:avLst/>
+          </a:prstGeom>
+        </p:spPr>
+      </p:pic>
+    </p:spTree>
+    <p:extLst>
+      <p:ext uri="{BB962C8B-B14F-4D97-AF65-F5344CB8AC3E}">
+        <p14:creationId xmlns:p14="http://schemas.microsoft.com/office/powerpoint/2010/main" val="746142546"/>
+      </p:ext>
+    </p:extLst>
+  </p:cSld>
+  <p:clrMapOvr>
+    <a:masterClrMapping/>
+  </p:clrMapOvr>
+</p:sld>
+</file>
+
+<file path=ppt/slides/slide11.xml><?xml version="1.0" encoding="utf-8"?>
+<p:sld xmlns:a="http://schemas.openxmlformats.org/drawingml/2006/main" xmlns:r="http://schemas.openxmlformats.org/officeDocument/2006/relationships" xmlns:p="http://schemas.openxmlformats.org/presentationml/2006/main">
+  <p:cSld>
+    <p:spTree>
+      <p:nvGrpSpPr>
+        <p:cNvPr id="1" name=""/>
+        <p:cNvGrpSpPr/>
+        <p:nvPr/>
+      </p:nvGrpSpPr>
+      <p:grpSpPr>
+        <a:xfrm>
+          <a:off x="0" y="0"/>
+          <a:ext cx="0" cy="0"/>
+          <a:chOff x="0" y="0"/>
+          <a:chExt cx="0" cy="0"/>
+        </a:xfrm>
+      </p:grpSpPr>
+      <p:sp>
+        <p:nvSpPr>
+          <p:cNvPr id="6" name="Espace réservé du numéro de diapositive 5">
+            <a:extLst>
+              <a:ext uri="{FF2B5EF4-FFF2-40B4-BE49-F238E27FC236}">
+                <a16:creationId xmlns:a16="http://schemas.microsoft.com/office/drawing/2014/main" id="{C0E594C6-2451-4D72-B7BF-DF3C75B700A0}"/>
+              </a:ext>
+            </a:extLst>
+          </p:cNvPr>
+          <p:cNvSpPr>
+            <a:spLocks noGrp="1"/>
+          </p:cNvSpPr>
+          <p:nvPr>
+            <p:ph type="sldNum" sz="quarter" idx="12"/>
+          </p:nvPr>
+        </p:nvSpPr>
+        <p:spPr>
+          <a:xfrm>
+            <a:off x="10667999" y="6035675"/>
+            <a:ext cx="771089" cy="365125"/>
+          </a:xfrm>
+        </p:spPr>
+        <p:txBody>
+          <a:bodyPr/>
+          <a:lstStyle/>
+          <a:p>
+            <a:fld id="{6D22F896-40B5-4ADD-8801-0D06FADFA095}" type="slidenum">
+              <a:rPr lang="en-US" sz="1800" smtClean="0"/>
+              <a:t>11</a:t>
+            </a:fld>
+            <a:endParaRPr lang="en-US" dirty="0"/>
+          </a:p>
+        </p:txBody>
+      </p:sp>
+      <p:sp>
+        <p:nvSpPr>
+          <p:cNvPr id="4" name="Titre 3">
+            <a:extLst>
+              <a:ext uri="{FF2B5EF4-FFF2-40B4-BE49-F238E27FC236}">
+                <a16:creationId xmlns:a16="http://schemas.microsoft.com/office/drawing/2014/main" id="{0C62769B-11A1-46CF-990F-47C7DFD7A02C}"/>
+              </a:ext>
+            </a:extLst>
+          </p:cNvPr>
+          <p:cNvSpPr>
+            <a:spLocks noGrp="1"/>
+          </p:cNvSpPr>
+          <p:nvPr>
+            <p:ph type="ctrTitle"/>
+          </p:nvPr>
+        </p:nvSpPr>
+        <p:spPr>
+          <a:xfrm>
+            <a:off x="1700212" y="816428"/>
+            <a:ext cx="8791575" cy="832077"/>
+          </a:xfrm>
+        </p:spPr>
+        <p:txBody>
+          <a:bodyPr>
             <a:normAutofit fontScale="90000"/>
           </a:bodyPr>
           <a:lstStyle/>
@@ -13078,7 +13209,7 @@
 </p:sld>
 </file>
 
-<file path=ppt/slides/slide11.xml><?xml version="1.0" encoding="utf-8"?>
+<file path=ppt/slides/slide12.xml><?xml version="1.0" encoding="utf-8"?>
 <p:sld xmlns:a="http://schemas.openxmlformats.org/drawingml/2006/main" xmlns:r="http://schemas.openxmlformats.org/officeDocument/2006/relationships" xmlns:p="http://schemas.openxmlformats.org/presentationml/2006/main">
   <p:cSld>
     <p:spTree>
@@ -13123,7 +13254,7 @@
           <a:p>
             <a:fld id="{6D22F896-40B5-4ADD-8801-0D06FADFA095}" type="slidenum">
               <a:rPr lang="en-US" sz="1800" smtClean="0"/>
-              <a:t>11</a:t>
+              <a:t>12</a:t>
             </a:fld>
             <a:endParaRPr lang="en-US" dirty="0"/>
           </a:p>
@@ -13225,7 +13356,7 @@
 </p:sld>
 </file>
 
-<file path=ppt/slides/slide12.xml><?xml version="1.0" encoding="utf-8"?>
+<file path=ppt/slides/slide13.xml><?xml version="1.0" encoding="utf-8"?>
 <p:sld xmlns:a="http://schemas.openxmlformats.org/drawingml/2006/main" xmlns:r="http://schemas.openxmlformats.org/officeDocument/2006/relationships" xmlns:p="http://schemas.openxmlformats.org/presentationml/2006/main">
   <p:cSld>
     <p:spTree>
@@ -13270,7 +13401,7 @@
           <a:p>
             <a:fld id="{6D22F896-40B5-4ADD-8801-0D06FADFA095}" type="slidenum">
               <a:rPr lang="en-US" sz="1800" smtClean="0"/>
-              <a:t>12</a:t>
+              <a:t>13</a:t>
             </a:fld>
             <a:endParaRPr lang="en-US" dirty="0"/>
           </a:p>
@@ -13355,7 +13486,7 @@
 </p:sld>
 </file>
 
-<file path=ppt/slides/slide13.xml><?xml version="1.0" encoding="utf-8"?>
+<file path=ppt/slides/slide14.xml><?xml version="1.0" encoding="utf-8"?>
 <p:sld xmlns:a="http://schemas.openxmlformats.org/drawingml/2006/main" xmlns:r="http://schemas.openxmlformats.org/officeDocument/2006/relationships" xmlns:p="http://schemas.openxmlformats.org/presentationml/2006/main">
   <p:cSld>
     <p:spTree>
@@ -13400,7 +13531,7 @@
           <a:p>
             <a:fld id="{6D22F896-40B5-4ADD-8801-0D06FADFA095}" type="slidenum">
               <a:rPr lang="en-US" sz="1800" smtClean="0"/>
-              <a:t>13</a:t>
+              <a:t>14</a:t>
             </a:fld>
             <a:endParaRPr lang="en-US" dirty="0"/>
           </a:p>
@@ -13502,7 +13633,7 @@
 </p:sld>
 </file>
 
-<file path=ppt/slides/slide14.xml><?xml version="1.0" encoding="utf-8"?>
+<file path=ppt/slides/slide15.xml><?xml version="1.0" encoding="utf-8"?>
 <p:sld xmlns:a="http://schemas.openxmlformats.org/drawingml/2006/main" xmlns:r="http://schemas.openxmlformats.org/officeDocument/2006/relationships" xmlns:p="http://schemas.openxmlformats.org/presentationml/2006/main">
   <p:cSld>
     <p:spTree>
@@ -13547,7 +13678,7 @@
           <a:p>
             <a:fld id="{6D22F896-40B5-4ADD-8801-0D06FADFA095}" type="slidenum">
               <a:rPr lang="en-US" sz="1800" smtClean="0"/>
-              <a:t>14</a:t>
+              <a:t>15</a:t>
             </a:fld>
             <a:endParaRPr lang="en-US" dirty="0"/>
           </a:p>
@@ -13841,7 +13972,7 @@
 </p:sld>
 </file>
 
-<file path=ppt/slides/slide15.xml><?xml version="1.0" encoding="utf-8"?>
+<file path=ppt/slides/slide16.xml><?xml version="1.0" encoding="utf-8"?>
 <p:sld xmlns:a="http://schemas.openxmlformats.org/drawingml/2006/main" xmlns:r="http://schemas.openxmlformats.org/officeDocument/2006/relationships" xmlns:p="http://schemas.openxmlformats.org/presentationml/2006/main">
   <p:cSld>
     <p:spTree>
@@ -13886,7 +14017,7 @@
           <a:p>
             <a:fld id="{6D22F896-40B5-4ADD-8801-0D06FADFA095}" type="slidenum">
               <a:rPr lang="en-US" sz="1800" smtClean="0"/>
-              <a:t>15</a:t>
+              <a:t>16</a:t>
             </a:fld>
             <a:endParaRPr lang="en-US" dirty="0"/>
           </a:p>
@@ -14035,7 +14166,7 @@
 </p:sld>
 </file>
 
-<file path=ppt/slides/slide16.xml><?xml version="1.0" encoding="utf-8"?>
+<file path=ppt/slides/slide17.xml><?xml version="1.0" encoding="utf-8"?>
 <p:sld xmlns:a="http://schemas.openxmlformats.org/drawingml/2006/main" xmlns:r="http://schemas.openxmlformats.org/officeDocument/2006/relationships" xmlns:p="http://schemas.openxmlformats.org/presentationml/2006/main">
   <p:cSld>
     <p:spTree>
@@ -14080,7 +14211,7 @@
           <a:p>
             <a:fld id="{6D22F896-40B5-4ADD-8801-0D06FADFA095}" type="slidenum">
               <a:rPr lang="en-US" sz="1800" smtClean="0"/>
-              <a:t>16</a:t>
+              <a:t>17</a:t>
             </a:fld>
             <a:endParaRPr lang="en-US" dirty="0"/>
           </a:p>
@@ -14294,7 +14425,7 @@
 </p:sld>
 </file>
 
-<file path=ppt/slides/slide17.xml><?xml version="1.0" encoding="utf-8"?>
+<file path=ppt/slides/slide18.xml><?xml version="1.0" encoding="utf-8"?>
 <p:sld xmlns:a="http://schemas.openxmlformats.org/drawingml/2006/main" xmlns:r="http://schemas.openxmlformats.org/officeDocument/2006/relationships" xmlns:p="http://schemas.openxmlformats.org/presentationml/2006/main">
   <p:cSld>
     <p:spTree>
@@ -14339,7 +14470,7 @@
           <a:p>
             <a:fld id="{6D22F896-40B5-4ADD-8801-0D06FADFA095}" type="slidenum">
               <a:rPr lang="en-US" sz="1800" smtClean="0"/>
-              <a:t>17</a:t>
+              <a:t>18</a:t>
             </a:fld>
             <a:endParaRPr lang="en-US" dirty="0"/>
           </a:p>
@@ -14554,136 +14685,6 @@
 </p:sld>
 </file>
 
-<file path=ppt/slides/slide18.xml><?xml version="1.0" encoding="utf-8"?>
-<p:sld xmlns:a="http://schemas.openxmlformats.org/drawingml/2006/main" xmlns:r="http://schemas.openxmlformats.org/officeDocument/2006/relationships" xmlns:p="http://schemas.openxmlformats.org/presentationml/2006/main">
-  <p:cSld>
-    <p:spTree>
-      <p:nvGrpSpPr>
-        <p:cNvPr id="1" name=""/>
-        <p:cNvGrpSpPr/>
-        <p:nvPr/>
-      </p:nvGrpSpPr>
-      <p:grpSpPr>
-        <a:xfrm>
-          <a:off x="0" y="0"/>
-          <a:ext cx="0" cy="0"/>
-          <a:chOff x="0" y="0"/>
-          <a:chExt cx="0" cy="0"/>
-        </a:xfrm>
-      </p:grpSpPr>
-      <p:sp>
-        <p:nvSpPr>
-          <p:cNvPr id="6" name="Espace réservé du numéro de diapositive 5">
-            <a:extLst>
-              <a:ext uri="{FF2B5EF4-FFF2-40B4-BE49-F238E27FC236}">
-                <a16:creationId xmlns:a16="http://schemas.microsoft.com/office/drawing/2014/main" id="{C0E594C6-2451-4D72-B7BF-DF3C75B700A0}"/>
-              </a:ext>
-            </a:extLst>
-          </p:cNvPr>
-          <p:cNvSpPr>
-            <a:spLocks noGrp="1"/>
-          </p:cNvSpPr>
-          <p:nvPr>
-            <p:ph type="sldNum" sz="quarter" idx="12"/>
-          </p:nvPr>
-        </p:nvSpPr>
-        <p:spPr>
-          <a:xfrm>
-            <a:off x="10667999" y="6035675"/>
-            <a:ext cx="771089" cy="365125"/>
-          </a:xfrm>
-        </p:spPr>
-        <p:txBody>
-          <a:bodyPr/>
-          <a:lstStyle/>
-          <a:p>
-            <a:fld id="{6D22F896-40B5-4ADD-8801-0D06FADFA095}" type="slidenum">
-              <a:rPr lang="en-US" sz="1800" smtClean="0"/>
-              <a:t>18</a:t>
-            </a:fld>
-            <a:endParaRPr lang="en-US" dirty="0"/>
-          </a:p>
-        </p:txBody>
-      </p:sp>
-      <p:sp>
-        <p:nvSpPr>
-          <p:cNvPr id="4" name="Titre 3">
-            <a:extLst>
-              <a:ext uri="{FF2B5EF4-FFF2-40B4-BE49-F238E27FC236}">
-                <a16:creationId xmlns:a16="http://schemas.microsoft.com/office/drawing/2014/main" id="{0C62769B-11A1-46CF-990F-47C7DFD7A02C}"/>
-              </a:ext>
-            </a:extLst>
-          </p:cNvPr>
-          <p:cNvSpPr>
-            <a:spLocks noGrp="1"/>
-          </p:cNvSpPr>
-          <p:nvPr>
-            <p:ph type="ctrTitle"/>
-          </p:nvPr>
-        </p:nvSpPr>
-        <p:spPr>
-          <a:xfrm>
-            <a:off x="1700210" y="210652"/>
-            <a:ext cx="8791575" cy="832077"/>
-          </a:xfrm>
-        </p:spPr>
-        <p:txBody>
-          <a:bodyPr>
-            <a:normAutofit fontScale="90000"/>
-          </a:bodyPr>
-          <a:lstStyle/>
-          <a:p>
-            <a:pPr algn="ctr"/>
-            <a:r>
-              <a:rPr lang="fr-FR" dirty="0"/>
-              <a:t>EXECUTION – conduite autonome</a:t>
-            </a:r>
-          </a:p>
-        </p:txBody>
-      </p:sp>
-      <p:pic>
-        <p:nvPicPr>
-          <p:cNvPr id="3" name="Image 2">
-            <a:extLst>
-              <a:ext uri="{FF2B5EF4-FFF2-40B4-BE49-F238E27FC236}">
-                <a16:creationId xmlns:a16="http://schemas.microsoft.com/office/drawing/2014/main" id="{5F2618AA-EC59-49D4-9484-6087B22B91E5}"/>
-              </a:ext>
-            </a:extLst>
-          </p:cNvPr>
-          <p:cNvPicPr>
-            <a:picLocks noChangeAspect="1"/>
-          </p:cNvPicPr>
-          <p:nvPr/>
-        </p:nvPicPr>
-        <p:blipFill>
-          <a:blip r:embed="rId2"/>
-          <a:stretch>
-            <a:fillRect/>
-          </a:stretch>
-        </p:blipFill>
-        <p:spPr>
-          <a:xfrm>
-            <a:off x="752912" y="1042729"/>
-            <a:ext cx="10231278" cy="5420481"/>
-          </a:xfrm>
-          <a:prstGeom prst="rect">
-            <a:avLst/>
-          </a:prstGeom>
-        </p:spPr>
-      </p:pic>
-    </p:spTree>
-    <p:extLst>
-      <p:ext uri="{BB962C8B-B14F-4D97-AF65-F5344CB8AC3E}">
-        <p14:creationId xmlns:p14="http://schemas.microsoft.com/office/powerpoint/2010/main" val="2659535349"/>
-      </p:ext>
-    </p:extLst>
-  </p:cSld>
-  <p:clrMapOvr>
-    <a:masterClrMapping/>
-  </p:clrMapOvr>
-</p:sld>
-</file>
-
 <file path=ppt/slides/slide19.xml><?xml version="1.0" encoding="utf-8"?>
 <p:sld xmlns:a="http://schemas.openxmlformats.org/drawingml/2006/main" xmlns:r="http://schemas.openxmlformats.org/officeDocument/2006/relationships" xmlns:p="http://schemas.openxmlformats.org/presentationml/2006/main">
   <p:cSld>
@@ -14773,10 +14774,10 @@
       </p:sp>
       <p:pic>
         <p:nvPicPr>
-          <p:cNvPr id="2" name="Image 1">
+          <p:cNvPr id="3" name="Image 2">
             <a:extLst>
               <a:ext uri="{FF2B5EF4-FFF2-40B4-BE49-F238E27FC236}">
-                <a16:creationId xmlns:a16="http://schemas.microsoft.com/office/drawing/2014/main" id="{E999B56E-F94A-462C-82BB-011A6E526FA4}"/>
+                <a16:creationId xmlns:a16="http://schemas.microsoft.com/office/drawing/2014/main" id="{5F2618AA-EC59-49D4-9484-6087B22B91E5}"/>
               </a:ext>
             </a:extLst>
           </p:cNvPr>
@@ -14793,8 +14794,8 @@
         </p:blipFill>
         <p:spPr>
           <a:xfrm>
-            <a:off x="752912" y="1131629"/>
-            <a:ext cx="10185477" cy="5378532"/>
+            <a:off x="752912" y="1042729"/>
+            <a:ext cx="10231278" cy="5420481"/>
           </a:xfrm>
           <a:prstGeom prst="rect">
             <a:avLst/>
@@ -14804,7 +14805,7 @@
     </p:spTree>
     <p:extLst>
       <p:ext uri="{BB962C8B-B14F-4D97-AF65-F5344CB8AC3E}">
-        <p14:creationId xmlns:p14="http://schemas.microsoft.com/office/powerpoint/2010/main" val="291961509"/>
+        <p14:creationId xmlns:p14="http://schemas.microsoft.com/office/powerpoint/2010/main" val="2659535349"/>
       </p:ext>
     </p:extLst>
   </p:cSld>
@@ -14894,58 +14895,171 @@
             <a:pPr algn="ctr"/>
             <a:r>
               <a:rPr lang="fr-FR" dirty="0"/>
-              <a:t>Gestion de projet</a:t>
+              <a:t>Sommaire</a:t>
             </a:r>
           </a:p>
         </p:txBody>
       </p:sp>
-      <p:pic>
-        <p:nvPicPr>
-          <p:cNvPr id="2050" name="Picture 2" descr="Quelles sont les 5 étapes de la gestion de projet ?">
+      <p:sp>
+        <p:nvSpPr>
+          <p:cNvPr id="2" name="ZoneTexte 1">
             <a:extLst>
               <a:ext uri="{FF2B5EF4-FFF2-40B4-BE49-F238E27FC236}">
-                <a16:creationId xmlns:a16="http://schemas.microsoft.com/office/drawing/2014/main" id="{BDE4A86F-3846-4AFA-97A8-D8E066A31B68}"/>
+                <a16:creationId xmlns:a16="http://schemas.microsoft.com/office/drawing/2014/main" id="{1C051EFC-AF4E-4A58-9BAB-8C80B5AB0E46}"/>
               </a:ext>
             </a:extLst>
           </p:cNvPr>
-          <p:cNvPicPr>
-            <a:picLocks noChangeAspect="1" noChangeArrowheads="1"/>
-          </p:cNvPicPr>
+          <p:cNvSpPr txBox="1"/>
           <p:nvPr/>
-        </p:nvPicPr>
-        <p:blipFill>
-          <a:blip r:embed="rId2">
-            <a:extLst>
-              <a:ext uri="{28A0092B-C50C-407E-A947-70E740481C1C}">
-                <a14:useLocalDpi xmlns:a14="http://schemas.microsoft.com/office/drawing/2010/main" val="0"/>
-              </a:ext>
-            </a:extLst>
-          </a:blip>
-          <a:srcRect/>
-          <a:stretch>
-            <a:fillRect/>
-          </a:stretch>
-        </p:blipFill>
-        <p:spPr bwMode="auto">
+        </p:nvSpPr>
+        <p:spPr>
           <a:xfrm>
-            <a:off x="3156902" y="2013850"/>
-            <a:ext cx="5878194" cy="4021825"/>
+            <a:off x="2112886" y="2192784"/>
+            <a:ext cx="8229600" cy="4401205"/>
           </a:xfrm>
           <a:prstGeom prst="rect">
             <a:avLst/>
           </a:prstGeom>
           <a:noFill/>
-          <a:extLst>
-            <a:ext uri="{909E8E84-426E-40DD-AFC4-6F175D3DCCD1}">
-              <a14:hiddenFill xmlns:a14="http://schemas.microsoft.com/office/drawing/2010/main">
-                <a:solidFill>
-                  <a:srgbClr val="FFFFFF"/>
-                </a:solidFill>
-              </a14:hiddenFill>
-            </a:ext>
-          </a:extLst>
         </p:spPr>
-      </p:pic>
+        <p:txBody>
+          <a:bodyPr wrap="square" rtlCol="0">
+            <a:spAutoFit/>
+          </a:bodyPr>
+          <a:lstStyle/>
+          <a:p>
+            <a:pPr marL="285750" indent="-285750">
+              <a:buFont typeface="Arial" panose="020B0604020202020204" pitchFamily="34" charset="0"/>
+              <a:buChar char="•"/>
+            </a:pPr>
+            <a:r>
+              <a:rPr lang="fr-FR" sz="2000" dirty="0"/>
+              <a:t>Gestion de projet</a:t>
+            </a:r>
+          </a:p>
+          <a:p>
+            <a:pPr marL="285750" indent="-285750">
+              <a:buFont typeface="Arial" panose="020B0604020202020204" pitchFamily="34" charset="0"/>
+              <a:buChar char="•"/>
+            </a:pPr>
+            <a:r>
+              <a:rPr lang="fr-FR" sz="2000" dirty="0"/>
+              <a:t>Conception</a:t>
+            </a:r>
+          </a:p>
+          <a:p>
+            <a:pPr marL="742950" lvl="1" indent="-285750">
+              <a:buFont typeface="Arial" panose="020B0604020202020204" pitchFamily="34" charset="0"/>
+              <a:buChar char="•"/>
+            </a:pPr>
+            <a:r>
+              <a:rPr lang="fr-FR" sz="2000" dirty="0"/>
+              <a:t>Cas d’utilisations</a:t>
+            </a:r>
+          </a:p>
+          <a:p>
+            <a:pPr marL="742950" lvl="1" indent="-285750">
+              <a:buFont typeface="Arial" panose="020B0604020202020204" pitchFamily="34" charset="0"/>
+              <a:buChar char="•"/>
+            </a:pPr>
+            <a:r>
+              <a:rPr lang="fr-FR" sz="2000" dirty="0"/>
+              <a:t>Classes</a:t>
+            </a:r>
+          </a:p>
+          <a:p>
+            <a:pPr marL="742950" lvl="1" indent="-285750">
+              <a:buFont typeface="Arial" panose="020B0604020202020204" pitchFamily="34" charset="0"/>
+              <a:buChar char="•"/>
+            </a:pPr>
+            <a:r>
+              <a:rPr lang="fr-FR" sz="2000" dirty="0"/>
+              <a:t>Séquence</a:t>
+            </a:r>
+          </a:p>
+          <a:p>
+            <a:pPr marL="285750" indent="-285750">
+              <a:buFont typeface="Arial" panose="020B0604020202020204" pitchFamily="34" charset="0"/>
+              <a:buChar char="•"/>
+            </a:pPr>
+            <a:r>
+              <a:rPr lang="fr-FR" sz="2000" dirty="0"/>
+              <a:t>Planification</a:t>
+            </a:r>
+          </a:p>
+          <a:p>
+            <a:pPr marL="742950" lvl="1" indent="-285750">
+              <a:buFont typeface="Arial" panose="020B0604020202020204" pitchFamily="34" charset="0"/>
+              <a:buChar char="•"/>
+            </a:pPr>
+            <a:r>
+              <a:rPr lang="fr-FR" sz="2000" dirty="0"/>
+              <a:t>Gantt</a:t>
+            </a:r>
+          </a:p>
+          <a:p>
+            <a:pPr marL="742950" lvl="1" indent="-285750">
+              <a:buFont typeface="Arial" panose="020B0604020202020204" pitchFamily="34" charset="0"/>
+              <a:buChar char="•"/>
+            </a:pPr>
+            <a:r>
+              <a:rPr lang="fr-FR" sz="2000" dirty="0"/>
+              <a:t>Outils de collaboration</a:t>
+            </a:r>
+          </a:p>
+          <a:p>
+            <a:pPr marL="285750" indent="-285750">
+              <a:buFont typeface="Arial" panose="020B0604020202020204" pitchFamily="34" charset="0"/>
+              <a:buChar char="•"/>
+            </a:pPr>
+            <a:r>
+              <a:rPr lang="fr-FR" sz="2000" dirty="0"/>
+              <a:t>Exécution</a:t>
+            </a:r>
+          </a:p>
+          <a:p>
+            <a:pPr marL="742950" lvl="1" indent="-285750">
+              <a:buFont typeface="Arial" panose="020B0604020202020204" pitchFamily="34" charset="0"/>
+              <a:buChar char="•"/>
+            </a:pPr>
+            <a:r>
+              <a:rPr lang="fr-FR" sz="2000" dirty="0"/>
+              <a:t>Plateforme de réservation</a:t>
+            </a:r>
+          </a:p>
+          <a:p>
+            <a:pPr marL="742950" lvl="1" indent="-285750">
+              <a:buFont typeface="Arial" panose="020B0604020202020204" pitchFamily="34" charset="0"/>
+              <a:buChar char="•"/>
+            </a:pPr>
+            <a:r>
+              <a:rPr lang="fr-FR" sz="2000" dirty="0"/>
+              <a:t>Plateforme de conduite autonome</a:t>
+            </a:r>
+          </a:p>
+          <a:p>
+            <a:pPr marL="285750" indent="-285750">
+              <a:buFont typeface="Arial" panose="020B0604020202020204" pitchFamily="34" charset="0"/>
+              <a:buChar char="•"/>
+            </a:pPr>
+            <a:endParaRPr lang="fr-FR" sz="2000" dirty="0"/>
+          </a:p>
+          <a:p>
+            <a:pPr marL="285750" indent="-285750">
+              <a:buFont typeface="Arial" panose="020B0604020202020204" pitchFamily="34" charset="0"/>
+              <a:buChar char="•"/>
+            </a:pPr>
+            <a:endParaRPr lang="fr-FR" sz="2000" dirty="0"/>
+          </a:p>
+          <a:p>
+            <a:pPr marL="742950" lvl="1" indent="-285750">
+              <a:buFont typeface="Arial" panose="020B0604020202020204" pitchFamily="34" charset="0"/>
+              <a:buChar char="•"/>
+            </a:pPr>
+            <a:endParaRPr lang="fr-FR" sz="2000" dirty="0"/>
+          </a:p>
+        </p:txBody>
+      </p:sp>
     </p:spTree>
     <p:extLst>
       <p:ext uri="{BB962C8B-B14F-4D97-AF65-F5344CB8AC3E}">
@@ -15005,6 +15119,136 @@
             <a:fld id="{6D22F896-40B5-4ADD-8801-0D06FADFA095}" type="slidenum">
               <a:rPr lang="en-US" sz="1800" smtClean="0"/>
               <a:t>20</a:t>
+            </a:fld>
+            <a:endParaRPr lang="en-US" dirty="0"/>
+          </a:p>
+        </p:txBody>
+      </p:sp>
+      <p:sp>
+        <p:nvSpPr>
+          <p:cNvPr id="4" name="Titre 3">
+            <a:extLst>
+              <a:ext uri="{FF2B5EF4-FFF2-40B4-BE49-F238E27FC236}">
+                <a16:creationId xmlns:a16="http://schemas.microsoft.com/office/drawing/2014/main" id="{0C62769B-11A1-46CF-990F-47C7DFD7A02C}"/>
+              </a:ext>
+            </a:extLst>
+          </p:cNvPr>
+          <p:cNvSpPr>
+            <a:spLocks noGrp="1"/>
+          </p:cNvSpPr>
+          <p:nvPr>
+            <p:ph type="ctrTitle"/>
+          </p:nvPr>
+        </p:nvSpPr>
+        <p:spPr>
+          <a:xfrm>
+            <a:off x="1700210" y="210652"/>
+            <a:ext cx="8791575" cy="832077"/>
+          </a:xfrm>
+        </p:spPr>
+        <p:txBody>
+          <a:bodyPr>
+            <a:normAutofit fontScale="90000"/>
+          </a:bodyPr>
+          <a:lstStyle/>
+          <a:p>
+            <a:pPr algn="ctr"/>
+            <a:r>
+              <a:rPr lang="fr-FR" dirty="0"/>
+              <a:t>EXECUTION – conduite autonome</a:t>
+            </a:r>
+          </a:p>
+        </p:txBody>
+      </p:sp>
+      <p:pic>
+        <p:nvPicPr>
+          <p:cNvPr id="2" name="Image 1">
+            <a:extLst>
+              <a:ext uri="{FF2B5EF4-FFF2-40B4-BE49-F238E27FC236}">
+                <a16:creationId xmlns:a16="http://schemas.microsoft.com/office/drawing/2014/main" id="{E999B56E-F94A-462C-82BB-011A6E526FA4}"/>
+              </a:ext>
+            </a:extLst>
+          </p:cNvPr>
+          <p:cNvPicPr>
+            <a:picLocks noChangeAspect="1"/>
+          </p:cNvPicPr>
+          <p:nvPr/>
+        </p:nvPicPr>
+        <p:blipFill>
+          <a:blip r:embed="rId2"/>
+          <a:stretch>
+            <a:fillRect/>
+          </a:stretch>
+        </p:blipFill>
+        <p:spPr>
+          <a:xfrm>
+            <a:off x="752912" y="1131629"/>
+            <a:ext cx="10185477" cy="5378532"/>
+          </a:xfrm>
+          <a:prstGeom prst="rect">
+            <a:avLst/>
+          </a:prstGeom>
+        </p:spPr>
+      </p:pic>
+    </p:spTree>
+    <p:extLst>
+      <p:ext uri="{BB962C8B-B14F-4D97-AF65-F5344CB8AC3E}">
+        <p14:creationId xmlns:p14="http://schemas.microsoft.com/office/powerpoint/2010/main" val="291961509"/>
+      </p:ext>
+    </p:extLst>
+  </p:cSld>
+  <p:clrMapOvr>
+    <a:masterClrMapping/>
+  </p:clrMapOvr>
+</p:sld>
+</file>
+
+<file path=ppt/slides/slide21.xml><?xml version="1.0" encoding="utf-8"?>
+<p:sld xmlns:a="http://schemas.openxmlformats.org/drawingml/2006/main" xmlns:r="http://schemas.openxmlformats.org/officeDocument/2006/relationships" xmlns:p="http://schemas.openxmlformats.org/presentationml/2006/main">
+  <p:cSld>
+    <p:spTree>
+      <p:nvGrpSpPr>
+        <p:cNvPr id="1" name=""/>
+        <p:cNvGrpSpPr/>
+        <p:nvPr/>
+      </p:nvGrpSpPr>
+      <p:grpSpPr>
+        <a:xfrm>
+          <a:off x="0" y="0"/>
+          <a:ext cx="0" cy="0"/>
+          <a:chOff x="0" y="0"/>
+          <a:chExt cx="0" cy="0"/>
+        </a:xfrm>
+      </p:grpSpPr>
+      <p:sp>
+        <p:nvSpPr>
+          <p:cNvPr id="6" name="Espace réservé du numéro de diapositive 5">
+            <a:extLst>
+              <a:ext uri="{FF2B5EF4-FFF2-40B4-BE49-F238E27FC236}">
+                <a16:creationId xmlns:a16="http://schemas.microsoft.com/office/drawing/2014/main" id="{C0E594C6-2451-4D72-B7BF-DF3C75B700A0}"/>
+              </a:ext>
+            </a:extLst>
+          </p:cNvPr>
+          <p:cNvSpPr>
+            <a:spLocks noGrp="1"/>
+          </p:cNvSpPr>
+          <p:nvPr>
+            <p:ph type="sldNum" sz="quarter" idx="12"/>
+          </p:nvPr>
+        </p:nvSpPr>
+        <p:spPr>
+          <a:xfrm>
+            <a:off x="10667999" y="6035675"/>
+            <a:ext cx="771089" cy="365125"/>
+          </a:xfrm>
+        </p:spPr>
+        <p:txBody>
+          <a:bodyPr/>
+          <a:lstStyle/>
+          <a:p>
+            <a:fld id="{6D22F896-40B5-4ADD-8801-0D06FADFA095}" type="slidenum">
+              <a:rPr lang="en-US" sz="1800" smtClean="0"/>
+              <a:t>21</a:t>
             </a:fld>
             <a:endParaRPr lang="en-US" dirty="0"/>
           </a:p>
@@ -15119,7 +15363,7 @@
 </p:sld>
 </file>
 
-<file path=ppt/slides/slide21.xml><?xml version="1.0" encoding="utf-8"?>
+<file path=ppt/slides/slide22.xml><?xml version="1.0" encoding="utf-8"?>
 <p:sld xmlns:a="http://schemas.openxmlformats.org/drawingml/2006/main" xmlns:r="http://schemas.openxmlformats.org/officeDocument/2006/relationships" xmlns:p="http://schemas.openxmlformats.org/presentationml/2006/main">
   <p:cSld>
     <p:spTree>
@@ -15164,7 +15408,7 @@
           <a:p>
             <a:fld id="{6D22F896-40B5-4ADD-8801-0D06FADFA095}" type="slidenum">
               <a:rPr lang="en-US" sz="1800" smtClean="0"/>
-              <a:t>21</a:t>
+              <a:t>22</a:t>
             </a:fld>
             <a:endParaRPr lang="en-US" dirty="0"/>
           </a:p>
@@ -15346,6 +15590,151 @@
             <a:pPr algn="ctr"/>
             <a:r>
               <a:rPr lang="fr-FR" dirty="0"/>
+              <a:t>Gestion de projet</a:t>
+            </a:r>
+          </a:p>
+        </p:txBody>
+      </p:sp>
+      <p:pic>
+        <p:nvPicPr>
+          <p:cNvPr id="2050" name="Picture 2" descr="Quelles sont les 5 étapes de la gestion de projet ?">
+            <a:extLst>
+              <a:ext uri="{FF2B5EF4-FFF2-40B4-BE49-F238E27FC236}">
+                <a16:creationId xmlns:a16="http://schemas.microsoft.com/office/drawing/2014/main" id="{BDE4A86F-3846-4AFA-97A8-D8E066A31B68}"/>
+              </a:ext>
+            </a:extLst>
+          </p:cNvPr>
+          <p:cNvPicPr>
+            <a:picLocks noChangeAspect="1" noChangeArrowheads="1"/>
+          </p:cNvPicPr>
+          <p:nvPr/>
+        </p:nvPicPr>
+        <p:blipFill>
+          <a:blip r:embed="rId2">
+            <a:extLst>
+              <a:ext uri="{28A0092B-C50C-407E-A947-70E740481C1C}">
+                <a14:useLocalDpi xmlns:a14="http://schemas.microsoft.com/office/drawing/2010/main" val="0"/>
+              </a:ext>
+            </a:extLst>
+          </a:blip>
+          <a:srcRect/>
+          <a:stretch>
+            <a:fillRect/>
+          </a:stretch>
+        </p:blipFill>
+        <p:spPr bwMode="auto">
+          <a:xfrm>
+            <a:off x="3156902" y="2013850"/>
+            <a:ext cx="5878194" cy="4021825"/>
+          </a:xfrm>
+          <a:prstGeom prst="rect">
+            <a:avLst/>
+          </a:prstGeom>
+          <a:noFill/>
+          <a:extLst>
+            <a:ext uri="{909E8E84-426E-40DD-AFC4-6F175D3DCCD1}">
+              <a14:hiddenFill xmlns:a14="http://schemas.microsoft.com/office/drawing/2010/main">
+                <a:solidFill>
+                  <a:srgbClr val="FFFFFF"/>
+                </a:solidFill>
+              </a14:hiddenFill>
+            </a:ext>
+          </a:extLst>
+        </p:spPr>
+      </p:pic>
+    </p:spTree>
+    <p:extLst>
+      <p:ext uri="{BB962C8B-B14F-4D97-AF65-F5344CB8AC3E}">
+        <p14:creationId xmlns:p14="http://schemas.microsoft.com/office/powerpoint/2010/main" val="532715991"/>
+      </p:ext>
+    </p:extLst>
+  </p:cSld>
+  <p:clrMapOvr>
+    <a:masterClrMapping/>
+  </p:clrMapOvr>
+</p:sld>
+</file>
+
+<file path=ppt/slides/slide4.xml><?xml version="1.0" encoding="utf-8"?>
+<p:sld xmlns:a="http://schemas.openxmlformats.org/drawingml/2006/main" xmlns:r="http://schemas.openxmlformats.org/officeDocument/2006/relationships" xmlns:p="http://schemas.openxmlformats.org/presentationml/2006/main">
+  <p:cSld>
+    <p:spTree>
+      <p:nvGrpSpPr>
+        <p:cNvPr id="1" name=""/>
+        <p:cNvGrpSpPr/>
+        <p:nvPr/>
+      </p:nvGrpSpPr>
+      <p:grpSpPr>
+        <a:xfrm>
+          <a:off x="0" y="0"/>
+          <a:ext cx="0" cy="0"/>
+          <a:chOff x="0" y="0"/>
+          <a:chExt cx="0" cy="0"/>
+        </a:xfrm>
+      </p:grpSpPr>
+      <p:sp>
+        <p:nvSpPr>
+          <p:cNvPr id="6" name="Espace réservé du numéro de diapositive 5">
+            <a:extLst>
+              <a:ext uri="{FF2B5EF4-FFF2-40B4-BE49-F238E27FC236}">
+                <a16:creationId xmlns:a16="http://schemas.microsoft.com/office/drawing/2014/main" id="{C0E594C6-2451-4D72-B7BF-DF3C75B700A0}"/>
+              </a:ext>
+            </a:extLst>
+          </p:cNvPr>
+          <p:cNvSpPr>
+            <a:spLocks noGrp="1"/>
+          </p:cNvSpPr>
+          <p:nvPr>
+            <p:ph type="sldNum" sz="quarter" idx="12"/>
+          </p:nvPr>
+        </p:nvSpPr>
+        <p:spPr>
+          <a:xfrm>
+            <a:off x="10667999" y="6035675"/>
+            <a:ext cx="771089" cy="365125"/>
+          </a:xfrm>
+        </p:spPr>
+        <p:txBody>
+          <a:bodyPr/>
+          <a:lstStyle/>
+          <a:p>
+            <a:fld id="{6D22F896-40B5-4ADD-8801-0D06FADFA095}" type="slidenum">
+              <a:rPr lang="en-US" sz="1800" smtClean="0"/>
+              <a:t>4</a:t>
+            </a:fld>
+            <a:endParaRPr lang="en-US" dirty="0"/>
+          </a:p>
+        </p:txBody>
+      </p:sp>
+      <p:sp>
+        <p:nvSpPr>
+          <p:cNvPr id="4" name="Titre 3">
+            <a:extLst>
+              <a:ext uri="{FF2B5EF4-FFF2-40B4-BE49-F238E27FC236}">
+                <a16:creationId xmlns:a16="http://schemas.microsoft.com/office/drawing/2014/main" id="{0C62769B-11A1-46CF-990F-47C7DFD7A02C}"/>
+              </a:ext>
+            </a:extLst>
+          </p:cNvPr>
+          <p:cNvSpPr>
+            <a:spLocks noGrp="1"/>
+          </p:cNvSpPr>
+          <p:nvPr>
+            <p:ph type="ctrTitle"/>
+          </p:nvPr>
+        </p:nvSpPr>
+        <p:spPr>
+          <a:xfrm>
+            <a:off x="1700212" y="816428"/>
+            <a:ext cx="8791575" cy="832077"/>
+          </a:xfrm>
+        </p:spPr>
+        <p:txBody>
+          <a:bodyPr/>
+          <a:lstStyle/>
+          <a:p>
+            <a:pPr algn="ctr"/>
+            <a:r>
+              <a:rPr lang="fr-FR" dirty="0"/>
               <a:t>CONCEPTION – USE CASES</a:t>
             </a:r>
           </a:p>
@@ -15411,7 +15800,7 @@
 </p:sld>
 </file>
 
-<file path=ppt/slides/slide4.xml><?xml version="1.0" encoding="utf-8"?>
+<file path=ppt/slides/slide5.xml><?xml version="1.0" encoding="utf-8"?>
 <p:sld xmlns:a="http://schemas.openxmlformats.org/drawingml/2006/main" xmlns:r="http://schemas.openxmlformats.org/officeDocument/2006/relationships" xmlns:p="http://schemas.openxmlformats.org/presentationml/2006/main">
   <p:cSld>
     <p:spTree>
@@ -15456,7 +15845,7 @@
           <a:p>
             <a:fld id="{6D22F896-40B5-4ADD-8801-0D06FADFA095}" type="slidenum">
               <a:rPr lang="en-US" sz="1800" smtClean="0"/>
-              <a:t>4</a:t>
+              <a:t>5</a:t>
             </a:fld>
             <a:endParaRPr lang="en-US" dirty="0"/>
           </a:p>
@@ -15556,7 +15945,7 @@
 </p:sld>
 </file>
 
-<file path=ppt/slides/slide5.xml><?xml version="1.0" encoding="utf-8"?>
+<file path=ppt/slides/slide6.xml><?xml version="1.0" encoding="utf-8"?>
 <p:sld xmlns:a="http://schemas.openxmlformats.org/drawingml/2006/main" xmlns:r="http://schemas.openxmlformats.org/officeDocument/2006/relationships" xmlns:p="http://schemas.openxmlformats.org/presentationml/2006/main">
   <p:cSld>
     <p:spTree>
@@ -15601,7 +15990,7 @@
           <a:p>
             <a:fld id="{6D22F896-40B5-4ADD-8801-0D06FADFA095}" type="slidenum">
               <a:rPr lang="en-US" sz="1800" smtClean="0"/>
-              <a:t>5</a:t>
+              <a:t>6</a:t>
             </a:fld>
             <a:endParaRPr lang="en-US" dirty="0"/>
           </a:p>
@@ -15703,7 +16092,7 @@
 </p:sld>
 </file>
 
-<file path=ppt/slides/slide6.xml><?xml version="1.0" encoding="utf-8"?>
+<file path=ppt/slides/slide7.xml><?xml version="1.0" encoding="utf-8"?>
 <p:sld xmlns:a="http://schemas.openxmlformats.org/drawingml/2006/main" xmlns:r="http://schemas.openxmlformats.org/officeDocument/2006/relationships" xmlns:p="http://schemas.openxmlformats.org/presentationml/2006/main">
   <p:cSld>
     <p:spTree>
@@ -15748,7 +16137,7 @@
           <a:p>
             <a:fld id="{6D22F896-40B5-4ADD-8801-0D06FADFA095}" type="slidenum">
               <a:rPr lang="en-US" sz="1800" smtClean="0"/>
-              <a:t>6</a:t>
+              <a:t>7</a:t>
             </a:fld>
             <a:endParaRPr lang="en-US" dirty="0"/>
           </a:p>
@@ -15841,7 +16230,7 @@
 </p:sld>
 </file>
 
-<file path=ppt/slides/slide7.xml><?xml version="1.0" encoding="utf-8"?>
+<file path=ppt/slides/slide8.xml><?xml version="1.0" encoding="utf-8"?>
 <p:sld xmlns:a="http://schemas.openxmlformats.org/drawingml/2006/main" xmlns:r="http://schemas.openxmlformats.org/officeDocument/2006/relationships" xmlns:p="http://schemas.openxmlformats.org/presentationml/2006/main">
   <p:cSld>
     <p:spTree>
@@ -15886,7 +16275,7 @@
           <a:p>
             <a:fld id="{6D22F896-40B5-4ADD-8801-0D06FADFA095}" type="slidenum">
               <a:rPr lang="en-US" sz="1800" smtClean="0"/>
-              <a:t>7</a:t>
+              <a:t>8</a:t>
             </a:fld>
             <a:endParaRPr lang="en-US" dirty="0"/>
           </a:p>
@@ -15969,7 +16358,7 @@
 </p:sld>
 </file>
 
-<file path=ppt/slides/slide8.xml><?xml version="1.0" encoding="utf-8"?>
+<file path=ppt/slides/slide9.xml><?xml version="1.0" encoding="utf-8"?>
 <p:sld xmlns:a="http://schemas.openxmlformats.org/drawingml/2006/main" xmlns:r="http://schemas.openxmlformats.org/officeDocument/2006/relationships" xmlns:p="http://schemas.openxmlformats.org/presentationml/2006/main">
   <p:cSld>
     <p:spTree>
@@ -16014,7 +16403,7 @@
           <a:p>
             <a:fld id="{6D22F896-40B5-4ADD-8801-0D06FADFA095}" type="slidenum">
               <a:rPr lang="en-US" sz="1800" smtClean="0"/>
-              <a:t>8</a:t>
+              <a:t>9</a:t>
             </a:fld>
             <a:endParaRPr lang="en-US" dirty="0"/>
           </a:p>
@@ -16346,136 +16735,6 @@
     <p:extLst>
       <p:ext uri="{BB962C8B-B14F-4D97-AF65-F5344CB8AC3E}">
         <p14:creationId xmlns:p14="http://schemas.microsoft.com/office/powerpoint/2010/main" val="3439507602"/>
-      </p:ext>
-    </p:extLst>
-  </p:cSld>
-  <p:clrMapOvr>
-    <a:masterClrMapping/>
-  </p:clrMapOvr>
-</p:sld>
-</file>
-
-<file path=ppt/slides/slide9.xml><?xml version="1.0" encoding="utf-8"?>
-<p:sld xmlns:a="http://schemas.openxmlformats.org/drawingml/2006/main" xmlns:r="http://schemas.openxmlformats.org/officeDocument/2006/relationships" xmlns:p="http://schemas.openxmlformats.org/presentationml/2006/main">
-  <p:cSld>
-    <p:spTree>
-      <p:nvGrpSpPr>
-        <p:cNvPr id="1" name=""/>
-        <p:cNvGrpSpPr/>
-        <p:nvPr/>
-      </p:nvGrpSpPr>
-      <p:grpSpPr>
-        <a:xfrm>
-          <a:off x="0" y="0"/>
-          <a:ext cx="0" cy="0"/>
-          <a:chOff x="0" y="0"/>
-          <a:chExt cx="0" cy="0"/>
-        </a:xfrm>
-      </p:grpSpPr>
-      <p:sp>
-        <p:nvSpPr>
-          <p:cNvPr id="6" name="Espace réservé du numéro de diapositive 5">
-            <a:extLst>
-              <a:ext uri="{FF2B5EF4-FFF2-40B4-BE49-F238E27FC236}">
-                <a16:creationId xmlns:a16="http://schemas.microsoft.com/office/drawing/2014/main" id="{C0E594C6-2451-4D72-B7BF-DF3C75B700A0}"/>
-              </a:ext>
-            </a:extLst>
-          </p:cNvPr>
-          <p:cNvSpPr>
-            <a:spLocks noGrp="1"/>
-          </p:cNvSpPr>
-          <p:nvPr>
-            <p:ph type="sldNum" sz="quarter" idx="12"/>
-          </p:nvPr>
-        </p:nvSpPr>
-        <p:spPr>
-          <a:xfrm>
-            <a:off x="10667999" y="6035675"/>
-            <a:ext cx="771089" cy="365125"/>
-          </a:xfrm>
-        </p:spPr>
-        <p:txBody>
-          <a:bodyPr/>
-          <a:lstStyle/>
-          <a:p>
-            <a:fld id="{6D22F896-40B5-4ADD-8801-0D06FADFA095}" type="slidenum">
-              <a:rPr lang="en-US" sz="1800" smtClean="0"/>
-              <a:t>9</a:t>
-            </a:fld>
-            <a:endParaRPr lang="en-US" dirty="0"/>
-          </a:p>
-        </p:txBody>
-      </p:sp>
-      <p:sp>
-        <p:nvSpPr>
-          <p:cNvPr id="4" name="Titre 3">
-            <a:extLst>
-              <a:ext uri="{FF2B5EF4-FFF2-40B4-BE49-F238E27FC236}">
-                <a16:creationId xmlns:a16="http://schemas.microsoft.com/office/drawing/2014/main" id="{0C62769B-11A1-46CF-990F-47C7DFD7A02C}"/>
-              </a:ext>
-            </a:extLst>
-          </p:cNvPr>
-          <p:cNvSpPr>
-            <a:spLocks noGrp="1"/>
-          </p:cNvSpPr>
-          <p:nvPr>
-            <p:ph type="ctrTitle"/>
-          </p:nvPr>
-        </p:nvSpPr>
-        <p:spPr>
-          <a:xfrm>
-            <a:off x="1700212" y="816428"/>
-            <a:ext cx="8791575" cy="832077"/>
-          </a:xfrm>
-        </p:spPr>
-        <p:txBody>
-          <a:bodyPr>
-            <a:normAutofit/>
-          </a:bodyPr>
-          <a:lstStyle/>
-          <a:p>
-            <a:pPr algn="ctr"/>
-            <a:r>
-              <a:rPr lang="fr-FR" dirty="0"/>
-              <a:t>EXECUTION – RESERVATION</a:t>
-            </a:r>
-          </a:p>
-        </p:txBody>
-      </p:sp>
-      <p:pic>
-        <p:nvPicPr>
-          <p:cNvPr id="2" name="Image 1">
-            <a:extLst>
-              <a:ext uri="{FF2B5EF4-FFF2-40B4-BE49-F238E27FC236}">
-                <a16:creationId xmlns:a16="http://schemas.microsoft.com/office/drawing/2014/main" id="{6C783FA2-05C4-4F3D-A73A-94E519BA61FF}"/>
-              </a:ext>
-            </a:extLst>
-          </p:cNvPr>
-          <p:cNvPicPr>
-            <a:picLocks noChangeAspect="1"/>
-          </p:cNvPicPr>
-          <p:nvPr/>
-        </p:nvPicPr>
-        <p:blipFill>
-          <a:blip r:embed="rId2"/>
-          <a:stretch>
-            <a:fillRect/>
-          </a:stretch>
-        </p:blipFill>
-        <p:spPr>
-          <a:xfrm>
-            <a:off x="1632327" y="1951036"/>
-            <a:ext cx="8927343" cy="4267201"/>
-          </a:xfrm>
-          <a:prstGeom prst="rect">
-            <a:avLst/>
-          </a:prstGeom>
-        </p:spPr>
-      </p:pic>
-    </p:spTree>
-    <p:extLst>
-      <p:ext uri="{BB962C8B-B14F-4D97-AF65-F5344CB8AC3E}">
-        <p14:creationId xmlns:p14="http://schemas.microsoft.com/office/powerpoint/2010/main" val="746142546"/>
       </p:ext>
     </p:extLst>
   </p:cSld>

--- a/docs/Perceptive automotive v2.pptx
+++ b/docs/Perceptive automotive v2.pptx
@@ -218,7 +218,7 @@
           <a:p>
             <a:fld id="{5C3EC391-50FB-4417-B04E-0444718DDDB8}" type="datetimeFigureOut">
               <a:rPr lang="fr-FR" smtClean="0"/>
-              <a:t>16/07/2024</a:t>
+              <a:t>01/09/2024</a:t>
             </a:fld>
             <a:endParaRPr lang="fr-FR"/>
           </a:p>
@@ -542,7 +542,7 @@
           <a:noFill/>
           <a:extLst>
             <a:ext uri="{909E8E84-426E-40dd-AFC4-6F175D3DCCD1}">
-              <a14:hiddenFill xmlns:a14="http://schemas.microsoft.com/office/drawing/2010/main" xmlns="">
+              <a14:hiddenFill xmlns="" xmlns:a14="http://schemas.microsoft.com/office/drawing/2010/main">
                 <a:solidFill>
                   <a:srgbClr val="FFFFFF"/>
                 </a:solidFill>
@@ -601,7 +601,7 @@
             </a:ln>
             <a:extLst>
               <a:ext uri="{91240B29-F687-4f45-9708-019B960494DF}">
-                <a14:hiddenLine xmlns:a14="http://schemas.microsoft.com/office/drawing/2010/main" xmlns="" w="9525">
+                <a14:hiddenLine xmlns="" xmlns:a14="http://schemas.microsoft.com/office/drawing/2010/main" w="9525">
                   <a:solidFill>
                     <a:srgbClr val="000000"/>
                   </a:solidFill>
@@ -691,7 +691,7 @@
             </a:ln>
             <a:extLst>
               <a:ext uri="{91240B29-F687-4f45-9708-019B960494DF}">
-                <a14:hiddenLine xmlns:a14="http://schemas.microsoft.com/office/drawing/2010/main" xmlns="" w="9525">
+                <a14:hiddenLine xmlns="" xmlns:a14="http://schemas.microsoft.com/office/drawing/2010/main" w="9525">
                   <a:solidFill>
                     <a:srgbClr val="000000"/>
                   </a:solidFill>
@@ -781,7 +781,7 @@
             </a:ln>
             <a:extLst>
               <a:ext uri="{91240B29-F687-4f45-9708-019B960494DF}">
-                <a14:hiddenLine xmlns:a14="http://schemas.microsoft.com/office/drawing/2010/main" xmlns="" w="9525">
+                <a14:hiddenLine xmlns="" xmlns:a14="http://schemas.microsoft.com/office/drawing/2010/main" w="9525">
                   <a:solidFill>
                     <a:srgbClr val="000000"/>
                   </a:solidFill>
@@ -815,7 +815,7 @@
             </a:ln>
             <a:extLst>
               <a:ext uri="{91240B29-F687-4f45-9708-019B960494DF}">
-                <a14:hiddenLine xmlns:a14="http://schemas.microsoft.com/office/drawing/2010/main" xmlns="" w="9525">
+                <a14:hiddenLine xmlns="" xmlns:a14="http://schemas.microsoft.com/office/drawing/2010/main" w="9525">
                   <a:solidFill>
                     <a:srgbClr val="000000"/>
                   </a:solidFill>
@@ -905,7 +905,7 @@
             </a:ln>
             <a:extLst>
               <a:ext uri="{91240B29-F687-4f45-9708-019B960494DF}">
-                <a14:hiddenLine xmlns:a14="http://schemas.microsoft.com/office/drawing/2010/main" xmlns="" w="9525">
+                <a14:hiddenLine xmlns="" xmlns:a14="http://schemas.microsoft.com/office/drawing/2010/main" w="9525">
                   <a:solidFill>
                     <a:srgbClr val="000000"/>
                   </a:solidFill>
@@ -967,7 +967,7 @@
             </a:ln>
             <a:extLst>
               <a:ext uri="{91240B29-F687-4f45-9708-019B960494DF}">
-                <a14:hiddenLine xmlns:a14="http://schemas.microsoft.com/office/drawing/2010/main" xmlns="" w="9525">
+                <a14:hiddenLine xmlns="" xmlns:a14="http://schemas.microsoft.com/office/drawing/2010/main" w="9525">
                   <a:solidFill>
                     <a:srgbClr val="000000"/>
                   </a:solidFill>
@@ -1029,7 +1029,7 @@
             </a:ln>
             <a:extLst>
               <a:ext uri="{91240B29-F687-4f45-9708-019B960494DF}">
-                <a14:hiddenLine xmlns:a14="http://schemas.microsoft.com/office/drawing/2010/main" xmlns="" w="9525">
+                <a14:hiddenLine xmlns="" xmlns:a14="http://schemas.microsoft.com/office/drawing/2010/main" w="9525">
                   <a:solidFill>
                     <a:srgbClr val="000000"/>
                   </a:solidFill>
@@ -1119,7 +1119,7 @@
             </a:ln>
             <a:extLst>
               <a:ext uri="{91240B29-F687-4f45-9708-019B960494DF}">
-                <a14:hiddenLine xmlns:a14="http://schemas.microsoft.com/office/drawing/2010/main" xmlns="" w="9525">
+                <a14:hiddenLine xmlns="" xmlns:a14="http://schemas.microsoft.com/office/drawing/2010/main" w="9525">
                   <a:solidFill>
                     <a:srgbClr val="000000"/>
                   </a:solidFill>
@@ -1181,7 +1181,7 @@
             </a:ln>
             <a:extLst>
               <a:ext uri="{91240B29-F687-4f45-9708-019B960494DF}">
-                <a14:hiddenLine xmlns:a14="http://schemas.microsoft.com/office/drawing/2010/main" xmlns="" w="9525">
+                <a14:hiddenLine xmlns="" xmlns:a14="http://schemas.microsoft.com/office/drawing/2010/main" w="9525">
                   <a:solidFill>
                     <a:srgbClr val="000000"/>
                   </a:solidFill>
@@ -1243,7 +1243,7 @@
             </a:ln>
             <a:extLst>
               <a:ext uri="{91240B29-F687-4f45-9708-019B960494DF}">
-                <a14:hiddenLine xmlns:a14="http://schemas.microsoft.com/office/drawing/2010/main" xmlns="" w="9525">
+                <a14:hiddenLine xmlns="" xmlns:a14="http://schemas.microsoft.com/office/drawing/2010/main" w="9525">
                   <a:solidFill>
                     <a:srgbClr val="000000"/>
                   </a:solidFill>
@@ -1333,7 +1333,7 @@
             </a:ln>
             <a:extLst>
               <a:ext uri="{91240B29-F687-4f45-9708-019B960494DF}">
-                <a14:hiddenLine xmlns:a14="http://schemas.microsoft.com/office/drawing/2010/main" xmlns="" w="9525">
+                <a14:hiddenLine xmlns="" xmlns:a14="http://schemas.microsoft.com/office/drawing/2010/main" w="9525">
                   <a:solidFill>
                     <a:srgbClr val="000000"/>
                   </a:solidFill>
@@ -1423,7 +1423,7 @@
             </a:ln>
             <a:extLst>
               <a:ext uri="{91240B29-F687-4f45-9708-019B960494DF}">
-                <a14:hiddenLine xmlns:a14="http://schemas.microsoft.com/office/drawing/2010/main" xmlns="" w="9525">
+                <a14:hiddenLine xmlns="" xmlns:a14="http://schemas.microsoft.com/office/drawing/2010/main" w="9525">
                   <a:solidFill>
                     <a:srgbClr val="000000"/>
                   </a:solidFill>
@@ -1485,7 +1485,7 @@
             </a:ln>
             <a:extLst>
               <a:ext uri="{91240B29-F687-4f45-9708-019B960494DF}">
-                <a14:hiddenLine xmlns:a14="http://schemas.microsoft.com/office/drawing/2010/main" xmlns="" w="9525">
+                <a14:hiddenLine xmlns="" xmlns:a14="http://schemas.microsoft.com/office/drawing/2010/main" w="9525">
                   <a:solidFill>
                     <a:srgbClr val="000000"/>
                   </a:solidFill>
@@ -1595,7 +1595,7 @@
             </a:ln>
             <a:extLst>
               <a:ext uri="{91240B29-F687-4f45-9708-019B960494DF}">
-                <a14:hiddenLine xmlns:a14="http://schemas.microsoft.com/office/drawing/2010/main" xmlns="" w="9525">
+                <a14:hiddenLine xmlns="" xmlns:a14="http://schemas.microsoft.com/office/drawing/2010/main" w="9525">
                   <a:solidFill>
                     <a:srgbClr val="000000"/>
                   </a:solidFill>
@@ -1657,7 +1657,7 @@
             </a:ln>
             <a:extLst>
               <a:ext uri="{91240B29-F687-4f45-9708-019B960494DF}">
-                <a14:hiddenLine xmlns:a14="http://schemas.microsoft.com/office/drawing/2010/main" xmlns="" w="9525">
+                <a14:hiddenLine xmlns="" xmlns:a14="http://schemas.microsoft.com/office/drawing/2010/main" w="9525">
                   <a:solidFill>
                     <a:srgbClr val="000000"/>
                   </a:solidFill>
@@ -1747,7 +1747,7 @@
             </a:ln>
             <a:extLst>
               <a:ext uri="{91240B29-F687-4f45-9708-019B960494DF}">
-                <a14:hiddenLine xmlns:a14="http://schemas.microsoft.com/office/drawing/2010/main" xmlns="" w="9525">
+                <a14:hiddenLine xmlns="" xmlns:a14="http://schemas.microsoft.com/office/drawing/2010/main" w="9525">
                   <a:solidFill>
                     <a:srgbClr val="000000"/>
                   </a:solidFill>
@@ -1837,7 +1837,7 @@
             </a:ln>
             <a:extLst>
               <a:ext uri="{91240B29-F687-4f45-9708-019B960494DF}">
-                <a14:hiddenLine xmlns:a14="http://schemas.microsoft.com/office/drawing/2010/main" xmlns="" w="9525">
+                <a14:hiddenLine xmlns="" xmlns:a14="http://schemas.microsoft.com/office/drawing/2010/main" w="9525">
                   <a:solidFill>
                     <a:srgbClr val="000000"/>
                   </a:solidFill>
@@ -1899,7 +1899,7 @@
             </a:ln>
             <a:extLst>
               <a:ext uri="{91240B29-F687-4f45-9708-019B960494DF}">
-                <a14:hiddenLine xmlns:a14="http://schemas.microsoft.com/office/drawing/2010/main" xmlns="" w="9525">
+                <a14:hiddenLine xmlns="" xmlns:a14="http://schemas.microsoft.com/office/drawing/2010/main" w="9525">
                   <a:solidFill>
                     <a:srgbClr val="000000"/>
                   </a:solidFill>
@@ -1989,7 +1989,7 @@
             </a:ln>
             <a:extLst>
               <a:ext uri="{91240B29-F687-4f45-9708-019B960494DF}">
-                <a14:hiddenLine xmlns:a14="http://schemas.microsoft.com/office/drawing/2010/main" xmlns="" w="9525">
+                <a14:hiddenLine xmlns="" xmlns:a14="http://schemas.microsoft.com/office/drawing/2010/main" w="9525">
                   <a:solidFill>
                     <a:srgbClr val="000000"/>
                   </a:solidFill>
@@ -2079,7 +2079,7 @@
             </a:ln>
             <a:extLst>
               <a:ext uri="{91240B29-F687-4f45-9708-019B960494DF}">
-                <a14:hiddenLine xmlns:a14="http://schemas.microsoft.com/office/drawing/2010/main" xmlns="" w="9525">
+                <a14:hiddenLine xmlns="" xmlns:a14="http://schemas.microsoft.com/office/drawing/2010/main" w="9525">
                   <a:solidFill>
                     <a:srgbClr val="000000"/>
                   </a:solidFill>
@@ -2135,7 +2135,7 @@
             </a:ln>
             <a:extLst>
               <a:ext uri="{91240B29-F687-4f45-9708-019B960494DF}">
-                <a14:hiddenLine xmlns:a14="http://schemas.microsoft.com/office/drawing/2010/main" xmlns="" w="9525">
+                <a14:hiddenLine xmlns="" xmlns:a14="http://schemas.microsoft.com/office/drawing/2010/main" w="9525">
                   <a:solidFill>
                     <a:srgbClr val="000000"/>
                   </a:solidFill>
@@ -2225,7 +2225,7 @@
             </a:ln>
             <a:extLst>
               <a:ext uri="{91240B29-F687-4f45-9708-019B960494DF}">
-                <a14:hiddenLine xmlns:a14="http://schemas.microsoft.com/office/drawing/2010/main" xmlns="" w="9525">
+                <a14:hiddenLine xmlns="" xmlns:a14="http://schemas.microsoft.com/office/drawing/2010/main" w="9525">
                   <a:solidFill>
                     <a:srgbClr val="000000"/>
                   </a:solidFill>
@@ -2281,7 +2281,7 @@
             </a:ln>
             <a:extLst>
               <a:ext uri="{91240B29-F687-4f45-9708-019B960494DF}">
-                <a14:hiddenLine xmlns:a14="http://schemas.microsoft.com/office/drawing/2010/main" xmlns="" w="9525">
+                <a14:hiddenLine xmlns="" xmlns:a14="http://schemas.microsoft.com/office/drawing/2010/main" w="9525">
                   <a:solidFill>
                     <a:srgbClr val="000000"/>
                   </a:solidFill>
@@ -2371,7 +2371,7 @@
             </a:ln>
             <a:extLst>
               <a:ext uri="{91240B29-F687-4f45-9708-019B960494DF}">
-                <a14:hiddenLine xmlns:a14="http://schemas.microsoft.com/office/drawing/2010/main" xmlns="" w="9525">
+                <a14:hiddenLine xmlns="" xmlns:a14="http://schemas.microsoft.com/office/drawing/2010/main" w="9525">
                   <a:solidFill>
                     <a:srgbClr val="000000"/>
                   </a:solidFill>
@@ -2439,7 +2439,7 @@
             </a:ln>
             <a:extLst>
               <a:ext uri="{91240B29-F687-4f45-9708-019B960494DF}">
-                <a14:hiddenLine xmlns:a14="http://schemas.microsoft.com/office/drawing/2010/main" xmlns="" w="9525">
+                <a14:hiddenLine xmlns="" xmlns:a14="http://schemas.microsoft.com/office/drawing/2010/main" w="9525">
                   <a:solidFill>
                     <a:srgbClr val="000000"/>
                   </a:solidFill>
@@ -2529,7 +2529,7 @@
             </a:ln>
             <a:extLst>
               <a:ext uri="{91240B29-F687-4f45-9708-019B960494DF}">
-                <a14:hiddenLine xmlns:a14="http://schemas.microsoft.com/office/drawing/2010/main" xmlns="" w="9525">
+                <a14:hiddenLine xmlns="" xmlns:a14="http://schemas.microsoft.com/office/drawing/2010/main" w="9525">
                   <a:solidFill>
                     <a:srgbClr val="000000"/>
                   </a:solidFill>
@@ -2597,7 +2597,7 @@
             </a:ln>
             <a:extLst>
               <a:ext uri="{91240B29-F687-4f45-9708-019B960494DF}">
-                <a14:hiddenLine xmlns:a14="http://schemas.microsoft.com/office/drawing/2010/main" xmlns="" w="9525">
+                <a14:hiddenLine xmlns="" xmlns:a14="http://schemas.microsoft.com/office/drawing/2010/main" w="9525">
                   <a:solidFill>
                     <a:srgbClr val="000000"/>
                   </a:solidFill>
@@ -2687,7 +2687,7 @@
             </a:ln>
             <a:extLst>
               <a:ext uri="{91240B29-F687-4f45-9708-019B960494DF}">
-                <a14:hiddenLine xmlns:a14="http://schemas.microsoft.com/office/drawing/2010/main" xmlns="" w="9525">
+                <a14:hiddenLine xmlns="" xmlns:a14="http://schemas.microsoft.com/office/drawing/2010/main" w="9525">
                   <a:solidFill>
                     <a:srgbClr val="000000"/>
                   </a:solidFill>
@@ -2721,7 +2721,7 @@
             </a:ln>
             <a:extLst>
               <a:ext uri="{91240B29-F687-4f45-9708-019B960494DF}">
-                <a14:hiddenLine xmlns:a14="http://schemas.microsoft.com/office/drawing/2010/main" xmlns="" w="9525">
+                <a14:hiddenLine xmlns="" xmlns:a14="http://schemas.microsoft.com/office/drawing/2010/main" w="9525">
                   <a:solidFill>
                     <a:srgbClr val="000000"/>
                   </a:solidFill>
@@ -2811,7 +2811,7 @@
             </a:ln>
             <a:extLst>
               <a:ext uri="{91240B29-F687-4f45-9708-019B960494DF}">
-                <a14:hiddenLine xmlns:a14="http://schemas.microsoft.com/office/drawing/2010/main" xmlns="" w="9525">
+                <a14:hiddenLine xmlns="" xmlns:a14="http://schemas.microsoft.com/office/drawing/2010/main" w="9525">
                   <a:solidFill>
                     <a:srgbClr val="000000"/>
                   </a:solidFill>
@@ -2873,7 +2873,7 @@
             </a:ln>
             <a:extLst>
               <a:ext uri="{91240B29-F687-4f45-9708-019B960494DF}">
-                <a14:hiddenLine xmlns:a14="http://schemas.microsoft.com/office/drawing/2010/main" xmlns="" w="9525">
+                <a14:hiddenLine xmlns="" xmlns:a14="http://schemas.microsoft.com/office/drawing/2010/main" w="9525">
                   <a:solidFill>
                     <a:srgbClr val="000000"/>
                   </a:solidFill>
@@ -2935,7 +2935,7 @@
             </a:ln>
             <a:extLst>
               <a:ext uri="{91240B29-F687-4f45-9708-019B960494DF}">
-                <a14:hiddenLine xmlns:a14="http://schemas.microsoft.com/office/drawing/2010/main" xmlns="" w="9525">
+                <a14:hiddenLine xmlns="" xmlns:a14="http://schemas.microsoft.com/office/drawing/2010/main" w="9525">
                   <a:solidFill>
                     <a:srgbClr val="000000"/>
                   </a:solidFill>
@@ -3025,7 +3025,7 @@
             </a:ln>
             <a:extLst>
               <a:ext uri="{91240B29-F687-4f45-9708-019B960494DF}">
-                <a14:hiddenLine xmlns:a14="http://schemas.microsoft.com/office/drawing/2010/main" xmlns="" w="9525">
+                <a14:hiddenLine xmlns="" xmlns:a14="http://schemas.microsoft.com/office/drawing/2010/main" w="9525">
                   <a:solidFill>
                     <a:srgbClr val="000000"/>
                   </a:solidFill>
@@ -3093,7 +3093,7 @@
             </a:ln>
             <a:extLst>
               <a:ext uri="{91240B29-F687-4f45-9708-019B960494DF}">
-                <a14:hiddenLine xmlns:a14="http://schemas.microsoft.com/office/drawing/2010/main" xmlns="" w="9525">
+                <a14:hiddenLine xmlns="" xmlns:a14="http://schemas.microsoft.com/office/drawing/2010/main" w="9525">
                   <a:solidFill>
                     <a:srgbClr val="000000"/>
                   </a:solidFill>
@@ -3155,7 +3155,7 @@
             </a:ln>
             <a:extLst>
               <a:ext uri="{91240B29-F687-4f45-9708-019B960494DF}">
-                <a14:hiddenLine xmlns:a14="http://schemas.microsoft.com/office/drawing/2010/main" xmlns="" w="9525">
+                <a14:hiddenLine xmlns="" xmlns:a14="http://schemas.microsoft.com/office/drawing/2010/main" w="9525">
                   <a:solidFill>
                     <a:srgbClr val="000000"/>
                   </a:solidFill>
@@ -3245,7 +3245,7 @@
             </a:ln>
             <a:extLst>
               <a:ext uri="{91240B29-F687-4f45-9708-019B960494DF}">
-                <a14:hiddenLine xmlns:a14="http://schemas.microsoft.com/office/drawing/2010/main" xmlns="" w="9525">
+                <a14:hiddenLine xmlns="" xmlns:a14="http://schemas.microsoft.com/office/drawing/2010/main" w="9525">
                   <a:solidFill>
                     <a:srgbClr val="000000"/>
                   </a:solidFill>
@@ -3307,7 +3307,7 @@
             </a:ln>
             <a:extLst>
               <a:ext uri="{91240B29-F687-4f45-9708-019B960494DF}">
-                <a14:hiddenLine xmlns:a14="http://schemas.microsoft.com/office/drawing/2010/main" xmlns="" w="9525">
+                <a14:hiddenLine xmlns="" xmlns:a14="http://schemas.microsoft.com/office/drawing/2010/main" w="9525">
                   <a:solidFill>
                     <a:srgbClr val="000000"/>
                   </a:solidFill>
@@ -3397,7 +3397,7 @@
             </a:ln>
             <a:extLst>
               <a:ext uri="{91240B29-F687-4f45-9708-019B960494DF}">
-                <a14:hiddenLine xmlns:a14="http://schemas.microsoft.com/office/drawing/2010/main" xmlns="" w="9525">
+                <a14:hiddenLine xmlns="" xmlns:a14="http://schemas.microsoft.com/office/drawing/2010/main" w="9525">
                   <a:solidFill>
                     <a:srgbClr val="000000"/>
                   </a:solidFill>
@@ -3459,7 +3459,7 @@
             </a:ln>
             <a:extLst>
               <a:ext uri="{91240B29-F687-4f45-9708-019B960494DF}">
-                <a14:hiddenLine xmlns:a14="http://schemas.microsoft.com/office/drawing/2010/main" xmlns="" w="9525">
+                <a14:hiddenLine xmlns="" xmlns:a14="http://schemas.microsoft.com/office/drawing/2010/main" w="9525">
                   <a:solidFill>
                     <a:srgbClr val="000000"/>
                   </a:solidFill>
@@ -3549,7 +3549,7 @@
             </a:ln>
             <a:extLst>
               <a:ext uri="{91240B29-F687-4f45-9708-019B960494DF}">
-                <a14:hiddenLine xmlns:a14="http://schemas.microsoft.com/office/drawing/2010/main" xmlns="" w="9525">
+                <a14:hiddenLine xmlns="" xmlns:a14="http://schemas.microsoft.com/office/drawing/2010/main" w="9525">
                   <a:solidFill>
                     <a:srgbClr val="000000"/>
                   </a:solidFill>
@@ -3583,7 +3583,7 @@
             </a:ln>
             <a:extLst>
               <a:ext uri="{91240B29-F687-4f45-9708-019B960494DF}">
-                <a14:hiddenLine xmlns:a14="http://schemas.microsoft.com/office/drawing/2010/main" xmlns="" w="9525">
+                <a14:hiddenLine xmlns="" xmlns:a14="http://schemas.microsoft.com/office/drawing/2010/main" w="9525">
                   <a:solidFill>
                     <a:srgbClr val="000000"/>
                   </a:solidFill>
@@ -3648,7 +3648,7 @@
             </a:ln>
             <a:extLst>
               <a:ext uri="{91240B29-F687-4f45-9708-019B960494DF}">
-                <a14:hiddenLine xmlns:a14="http://schemas.microsoft.com/office/drawing/2010/main" xmlns="" w="9525">
+                <a14:hiddenLine xmlns="" xmlns:a14="http://schemas.microsoft.com/office/drawing/2010/main" w="9525">
                   <a:solidFill>
                     <a:srgbClr val="000000"/>
                   </a:solidFill>
@@ -3738,7 +3738,7 @@
             </a:ln>
             <a:extLst>
               <a:ext uri="{91240B29-F687-4f45-9708-019B960494DF}">
-                <a14:hiddenLine xmlns:a14="http://schemas.microsoft.com/office/drawing/2010/main" xmlns="" w="9525">
+                <a14:hiddenLine xmlns="" xmlns:a14="http://schemas.microsoft.com/office/drawing/2010/main" w="9525">
                   <a:solidFill>
                     <a:srgbClr val="000000"/>
                   </a:solidFill>
@@ -3800,7 +3800,7 @@
             </a:ln>
             <a:extLst>
               <a:ext uri="{91240B29-F687-4f45-9708-019B960494DF}">
-                <a14:hiddenLine xmlns:a14="http://schemas.microsoft.com/office/drawing/2010/main" xmlns="" w="9525">
+                <a14:hiddenLine xmlns="" xmlns:a14="http://schemas.microsoft.com/office/drawing/2010/main" w="9525">
                   <a:solidFill>
                     <a:srgbClr val="000000"/>
                   </a:solidFill>
@@ -3890,7 +3890,7 @@
             </a:ln>
             <a:extLst>
               <a:ext uri="{91240B29-F687-4f45-9708-019B960494DF}">
-                <a14:hiddenLine xmlns:a14="http://schemas.microsoft.com/office/drawing/2010/main" xmlns="" w="9525">
+                <a14:hiddenLine xmlns="" xmlns:a14="http://schemas.microsoft.com/office/drawing/2010/main" w="9525">
                   <a:solidFill>
                     <a:srgbClr val="000000"/>
                   </a:solidFill>
@@ -3980,7 +3980,7 @@
             </a:ln>
             <a:extLst>
               <a:ext uri="{91240B29-F687-4f45-9708-019B960494DF}">
-                <a14:hiddenLine xmlns:a14="http://schemas.microsoft.com/office/drawing/2010/main" xmlns="" w="9525">
+                <a14:hiddenLine xmlns="" xmlns:a14="http://schemas.microsoft.com/office/drawing/2010/main" w="9525">
                   <a:solidFill>
                     <a:srgbClr val="000000"/>
                   </a:solidFill>
@@ -4045,7 +4045,7 @@
             </a:ln>
             <a:extLst>
               <a:ext uri="{91240B29-F687-4f45-9708-019B960494DF}">
-                <a14:hiddenLine xmlns:a14="http://schemas.microsoft.com/office/drawing/2010/main" xmlns="" w="9525">
+                <a14:hiddenLine xmlns="" xmlns:a14="http://schemas.microsoft.com/office/drawing/2010/main" w="9525">
                   <a:solidFill>
                     <a:srgbClr val="000000"/>
                   </a:solidFill>
@@ -4107,7 +4107,7 @@
             </a:ln>
             <a:extLst>
               <a:ext uri="{91240B29-F687-4f45-9708-019B960494DF}">
-                <a14:hiddenLine xmlns:a14="http://schemas.microsoft.com/office/drawing/2010/main" xmlns="" w="9525">
+                <a14:hiddenLine xmlns="" xmlns:a14="http://schemas.microsoft.com/office/drawing/2010/main" w="9525">
                   <a:solidFill>
                     <a:srgbClr val="000000"/>
                   </a:solidFill>
@@ -4197,7 +4197,7 @@
             </a:ln>
             <a:extLst>
               <a:ext uri="{91240B29-F687-4f45-9708-019B960494DF}">
-                <a14:hiddenLine xmlns:a14="http://schemas.microsoft.com/office/drawing/2010/main" xmlns="" w="9525">
+                <a14:hiddenLine xmlns="" xmlns:a14="http://schemas.microsoft.com/office/drawing/2010/main" w="9525">
                   <a:solidFill>
                     <a:srgbClr val="000000"/>
                   </a:solidFill>
@@ -4287,7 +4287,7 @@
             </a:ln>
             <a:extLst>
               <a:ext uri="{91240B29-F687-4f45-9708-019B960494DF}">
-                <a14:hiddenLine xmlns:a14="http://schemas.microsoft.com/office/drawing/2010/main" xmlns="" w="9525">
+                <a14:hiddenLine xmlns="" xmlns:a14="http://schemas.microsoft.com/office/drawing/2010/main" w="9525">
                   <a:solidFill>
                     <a:srgbClr val="000000"/>
                   </a:solidFill>
@@ -4349,7 +4349,7 @@
             </a:ln>
             <a:extLst>
               <a:ext uri="{91240B29-F687-4f45-9708-019B960494DF}">
-                <a14:hiddenLine xmlns:a14="http://schemas.microsoft.com/office/drawing/2010/main" xmlns="" w="9525">
+                <a14:hiddenLine xmlns="" xmlns:a14="http://schemas.microsoft.com/office/drawing/2010/main" w="9525">
                   <a:solidFill>
                     <a:srgbClr val="000000"/>
                   </a:solidFill>
@@ -4469,7 +4469,7 @@
             </a:ln>
             <a:extLst>
               <a:ext uri="{91240B29-F687-4f45-9708-019B960494DF}">
-                <a14:hiddenLine xmlns:a14="http://schemas.microsoft.com/office/drawing/2010/main" xmlns="" w="9525">
+                <a14:hiddenLine xmlns="" xmlns:a14="http://schemas.microsoft.com/office/drawing/2010/main" w="9525">
                   <a:solidFill>
                     <a:srgbClr val="000000"/>
                   </a:solidFill>
@@ -4537,7 +4537,7 @@
             </a:ln>
             <a:extLst>
               <a:ext uri="{91240B29-F687-4f45-9708-019B960494DF}">
-                <a14:hiddenLine xmlns:a14="http://schemas.microsoft.com/office/drawing/2010/main" xmlns="" w="9525">
+                <a14:hiddenLine xmlns="" xmlns:a14="http://schemas.microsoft.com/office/drawing/2010/main" w="9525">
                   <a:solidFill>
                     <a:srgbClr val="000000"/>
                   </a:solidFill>
@@ -4627,7 +4627,7 @@
             </a:ln>
             <a:extLst>
               <a:ext uri="{91240B29-F687-4f45-9708-019B960494DF}">
-                <a14:hiddenLine xmlns:a14="http://schemas.microsoft.com/office/drawing/2010/main" xmlns="" w="9525">
+                <a14:hiddenLine xmlns="" xmlns:a14="http://schemas.microsoft.com/office/drawing/2010/main" w="9525">
                   <a:solidFill>
                     <a:srgbClr val="000000"/>
                   </a:solidFill>
@@ -4767,7 +4767,7 @@
           <a:p>
             <a:fld id="{7DE43FF9-C8CF-45D9-957C-DFE5893265ED}" type="datetime1">
               <a:rPr lang="en-US" smtClean="0"/>
-              <a:t>7/16/2024</a:t>
+              <a:t>9/1/2024</a:t>
             </a:fld>
             <a:endParaRPr lang="en-US" dirty="0"/>
           </a:p>
@@ -5029,7 +5029,7 @@
           <a:p>
             <a:fld id="{C57518F0-EDE0-4831-92DC-24E618EE6637}" type="datetime1">
               <a:rPr lang="en-US" smtClean="0"/>
-              <a:t>7/16/2024</a:t>
+              <a:t>9/1/2024</a:t>
             </a:fld>
             <a:endParaRPr lang="en-US" dirty="0"/>
           </a:p>
@@ -5220,7 +5220,7 @@
           <a:p>
             <a:fld id="{3CDAACBE-30D6-4568-9B11-8DCD916C3C4D}" type="datetime1">
               <a:rPr lang="en-US" smtClean="0"/>
-              <a:t>7/16/2024</a:t>
+              <a:t>9/1/2024</a:t>
             </a:fld>
             <a:endParaRPr lang="en-US" dirty="0"/>
           </a:p>
@@ -5478,7 +5478,7 @@
           <a:p>
             <a:fld id="{04959AFF-A2F8-47D8-A601-E298EE57E9C5}" type="datetime1">
               <a:rPr lang="en-US" smtClean="0"/>
-              <a:t>7/16/2024</a:t>
+              <a:t>9/1/2024</a:t>
             </a:fld>
             <a:endParaRPr lang="en-US" dirty="0"/>
           </a:p>
@@ -5907,7 +5907,7 @@
           <a:p>
             <a:fld id="{04470849-E5B7-41E3-8F5A-577DCDC1E3AC}" type="datetime1">
               <a:rPr lang="en-US" smtClean="0"/>
-              <a:t>7/16/2024</a:t>
+              <a:t>9/1/2024</a:t>
             </a:fld>
             <a:endParaRPr lang="en-US" dirty="0"/>
           </a:p>
@@ -6448,7 +6448,7 @@
           <a:p>
             <a:fld id="{051AA897-37DD-493E-BBF0-FDA5BEBD998C}" type="datetime1">
               <a:rPr lang="en-US" smtClean="0"/>
-              <a:t>7/16/2024</a:t>
+              <a:t>9/1/2024</a:t>
             </a:fld>
             <a:endParaRPr lang="en-US" dirty="0"/>
           </a:p>
@@ -7163,7 +7163,7 @@
           <a:p>
             <a:fld id="{78E2569A-C0D7-4EAD-A1EF-9EC40279ABF5}" type="datetime1">
               <a:rPr lang="en-US" smtClean="0"/>
-              <a:t>7/16/2024</a:t>
+              <a:t>9/1/2024</a:t>
             </a:fld>
             <a:endParaRPr lang="en-US" dirty="0"/>
           </a:p>
@@ -7328,7 +7328,7 @@
           <a:p>
             <a:fld id="{97A8188D-89F8-4FC9-93CC-8D04DEC44443}" type="datetime1">
               <a:rPr lang="en-US" smtClean="0"/>
-              <a:t>7/16/2024</a:t>
+              <a:t>9/1/2024</a:t>
             </a:fld>
             <a:endParaRPr lang="en-US" dirty="0"/>
           </a:p>
@@ -7503,7 +7503,7 @@
           <a:p>
             <a:fld id="{65C8AFF4-D331-4B2D-A56B-D72D0B0F295A}" type="datetime1">
               <a:rPr lang="en-US" smtClean="0"/>
-              <a:t>7/16/2024</a:t>
+              <a:t>9/1/2024</a:t>
             </a:fld>
             <a:endParaRPr lang="en-US" dirty="0"/>
           </a:p>
@@ -7668,7 +7668,7 @@
           <a:p>
             <a:fld id="{D5D59B74-9F17-4691-9887-73103569E3B7}" type="datetime1">
               <a:rPr lang="en-US" smtClean="0"/>
-              <a:t>7/16/2024</a:t>
+              <a:t>9/1/2024</a:t>
             </a:fld>
             <a:endParaRPr lang="en-US" dirty="0"/>
           </a:p>
@@ -7913,7 +7913,7 @@
           <a:p>
             <a:fld id="{4E77D2F9-8C6F-4E09-9899-1D15D576D801}" type="datetime1">
               <a:rPr lang="en-US" smtClean="0"/>
-              <a:t>7/16/2024</a:t>
+              <a:t>9/1/2024</a:t>
             </a:fld>
             <a:endParaRPr lang="en-US" dirty="0"/>
           </a:p>
@@ -8140,7 +8140,7 @@
           <a:p>
             <a:fld id="{872D1635-1945-4F22-9B5E-7674B8DCA5A4}" type="datetime1">
               <a:rPr lang="en-US" smtClean="0"/>
-              <a:t>7/16/2024</a:t>
+              <a:t>9/1/2024</a:t>
             </a:fld>
             <a:endParaRPr lang="en-US" dirty="0"/>
           </a:p>
@@ -8516,7 +8516,7 @@
           <a:p>
             <a:fld id="{78A2AA84-F7ED-47E9-A912-C51B0B7948DB}" type="datetime1">
               <a:rPr lang="en-US" smtClean="0"/>
-              <a:t>7/16/2024</a:t>
+              <a:t>9/1/2024</a:t>
             </a:fld>
             <a:endParaRPr lang="en-US" dirty="0"/>
           </a:p>
@@ -8629,7 +8629,7 @@
           <a:p>
             <a:fld id="{3C83406E-3C96-4ABB-9FE5-A2EBFCD61902}" type="datetime1">
               <a:rPr lang="en-US" smtClean="0"/>
-              <a:t>7/16/2024</a:t>
+              <a:t>9/1/2024</a:t>
             </a:fld>
             <a:endParaRPr lang="en-US" dirty="0"/>
           </a:p>
@@ -8719,7 +8719,7 @@
           <a:p>
             <a:fld id="{2EC2EB48-329D-4668-AA0B-6256199CB2DD}" type="datetime1">
               <a:rPr lang="en-US" smtClean="0"/>
-              <a:t>7/16/2024</a:t>
+              <a:t>9/1/2024</a:t>
             </a:fld>
             <a:endParaRPr lang="en-US" dirty="0"/>
           </a:p>
@@ -8963,7 +8963,7 @@
           <a:p>
             <a:fld id="{C00E0438-8EFC-4B21-B9BB-B00BFC92B32C}" type="datetime1">
               <a:rPr lang="en-US" smtClean="0"/>
-              <a:t>7/16/2024</a:t>
+              <a:t>9/1/2024</a:t>
             </a:fld>
             <a:endParaRPr lang="en-US" dirty="0"/>
           </a:p>
@@ -9238,7 +9238,7 @@
           <a:p>
             <a:fld id="{5B054583-F53D-453B-8565-08F6FD7BFFD5}" type="datetime1">
               <a:rPr lang="en-US" smtClean="0"/>
-              <a:t>7/16/2024</a:t>
+              <a:t>9/1/2024</a:t>
             </a:fld>
             <a:endParaRPr lang="en-US" dirty="0"/>
           </a:p>
@@ -9356,7 +9356,7 @@
           <a:noFill/>
           <a:extLst>
             <a:ext uri="{909E8E84-426E-40dd-AFC4-6F175D3DCCD1}">
-              <a14:hiddenFill xmlns:a14="http://schemas.microsoft.com/office/drawing/2010/main" xmlns="">
+              <a14:hiddenFill xmlns="" xmlns:a14="http://schemas.microsoft.com/office/drawing/2010/main">
                 <a:solidFill>
                   <a:srgbClr val="FFFFFF"/>
                 </a:solidFill>
@@ -9430,7 +9430,7 @@
               </a:ln>
               <a:extLst>
                 <a:ext uri="{91240B29-F687-4f45-9708-019B960494DF}">
-                  <a14:hiddenLine xmlns:a14="http://schemas.microsoft.com/office/drawing/2010/main" xmlns="" w="9525">
+                  <a14:hiddenLine xmlns="" xmlns:a14="http://schemas.microsoft.com/office/drawing/2010/main" w="9525">
                     <a:solidFill>
                       <a:srgbClr val="000000"/>
                     </a:solidFill>
@@ -9520,7 +9520,7 @@
               </a:ln>
               <a:extLst>
                 <a:ext uri="{91240B29-F687-4f45-9708-019B960494DF}">
-                  <a14:hiddenLine xmlns:a14="http://schemas.microsoft.com/office/drawing/2010/main" xmlns="" w="9525">
+                  <a14:hiddenLine xmlns="" xmlns:a14="http://schemas.microsoft.com/office/drawing/2010/main" w="9525">
                     <a:solidFill>
                       <a:srgbClr val="000000"/>
                     </a:solidFill>
@@ -9610,7 +9610,7 @@
               </a:ln>
               <a:extLst>
                 <a:ext uri="{91240B29-F687-4f45-9708-019B960494DF}">
-                  <a14:hiddenLine xmlns:a14="http://schemas.microsoft.com/office/drawing/2010/main" xmlns="" w="9525">
+                  <a14:hiddenLine xmlns="" xmlns:a14="http://schemas.microsoft.com/office/drawing/2010/main" w="9525">
                     <a:solidFill>
                       <a:srgbClr val="000000"/>
                     </a:solidFill>
@@ -9672,7 +9672,7 @@
               </a:ln>
               <a:extLst>
                 <a:ext uri="{91240B29-F687-4f45-9708-019B960494DF}">
-                  <a14:hiddenLine xmlns:a14="http://schemas.microsoft.com/office/drawing/2010/main" xmlns="" w="9525">
+                  <a14:hiddenLine xmlns="" xmlns:a14="http://schemas.microsoft.com/office/drawing/2010/main" w="9525">
                     <a:solidFill>
                       <a:srgbClr val="000000"/>
                     </a:solidFill>
@@ -9762,7 +9762,7 @@
               </a:ln>
               <a:extLst>
                 <a:ext uri="{91240B29-F687-4f45-9708-019B960494DF}">
-                  <a14:hiddenLine xmlns:a14="http://schemas.microsoft.com/office/drawing/2010/main" xmlns="" w="9525">
+                  <a14:hiddenLine xmlns="" xmlns:a14="http://schemas.microsoft.com/office/drawing/2010/main" w="9525">
                     <a:solidFill>
                       <a:srgbClr val="000000"/>
                     </a:solidFill>
@@ -9824,7 +9824,7 @@
               </a:ln>
               <a:extLst>
                 <a:ext uri="{91240B29-F687-4f45-9708-019B960494DF}">
-                  <a14:hiddenLine xmlns:a14="http://schemas.microsoft.com/office/drawing/2010/main" xmlns="" w="9525">
+                  <a14:hiddenLine xmlns="" xmlns:a14="http://schemas.microsoft.com/office/drawing/2010/main" w="9525">
                     <a:solidFill>
                       <a:srgbClr val="000000"/>
                     </a:solidFill>
@@ -9886,7 +9886,7 @@
               </a:ln>
               <a:extLst>
                 <a:ext uri="{91240B29-F687-4f45-9708-019B960494DF}">
-                  <a14:hiddenLine xmlns:a14="http://schemas.microsoft.com/office/drawing/2010/main" xmlns="" w="9525">
+                  <a14:hiddenLine xmlns="" xmlns:a14="http://schemas.microsoft.com/office/drawing/2010/main" w="9525">
                     <a:solidFill>
                       <a:srgbClr val="000000"/>
                     </a:solidFill>
@@ -9976,7 +9976,7 @@
               </a:ln>
               <a:extLst>
                 <a:ext uri="{91240B29-F687-4f45-9708-019B960494DF}">
-                  <a14:hiddenLine xmlns:a14="http://schemas.microsoft.com/office/drawing/2010/main" xmlns="" w="9525">
+                  <a14:hiddenLine xmlns="" xmlns:a14="http://schemas.microsoft.com/office/drawing/2010/main" w="9525">
                     <a:solidFill>
                       <a:srgbClr val="000000"/>
                     </a:solidFill>
@@ -10066,7 +10066,7 @@
               </a:ln>
               <a:extLst>
                 <a:ext uri="{91240B29-F687-4f45-9708-019B960494DF}">
-                  <a14:hiddenLine xmlns:a14="http://schemas.microsoft.com/office/drawing/2010/main" xmlns="" w="9525">
+                  <a14:hiddenLine xmlns="" xmlns:a14="http://schemas.microsoft.com/office/drawing/2010/main" w="9525">
                     <a:solidFill>
                       <a:srgbClr val="000000"/>
                     </a:solidFill>
@@ -10128,7 +10128,7 @@
               </a:ln>
               <a:extLst>
                 <a:ext uri="{91240B29-F687-4f45-9708-019B960494DF}">
-                  <a14:hiddenLine xmlns:a14="http://schemas.microsoft.com/office/drawing/2010/main" xmlns="" w="9525">
+                  <a14:hiddenLine xmlns="" xmlns:a14="http://schemas.microsoft.com/office/drawing/2010/main" w="9525">
                     <a:solidFill>
                       <a:srgbClr val="000000"/>
                     </a:solidFill>
@@ -10238,7 +10238,7 @@
               </a:ln>
               <a:extLst>
                 <a:ext uri="{91240B29-F687-4f45-9708-019B960494DF}">
-                  <a14:hiddenLine xmlns:a14="http://schemas.microsoft.com/office/drawing/2010/main" xmlns="" w="9525">
+                  <a14:hiddenLine xmlns="" xmlns:a14="http://schemas.microsoft.com/office/drawing/2010/main" w="9525">
                     <a:solidFill>
                       <a:srgbClr val="000000"/>
                     </a:solidFill>
@@ -10322,7 +10322,7 @@
               </a:ln>
               <a:extLst>
                 <a:ext uri="{91240B29-F687-4f45-9708-019B960494DF}">
-                  <a14:hiddenLine xmlns:a14="http://schemas.microsoft.com/office/drawing/2010/main" xmlns="" w="9525">
+                  <a14:hiddenLine xmlns="" xmlns:a14="http://schemas.microsoft.com/office/drawing/2010/main" w="9525">
                     <a:solidFill>
                       <a:srgbClr val="000000"/>
                     </a:solidFill>
@@ -10384,7 +10384,7 @@
               </a:ln>
               <a:extLst>
                 <a:ext uri="{91240B29-F687-4f45-9708-019B960494DF}">
-                  <a14:hiddenLine xmlns:a14="http://schemas.microsoft.com/office/drawing/2010/main" xmlns="" w="9525">
+                  <a14:hiddenLine xmlns="" xmlns:a14="http://schemas.microsoft.com/office/drawing/2010/main" w="9525">
                     <a:solidFill>
                       <a:srgbClr val="000000"/>
                     </a:solidFill>
@@ -10446,7 +10446,7 @@
               </a:ln>
               <a:extLst>
                 <a:ext uri="{91240B29-F687-4f45-9708-019B960494DF}">
-                  <a14:hiddenLine xmlns:a14="http://schemas.microsoft.com/office/drawing/2010/main" xmlns="" w="9525">
+                  <a14:hiddenLine xmlns="" xmlns:a14="http://schemas.microsoft.com/office/drawing/2010/main" w="9525">
                     <a:solidFill>
                       <a:srgbClr val="000000"/>
                     </a:solidFill>
@@ -10536,7 +10536,7 @@
               </a:ln>
               <a:extLst>
                 <a:ext uri="{91240B29-F687-4f45-9708-019B960494DF}">
-                  <a14:hiddenLine xmlns:a14="http://schemas.microsoft.com/office/drawing/2010/main" xmlns="" w="9525">
+                  <a14:hiddenLine xmlns="" xmlns:a14="http://schemas.microsoft.com/office/drawing/2010/main" w="9525">
                     <a:solidFill>
                       <a:srgbClr val="000000"/>
                     </a:solidFill>
@@ -10570,7 +10570,7 @@
               </a:ln>
               <a:extLst>
                 <a:ext uri="{91240B29-F687-4f45-9708-019B960494DF}">
-                  <a14:hiddenLine xmlns:a14="http://schemas.microsoft.com/office/drawing/2010/main" xmlns="" w="9525">
+                  <a14:hiddenLine xmlns="" xmlns:a14="http://schemas.microsoft.com/office/drawing/2010/main" w="9525">
                     <a:solidFill>
                       <a:srgbClr val="000000"/>
                     </a:solidFill>
@@ -10635,7 +10635,7 @@
               </a:ln>
               <a:extLst>
                 <a:ext uri="{91240B29-F687-4f45-9708-019B960494DF}">
-                  <a14:hiddenLine xmlns:a14="http://schemas.microsoft.com/office/drawing/2010/main" xmlns="" w="9525">
+                  <a14:hiddenLine xmlns="" xmlns:a14="http://schemas.microsoft.com/office/drawing/2010/main" w="9525">
                     <a:solidFill>
                       <a:srgbClr val="000000"/>
                     </a:solidFill>
@@ -10725,7 +10725,7 @@
               </a:ln>
               <a:extLst>
                 <a:ext uri="{91240B29-F687-4f45-9708-019B960494DF}">
-                  <a14:hiddenLine xmlns:a14="http://schemas.microsoft.com/office/drawing/2010/main" xmlns="" w="9525">
+                  <a14:hiddenLine xmlns="" xmlns:a14="http://schemas.microsoft.com/office/drawing/2010/main" w="9525">
                     <a:solidFill>
                       <a:srgbClr val="000000"/>
                     </a:solidFill>
@@ -10787,7 +10787,7 @@
               </a:ln>
               <a:extLst>
                 <a:ext uri="{91240B29-F687-4f45-9708-019B960494DF}">
-                  <a14:hiddenLine xmlns:a14="http://schemas.microsoft.com/office/drawing/2010/main" xmlns="" w="9525">
+                  <a14:hiddenLine xmlns="" xmlns:a14="http://schemas.microsoft.com/office/drawing/2010/main" w="9525">
                     <a:solidFill>
                       <a:srgbClr val="000000"/>
                     </a:solidFill>
@@ -10877,7 +10877,7 @@
               </a:ln>
               <a:extLst>
                 <a:ext uri="{91240B29-F687-4f45-9708-019B960494DF}">
-                  <a14:hiddenLine xmlns:a14="http://schemas.microsoft.com/office/drawing/2010/main" xmlns="" w="9525">
+                  <a14:hiddenLine xmlns="" xmlns:a14="http://schemas.microsoft.com/office/drawing/2010/main" w="9525">
                     <a:solidFill>
                       <a:srgbClr val="000000"/>
                     </a:solidFill>
@@ -10942,7 +10942,7 @@
               </a:ln>
               <a:extLst>
                 <a:ext uri="{91240B29-F687-4f45-9708-019B960494DF}">
-                  <a14:hiddenLine xmlns:a14="http://schemas.microsoft.com/office/drawing/2010/main" xmlns="" w="9525">
+                  <a14:hiddenLine xmlns="" xmlns:a14="http://schemas.microsoft.com/office/drawing/2010/main" w="9525">
                     <a:solidFill>
                       <a:srgbClr val="000000"/>
                     </a:solidFill>
@@ -11004,7 +11004,7 @@
               </a:ln>
               <a:extLst>
                 <a:ext uri="{91240B29-F687-4f45-9708-019B960494DF}">
-                  <a14:hiddenLine xmlns:a14="http://schemas.microsoft.com/office/drawing/2010/main" xmlns="" w="9525">
+                  <a14:hiddenLine xmlns="" xmlns:a14="http://schemas.microsoft.com/office/drawing/2010/main" w="9525">
                     <a:solidFill>
                       <a:srgbClr val="000000"/>
                     </a:solidFill>
@@ -11094,7 +11094,7 @@
               </a:ln>
               <a:extLst>
                 <a:ext uri="{91240B29-F687-4f45-9708-019B960494DF}">
-                  <a14:hiddenLine xmlns:a14="http://schemas.microsoft.com/office/drawing/2010/main" xmlns="" w="9525">
+                  <a14:hiddenLine xmlns="" xmlns:a14="http://schemas.microsoft.com/office/drawing/2010/main" w="9525">
                     <a:solidFill>
                       <a:srgbClr val="000000"/>
                     </a:solidFill>
@@ -11184,7 +11184,7 @@
               </a:ln>
               <a:extLst>
                 <a:ext uri="{91240B29-F687-4f45-9708-019B960494DF}">
-                  <a14:hiddenLine xmlns:a14="http://schemas.microsoft.com/office/drawing/2010/main" xmlns="" w="9525">
+                  <a14:hiddenLine xmlns="" xmlns:a14="http://schemas.microsoft.com/office/drawing/2010/main" w="9525">
                     <a:solidFill>
                       <a:srgbClr val="000000"/>
                     </a:solidFill>
@@ -11249,7 +11249,7 @@
               </a:ln>
               <a:extLst>
                 <a:ext uri="{91240B29-F687-4f45-9708-019B960494DF}">
-                  <a14:hiddenLine xmlns:a14="http://schemas.microsoft.com/office/drawing/2010/main" xmlns="" w="9525">
+                  <a14:hiddenLine xmlns="" xmlns:a14="http://schemas.microsoft.com/office/drawing/2010/main" w="9525">
                     <a:solidFill>
                       <a:srgbClr val="000000"/>
                     </a:solidFill>
@@ -11369,7 +11369,7 @@
               </a:ln>
               <a:extLst>
                 <a:ext uri="{91240B29-F687-4f45-9708-019B960494DF}">
-                  <a14:hiddenLine xmlns:a14="http://schemas.microsoft.com/office/drawing/2010/main" xmlns="" w="9525">
+                  <a14:hiddenLine xmlns="" xmlns:a14="http://schemas.microsoft.com/office/drawing/2010/main" w="9525">
                     <a:solidFill>
                       <a:srgbClr val="000000"/>
                     </a:solidFill>
@@ -11450,7 +11450,7 @@
               </a:ln>
               <a:extLst>
                 <a:ext uri="{91240B29-F687-4f45-9708-019B960494DF}">
-                  <a14:hiddenLine xmlns:a14="http://schemas.microsoft.com/office/drawing/2010/main" xmlns="" w="9525">
+                  <a14:hiddenLine xmlns="" xmlns:a14="http://schemas.microsoft.com/office/drawing/2010/main" w="9525">
                     <a:solidFill>
                       <a:srgbClr val="000000"/>
                     </a:solidFill>
@@ -11565,7 +11565,7 @@
               </a:ln>
               <a:extLst>
                 <a:ext uri="{91240B29-F687-4f45-9708-019B960494DF}">
-                  <a14:hiddenLine xmlns:a14="http://schemas.microsoft.com/office/drawing/2010/main" xmlns="" w="9525">
+                  <a14:hiddenLine xmlns="" xmlns:a14="http://schemas.microsoft.com/office/drawing/2010/main" w="9525">
                     <a:solidFill>
                       <a:srgbClr val="000000"/>
                     </a:solidFill>
@@ -11655,7 +11655,7 @@
               </a:ln>
               <a:extLst>
                 <a:ext uri="{91240B29-F687-4f45-9708-019B960494DF}">
-                  <a14:hiddenLine xmlns:a14="http://schemas.microsoft.com/office/drawing/2010/main" xmlns="" w="9525">
+                  <a14:hiddenLine xmlns="" xmlns:a14="http://schemas.microsoft.com/office/drawing/2010/main" w="9525">
                     <a:solidFill>
                       <a:srgbClr val="000000"/>
                     </a:solidFill>
@@ -11720,7 +11720,7 @@
               </a:ln>
               <a:extLst>
                 <a:ext uri="{91240B29-F687-4f45-9708-019B960494DF}">
-                  <a14:hiddenLine xmlns:a14="http://schemas.microsoft.com/office/drawing/2010/main" xmlns="" w="9525">
+                  <a14:hiddenLine xmlns="" xmlns:a14="http://schemas.microsoft.com/office/drawing/2010/main" w="9525">
                     <a:solidFill>
                       <a:srgbClr val="000000"/>
                     </a:solidFill>
@@ -11810,7 +11810,7 @@
               </a:ln>
               <a:extLst>
                 <a:ext uri="{91240B29-F687-4f45-9708-019B960494DF}">
-                  <a14:hiddenLine xmlns:a14="http://schemas.microsoft.com/office/drawing/2010/main" xmlns="" w="9525">
+                  <a14:hiddenLine xmlns="" xmlns:a14="http://schemas.microsoft.com/office/drawing/2010/main" w="9525">
                     <a:solidFill>
                       <a:srgbClr val="000000"/>
                     </a:solidFill>
@@ -11878,7 +11878,7 @@
               </a:ln>
               <a:extLst>
                 <a:ext uri="{91240B29-F687-4f45-9708-019B960494DF}">
-                  <a14:hiddenLine xmlns:a14="http://schemas.microsoft.com/office/drawing/2010/main" xmlns="" w="9525">
+                  <a14:hiddenLine xmlns="" xmlns:a14="http://schemas.microsoft.com/office/drawing/2010/main" w="9525">
                     <a:solidFill>
                       <a:srgbClr val="000000"/>
                     </a:solidFill>
@@ -11968,7 +11968,7 @@
               </a:ln>
               <a:extLst>
                 <a:ext uri="{91240B29-F687-4f45-9708-019B960494DF}">
-                  <a14:hiddenLine xmlns:a14="http://schemas.microsoft.com/office/drawing/2010/main" xmlns="" w="9525">
+                  <a14:hiddenLine xmlns="" xmlns:a14="http://schemas.microsoft.com/office/drawing/2010/main" w="9525">
                     <a:solidFill>
                       <a:srgbClr val="000000"/>
                     </a:solidFill>
@@ -12036,7 +12036,7 @@
               </a:ln>
               <a:extLst>
                 <a:ext uri="{91240B29-F687-4f45-9708-019B960494DF}">
-                  <a14:hiddenLine xmlns:a14="http://schemas.microsoft.com/office/drawing/2010/main" xmlns="" w="9525">
+                  <a14:hiddenLine xmlns="" xmlns:a14="http://schemas.microsoft.com/office/drawing/2010/main" w="9525">
                     <a:solidFill>
                       <a:srgbClr val="000000"/>
                     </a:solidFill>
@@ -12126,7 +12126,7 @@
               </a:ln>
               <a:extLst>
                 <a:ext uri="{91240B29-F687-4f45-9708-019B960494DF}">
-                  <a14:hiddenLine xmlns:a14="http://schemas.microsoft.com/office/drawing/2010/main" xmlns="" w="9525">
+                  <a14:hiddenLine xmlns="" xmlns:a14="http://schemas.microsoft.com/office/drawing/2010/main" w="9525">
                     <a:solidFill>
                       <a:srgbClr val="000000"/>
                     </a:solidFill>
@@ -12160,7 +12160,7 @@
               </a:ln>
               <a:extLst>
                 <a:ext uri="{91240B29-F687-4f45-9708-019B960494DF}">
-                  <a14:hiddenLine xmlns:a14="http://schemas.microsoft.com/office/drawing/2010/main" xmlns="" w="9525">
+                  <a14:hiddenLine xmlns="" xmlns:a14="http://schemas.microsoft.com/office/drawing/2010/main" w="9525">
                     <a:solidFill>
                       <a:srgbClr val="000000"/>
                     </a:solidFill>
@@ -12300,7 +12300,7 @@
           <a:p>
             <a:fld id="{A6773049-8762-40D6-AA37-AAE0811C9A25}" type="datetime1">
               <a:rPr lang="en-US" smtClean="0"/>
-              <a:t>7/16/2024</a:t>
+              <a:t>9/1/2024</a:t>
             </a:fld>
             <a:endParaRPr lang="en-US" dirty="0"/>
           </a:p>
@@ -15887,49 +15887,32 @@
       </p:sp>
       <p:pic>
         <p:nvPicPr>
-          <p:cNvPr id="4098" name="Picture 2" descr="Conception et développement d'une application pour la gestion d'une agence  de location de voiture (suite) ~ Computer Tutorials">
+          <p:cNvPr id="7" name="Image 6">
             <a:extLst>
               <a:ext uri="{FF2B5EF4-FFF2-40B4-BE49-F238E27FC236}">
-                <a16:creationId xmlns:a16="http://schemas.microsoft.com/office/drawing/2014/main" id="{F5F837AD-AE33-453E-9325-6C223A48A3B3}"/>
+                <a16:creationId xmlns:a16="http://schemas.microsoft.com/office/drawing/2014/main" id="{68529825-DE63-46B8-BCFE-3B8B7E5D9454}"/>
               </a:ext>
             </a:extLst>
           </p:cNvPr>
           <p:cNvPicPr>
-            <a:picLocks noChangeAspect="1" noChangeArrowheads="1"/>
+            <a:picLocks noChangeAspect="1"/>
           </p:cNvPicPr>
           <p:nvPr/>
         </p:nvPicPr>
         <p:blipFill>
-          <a:blip r:embed="rId2">
-            <a:extLst>
-              <a:ext uri="{28A0092B-C50C-407E-A947-70E740481C1C}">
-                <a14:useLocalDpi xmlns:a14="http://schemas.microsoft.com/office/drawing/2010/main" val="0"/>
-              </a:ext>
-            </a:extLst>
-          </a:blip>
-          <a:srcRect/>
+          <a:blip r:embed="rId2"/>
           <a:stretch>
             <a:fillRect/>
           </a:stretch>
         </p:blipFill>
-        <p:spPr bwMode="auto">
+        <p:spPr>
           <a:xfrm>
-            <a:off x="2051465" y="1967592"/>
-            <a:ext cx="9002078" cy="3714750"/>
+            <a:off x="1438274" y="2054225"/>
+            <a:ext cx="9315450" cy="3790950"/>
           </a:xfrm>
           <a:prstGeom prst="rect">
             <a:avLst/>
           </a:prstGeom>
-          <a:noFill/>
-          <a:extLst>
-            <a:ext uri="{909E8E84-426E-40DD-AFC4-6F175D3DCCD1}">
-              <a14:hiddenFill xmlns:a14="http://schemas.microsoft.com/office/drawing/2010/main">
-                <a:solidFill>
-                  <a:srgbClr val="FFFFFF"/>
-                </a:solidFill>
-              </a14:hiddenFill>
-            </a:ext>
-          </a:extLst>
         </p:spPr>
       </p:pic>
     </p:spTree>
